--- a/ppt/day15_인터페이스.pptx
+++ b/ppt/day15_인터페이스.pptx
@@ -9,14 +9,15 @@
     <p:sldId id="257" r:id="rId3"/>
     <p:sldId id="258" r:id="rId4"/>
     <p:sldId id="259" r:id="rId5"/>
-    <p:sldId id="267" r:id="rId6"/>
-    <p:sldId id="260" r:id="rId7"/>
-    <p:sldId id="261" r:id="rId8"/>
-    <p:sldId id="262" r:id="rId9"/>
-    <p:sldId id="263" r:id="rId10"/>
-    <p:sldId id="264" r:id="rId11"/>
-    <p:sldId id="265" r:id="rId12"/>
-    <p:sldId id="266" r:id="rId13"/>
+    <p:sldId id="268" r:id="rId6"/>
+    <p:sldId id="267" r:id="rId7"/>
+    <p:sldId id="260" r:id="rId8"/>
+    <p:sldId id="261" r:id="rId9"/>
+    <p:sldId id="262" r:id="rId10"/>
+    <p:sldId id="263" r:id="rId11"/>
+    <p:sldId id="264" r:id="rId12"/>
+    <p:sldId id="265" r:id="rId13"/>
+    <p:sldId id="266" r:id="rId14"/>
   </p:sldIdLst>
   <p:sldSz cx="9144000" cy="6858000" type="screen4x3"/>
   <p:notesSz cx="6858000" cy="9144000"/>
@@ -3944,6 +3945,829 @@
       </p:grpSpPr>
       <p:sp>
         <p:nvSpPr>
+          <p:cNvPr id="4" name="직사각형 3"/>
+          <p:cNvSpPr/>
+          <p:nvPr/>
+        </p:nvSpPr>
+        <p:spPr>
+          <a:xfrm>
+            <a:off x="1043608" y="1371982"/>
+            <a:ext cx="3312368" cy="4176464"/>
+          </a:xfrm>
+          <a:prstGeom prst="rect">
+            <a:avLst/>
+          </a:prstGeom>
+        </p:spPr>
+        <p:style>
+          <a:lnRef idx="2">
+            <a:schemeClr val="accent1">
+              <a:shade val="50000"/>
+            </a:schemeClr>
+          </a:lnRef>
+          <a:fillRef idx="1">
+            <a:schemeClr val="accent1"/>
+          </a:fillRef>
+          <a:effectRef idx="0">
+            <a:schemeClr val="accent1"/>
+          </a:effectRef>
+          <a:fontRef idx="minor">
+            <a:schemeClr val="lt1"/>
+          </a:fontRef>
+        </p:style>
+        <p:txBody>
+          <a:bodyPr rtlCol="0" anchor="ctr"/>
+          <a:lstStyle/>
+          <a:p>
+            <a:pPr algn="ctr"/>
+            <a:endParaRPr lang="ko-KR" altLang="en-US"/>
+          </a:p>
+        </p:txBody>
+      </p:sp>
+      <p:sp>
+        <p:nvSpPr>
+          <p:cNvPr id="5" name="직사각형 4"/>
+          <p:cNvSpPr/>
+          <p:nvPr/>
+        </p:nvSpPr>
+        <p:spPr>
+          <a:xfrm>
+            <a:off x="1259632" y="1588006"/>
+            <a:ext cx="2880320" cy="2520280"/>
+          </a:xfrm>
+          <a:prstGeom prst="rect">
+            <a:avLst/>
+          </a:prstGeom>
+          <a:scene3d>
+            <a:camera prst="orthographicFront"/>
+            <a:lightRig rig="threePt" dir="t"/>
+          </a:scene3d>
+          <a:sp3d>
+            <a:bevelT prst="angle"/>
+          </a:sp3d>
+        </p:spPr>
+        <p:style>
+          <a:lnRef idx="2">
+            <a:schemeClr val="accent2">
+              <a:shade val="50000"/>
+            </a:schemeClr>
+          </a:lnRef>
+          <a:fillRef idx="1">
+            <a:schemeClr val="accent2"/>
+          </a:fillRef>
+          <a:effectRef idx="0">
+            <a:schemeClr val="accent2"/>
+          </a:effectRef>
+          <a:fontRef idx="minor">
+            <a:schemeClr val="lt1"/>
+          </a:fontRef>
+        </p:style>
+        <p:txBody>
+          <a:bodyPr rtlCol="0" anchor="ctr"/>
+          <a:lstStyle/>
+          <a:p>
+            <a:pPr algn="ctr"/>
+            <a:endParaRPr lang="ko-KR" altLang="en-US"/>
+          </a:p>
+        </p:txBody>
+      </p:sp>
+      <p:sp>
+        <p:nvSpPr>
+          <p:cNvPr id="6" name="직사각형 5"/>
+          <p:cNvSpPr/>
+          <p:nvPr/>
+        </p:nvSpPr>
+        <p:spPr>
+          <a:xfrm>
+            <a:off x="2086155" y="2186545"/>
+            <a:ext cx="1220725" cy="846411"/>
+          </a:xfrm>
+          <a:prstGeom prst="rect">
+            <a:avLst/>
+          </a:prstGeom>
+          <a:scene3d>
+            <a:camera prst="orthographicFront"/>
+            <a:lightRig rig="threePt" dir="t"/>
+          </a:scene3d>
+          <a:sp3d>
+            <a:bevelT/>
+          </a:sp3d>
+        </p:spPr>
+        <p:style>
+          <a:lnRef idx="2">
+            <a:schemeClr val="accent6">
+              <a:shade val="50000"/>
+            </a:schemeClr>
+          </a:lnRef>
+          <a:fillRef idx="1">
+            <a:schemeClr val="accent6"/>
+          </a:fillRef>
+          <a:effectRef idx="0">
+            <a:schemeClr val="accent6"/>
+          </a:effectRef>
+          <a:fontRef idx="minor">
+            <a:schemeClr val="lt1"/>
+          </a:fontRef>
+        </p:style>
+        <p:txBody>
+          <a:bodyPr rtlCol="0" anchor="ctr"/>
+          <a:lstStyle/>
+          <a:p>
+            <a:pPr algn="ctr"/>
+            <a:r>
+              <a:rPr lang="en-US" altLang="ko-KR" dirty="0" smtClean="0"/>
+              <a:t>name</a:t>
+            </a:r>
+          </a:p>
+          <a:p>
+            <a:pPr algn="ctr"/>
+            <a:r>
+              <a:rPr lang="en-US" altLang="ko-KR" dirty="0" smtClean="0"/>
+              <a:t>age</a:t>
+            </a:r>
+          </a:p>
+          <a:p>
+            <a:pPr algn="ctr"/>
+            <a:r>
+              <a:rPr lang="en-US" altLang="ko-KR" dirty="0" smtClean="0"/>
+              <a:t>weight</a:t>
+            </a:r>
+            <a:endParaRPr lang="ko-KR" altLang="en-US" dirty="0"/>
+          </a:p>
+        </p:txBody>
+      </p:sp>
+      <p:sp>
+        <p:nvSpPr>
+          <p:cNvPr id="7" name="직사각형 6"/>
+          <p:cNvSpPr/>
+          <p:nvPr/>
+        </p:nvSpPr>
+        <p:spPr>
+          <a:xfrm>
+            <a:off x="2077252" y="4684350"/>
+            <a:ext cx="1220725" cy="720080"/>
+          </a:xfrm>
+          <a:prstGeom prst="rect">
+            <a:avLst/>
+          </a:prstGeom>
+          <a:scene3d>
+            <a:camera prst="orthographicFront"/>
+            <a:lightRig rig="threePt" dir="t"/>
+          </a:scene3d>
+          <a:sp3d>
+            <a:bevelT/>
+          </a:sp3d>
+        </p:spPr>
+        <p:style>
+          <a:lnRef idx="2">
+            <a:schemeClr val="accent6">
+              <a:shade val="50000"/>
+            </a:schemeClr>
+          </a:lnRef>
+          <a:fillRef idx="1">
+            <a:schemeClr val="accent6"/>
+          </a:fillRef>
+          <a:effectRef idx="0">
+            <a:schemeClr val="accent6"/>
+          </a:effectRef>
+          <a:fontRef idx="minor">
+            <a:schemeClr val="lt1"/>
+          </a:fontRef>
+        </p:style>
+        <p:txBody>
+          <a:bodyPr rtlCol="0" anchor="ctr"/>
+          <a:lstStyle/>
+          <a:p>
+            <a:pPr algn="ctr"/>
+            <a:r>
+              <a:rPr lang="en-US" altLang="ko-KR" dirty="0" err="1" smtClean="0"/>
+              <a:t>shakeTail</a:t>
+            </a:r>
+            <a:r>
+              <a:rPr lang="en-US" altLang="ko-KR" dirty="0" smtClean="0"/>
+              <a:t>()</a:t>
+            </a:r>
+            <a:endParaRPr lang="en-US" altLang="ko-KR" dirty="0"/>
+          </a:p>
+        </p:txBody>
+      </p:sp>
+      <p:sp>
+        <p:nvSpPr>
+          <p:cNvPr id="8" name="직사각형 7"/>
+          <p:cNvSpPr/>
+          <p:nvPr/>
+        </p:nvSpPr>
+        <p:spPr>
+          <a:xfrm>
+            <a:off x="1541112" y="4211508"/>
+            <a:ext cx="2310810" cy="369620"/>
+          </a:xfrm>
+          <a:prstGeom prst="rect">
+            <a:avLst/>
+          </a:prstGeom>
+          <a:scene3d>
+            <a:camera prst="orthographicFront"/>
+            <a:lightRig rig="threePt" dir="t"/>
+          </a:scene3d>
+          <a:sp3d>
+            <a:bevelT w="152400" h="50800" prst="softRound"/>
+          </a:sp3d>
+        </p:spPr>
+        <p:style>
+          <a:lnRef idx="1">
+            <a:schemeClr val="accent3"/>
+          </a:lnRef>
+          <a:fillRef idx="2">
+            <a:schemeClr val="accent3"/>
+          </a:fillRef>
+          <a:effectRef idx="1">
+            <a:schemeClr val="accent3"/>
+          </a:effectRef>
+          <a:fontRef idx="minor">
+            <a:schemeClr val="dk1"/>
+          </a:fontRef>
+        </p:style>
+        <p:txBody>
+          <a:bodyPr rtlCol="0" anchor="ctr"/>
+          <a:lstStyle/>
+          <a:p>
+            <a:pPr algn="ctr"/>
+            <a:r>
+              <a:rPr lang="en-US" altLang="ko-KR" dirty="0" smtClean="0"/>
+              <a:t>Dog</a:t>
+            </a:r>
+            <a:endParaRPr lang="ko-KR" altLang="en-US" dirty="0"/>
+          </a:p>
+        </p:txBody>
+      </p:sp>
+      <p:sp>
+        <p:nvSpPr>
+          <p:cNvPr id="9" name="직사각형 8"/>
+          <p:cNvSpPr/>
+          <p:nvPr/>
+        </p:nvSpPr>
+        <p:spPr>
+          <a:xfrm>
+            <a:off x="1547663" y="1692111"/>
+            <a:ext cx="2304258" cy="369620"/>
+          </a:xfrm>
+          <a:prstGeom prst="rect">
+            <a:avLst/>
+          </a:prstGeom>
+          <a:scene3d>
+            <a:camera prst="orthographicFront"/>
+            <a:lightRig rig="threePt" dir="t"/>
+          </a:scene3d>
+          <a:sp3d>
+            <a:bevelT w="152400" h="50800" prst="softRound"/>
+          </a:sp3d>
+        </p:spPr>
+        <p:style>
+          <a:lnRef idx="1">
+            <a:schemeClr val="accent3"/>
+          </a:lnRef>
+          <a:fillRef idx="2">
+            <a:schemeClr val="accent3"/>
+          </a:fillRef>
+          <a:effectRef idx="1">
+            <a:schemeClr val="accent3"/>
+          </a:effectRef>
+          <a:fontRef idx="minor">
+            <a:schemeClr val="dk1"/>
+          </a:fontRef>
+        </p:style>
+        <p:txBody>
+          <a:bodyPr rtlCol="0" anchor="ctr"/>
+          <a:lstStyle/>
+          <a:p>
+            <a:pPr algn="ctr"/>
+            <a:r>
+              <a:rPr lang="en-US" altLang="ko-KR" dirty="0" smtClean="0"/>
+              <a:t>Animal</a:t>
+            </a:r>
+            <a:endParaRPr lang="ko-KR" altLang="en-US" dirty="0"/>
+          </a:p>
+        </p:txBody>
+      </p:sp>
+      <p:sp>
+        <p:nvSpPr>
+          <p:cNvPr id="10" name="직사각형 9"/>
+          <p:cNvSpPr/>
+          <p:nvPr/>
+        </p:nvSpPr>
+        <p:spPr>
+          <a:xfrm>
+            <a:off x="2089429" y="3024555"/>
+            <a:ext cx="1220725" cy="908501"/>
+          </a:xfrm>
+          <a:prstGeom prst="rect">
+            <a:avLst/>
+          </a:prstGeom>
+          <a:scene3d>
+            <a:camera prst="orthographicFront"/>
+            <a:lightRig rig="threePt" dir="t"/>
+          </a:scene3d>
+          <a:sp3d>
+            <a:bevelT/>
+          </a:sp3d>
+        </p:spPr>
+        <p:style>
+          <a:lnRef idx="2">
+            <a:schemeClr val="accent6">
+              <a:shade val="50000"/>
+            </a:schemeClr>
+          </a:lnRef>
+          <a:fillRef idx="1">
+            <a:schemeClr val="accent6"/>
+          </a:fillRef>
+          <a:effectRef idx="0">
+            <a:schemeClr val="accent6"/>
+          </a:effectRef>
+          <a:fontRef idx="minor">
+            <a:schemeClr val="lt1"/>
+          </a:fontRef>
+        </p:style>
+        <p:txBody>
+          <a:bodyPr rtlCol="0" anchor="ctr"/>
+          <a:lstStyle/>
+          <a:p>
+            <a:pPr algn="ctr"/>
+            <a:r>
+              <a:rPr lang="en-US" altLang="ko-KR" dirty="0"/>
+              <a:t>bark()</a:t>
+            </a:r>
+          </a:p>
+          <a:p>
+            <a:pPr algn="ctr"/>
+            <a:r>
+              <a:rPr lang="en-US" altLang="ko-KR" dirty="0"/>
+              <a:t>eat()</a:t>
+            </a:r>
+          </a:p>
+          <a:p>
+            <a:pPr algn="ctr"/>
+            <a:r>
+              <a:rPr lang="en-US" altLang="ko-KR" dirty="0" err="1" smtClean="0"/>
+              <a:t>printInfo</a:t>
+            </a:r>
+            <a:r>
+              <a:rPr lang="en-US" altLang="ko-KR" dirty="0" smtClean="0"/>
+              <a:t>()</a:t>
+            </a:r>
+          </a:p>
+        </p:txBody>
+      </p:sp>
+      <p:sp>
+        <p:nvSpPr>
+          <p:cNvPr id="11" name="직사각형 10"/>
+          <p:cNvSpPr/>
+          <p:nvPr/>
+        </p:nvSpPr>
+        <p:spPr>
+          <a:xfrm>
+            <a:off x="5004048" y="1588006"/>
+            <a:ext cx="2880320" cy="2520280"/>
+          </a:xfrm>
+          <a:prstGeom prst="rect">
+            <a:avLst/>
+          </a:prstGeom>
+        </p:spPr>
+        <p:style>
+          <a:lnRef idx="2">
+            <a:schemeClr val="accent2">
+              <a:shade val="50000"/>
+            </a:schemeClr>
+          </a:lnRef>
+          <a:fillRef idx="1">
+            <a:schemeClr val="accent2"/>
+          </a:fillRef>
+          <a:effectRef idx="0">
+            <a:schemeClr val="accent2"/>
+          </a:effectRef>
+          <a:fontRef idx="minor">
+            <a:schemeClr val="lt1"/>
+          </a:fontRef>
+        </p:style>
+        <p:txBody>
+          <a:bodyPr rtlCol="0" anchor="ctr"/>
+          <a:lstStyle/>
+          <a:p>
+            <a:pPr algn="ctr"/>
+            <a:endParaRPr lang="ko-KR" altLang="en-US"/>
+          </a:p>
+        </p:txBody>
+      </p:sp>
+      <p:sp>
+        <p:nvSpPr>
+          <p:cNvPr id="12" name="직사각형 11"/>
+          <p:cNvSpPr/>
+          <p:nvPr/>
+        </p:nvSpPr>
+        <p:spPr>
+          <a:xfrm>
+            <a:off x="5830571" y="2186545"/>
+            <a:ext cx="1220725" cy="846411"/>
+          </a:xfrm>
+          <a:prstGeom prst="rect">
+            <a:avLst/>
+          </a:prstGeom>
+          <a:scene3d>
+            <a:camera prst="orthographicFront"/>
+            <a:lightRig rig="threePt" dir="t"/>
+          </a:scene3d>
+          <a:sp3d>
+            <a:bevelT/>
+          </a:sp3d>
+        </p:spPr>
+        <p:style>
+          <a:lnRef idx="2">
+            <a:schemeClr val="accent6">
+              <a:shade val="50000"/>
+            </a:schemeClr>
+          </a:lnRef>
+          <a:fillRef idx="1">
+            <a:schemeClr val="accent6"/>
+          </a:fillRef>
+          <a:effectRef idx="0">
+            <a:schemeClr val="accent6"/>
+          </a:effectRef>
+          <a:fontRef idx="minor">
+            <a:schemeClr val="lt1"/>
+          </a:fontRef>
+        </p:style>
+        <p:txBody>
+          <a:bodyPr rtlCol="0" anchor="ctr"/>
+          <a:lstStyle/>
+          <a:p>
+            <a:pPr algn="ctr"/>
+            <a:r>
+              <a:rPr lang="en-US" altLang="ko-KR" dirty="0" smtClean="0"/>
+              <a:t>name</a:t>
+            </a:r>
+          </a:p>
+          <a:p>
+            <a:pPr algn="ctr"/>
+            <a:r>
+              <a:rPr lang="en-US" altLang="ko-KR" dirty="0" smtClean="0"/>
+              <a:t>age</a:t>
+            </a:r>
+          </a:p>
+          <a:p>
+            <a:pPr algn="ctr"/>
+            <a:r>
+              <a:rPr lang="en-US" altLang="ko-KR" dirty="0" smtClean="0"/>
+              <a:t>weight</a:t>
+            </a:r>
+            <a:endParaRPr lang="ko-KR" altLang="en-US" dirty="0"/>
+          </a:p>
+        </p:txBody>
+      </p:sp>
+      <p:sp>
+        <p:nvSpPr>
+          <p:cNvPr id="13" name="직사각형 12"/>
+          <p:cNvSpPr/>
+          <p:nvPr/>
+        </p:nvSpPr>
+        <p:spPr>
+          <a:xfrm>
+            <a:off x="5292079" y="1692111"/>
+            <a:ext cx="2304258" cy="369620"/>
+          </a:xfrm>
+          <a:prstGeom prst="rect">
+            <a:avLst/>
+          </a:prstGeom>
+          <a:scene3d>
+            <a:camera prst="orthographicFront"/>
+            <a:lightRig rig="threePt" dir="t"/>
+          </a:scene3d>
+          <a:sp3d>
+            <a:bevelT w="152400" h="50800" prst="softRound"/>
+          </a:sp3d>
+        </p:spPr>
+        <p:style>
+          <a:lnRef idx="1">
+            <a:schemeClr val="accent3"/>
+          </a:lnRef>
+          <a:fillRef idx="2">
+            <a:schemeClr val="accent3"/>
+          </a:fillRef>
+          <a:effectRef idx="1">
+            <a:schemeClr val="accent3"/>
+          </a:effectRef>
+          <a:fontRef idx="minor">
+            <a:schemeClr val="dk1"/>
+          </a:fontRef>
+        </p:style>
+        <p:txBody>
+          <a:bodyPr rtlCol="0" anchor="ctr"/>
+          <a:lstStyle/>
+          <a:p>
+            <a:pPr algn="ctr"/>
+            <a:r>
+              <a:rPr lang="en-US" altLang="ko-KR" dirty="0" smtClean="0"/>
+              <a:t>Animal</a:t>
+            </a:r>
+            <a:endParaRPr lang="ko-KR" altLang="en-US" dirty="0"/>
+          </a:p>
+        </p:txBody>
+      </p:sp>
+      <p:sp>
+        <p:nvSpPr>
+          <p:cNvPr id="15" name="TextBox 14"/>
+          <p:cNvSpPr txBox="1"/>
+          <p:nvPr/>
+        </p:nvSpPr>
+        <p:spPr>
+          <a:xfrm>
+            <a:off x="755576" y="939934"/>
+            <a:ext cx="4052713" cy="369332"/>
+          </a:xfrm>
+          <a:prstGeom prst="rect">
+            <a:avLst/>
+          </a:prstGeom>
+          <a:noFill/>
+        </p:spPr>
+        <p:txBody>
+          <a:bodyPr wrap="none" rtlCol="0">
+            <a:spAutoFit/>
+          </a:bodyPr>
+          <a:lstStyle/>
+          <a:p>
+            <a:r>
+              <a:rPr lang="en-US" altLang="ko-KR" dirty="0"/>
+              <a:t>Dog </a:t>
+            </a:r>
+            <a:r>
+              <a:rPr lang="en-US" altLang="ko-KR" dirty="0" err="1"/>
+              <a:t>dog</a:t>
+            </a:r>
+            <a:r>
+              <a:rPr lang="en-US" altLang="ko-KR" dirty="0"/>
+              <a:t> = </a:t>
+            </a:r>
+            <a:r>
+              <a:rPr lang="en-US" altLang="ko-KR" b="1" dirty="0"/>
+              <a:t>new </a:t>
+            </a:r>
+            <a:r>
+              <a:rPr lang="en-US" altLang="ko-KR" dirty="0"/>
+              <a:t>Dog(</a:t>
+            </a:r>
+            <a:r>
+              <a:rPr lang="en-US" altLang="ko-KR" b="1" dirty="0"/>
+              <a:t>"</a:t>
+            </a:r>
+            <a:r>
+              <a:rPr lang="ko-KR" altLang="en-US" b="1" dirty="0"/>
+              <a:t>강아지</a:t>
+            </a:r>
+            <a:r>
+              <a:rPr lang="en-US" altLang="ko-KR" b="1" dirty="0"/>
+              <a:t>"</a:t>
+            </a:r>
+            <a:r>
+              <a:rPr lang="en-US" altLang="ko-KR" dirty="0"/>
+              <a:t>, 4, 5);</a:t>
+            </a:r>
+            <a:endParaRPr lang="ko-KR" altLang="en-US" dirty="0"/>
+          </a:p>
+        </p:txBody>
+      </p:sp>
+      <p:sp>
+        <p:nvSpPr>
+          <p:cNvPr id="16" name="TextBox 15"/>
+          <p:cNvSpPr txBox="1"/>
+          <p:nvPr/>
+        </p:nvSpPr>
+        <p:spPr>
+          <a:xfrm>
+            <a:off x="5302119" y="955788"/>
+            <a:ext cx="2470548" cy="369332"/>
+          </a:xfrm>
+          <a:prstGeom prst="rect">
+            <a:avLst/>
+          </a:prstGeom>
+          <a:noFill/>
+        </p:spPr>
+        <p:txBody>
+          <a:bodyPr wrap="none" rtlCol="0">
+            <a:spAutoFit/>
+          </a:bodyPr>
+          <a:lstStyle/>
+          <a:p>
+            <a:r>
+              <a:rPr lang="en-US" altLang="ko-KR" dirty="0" smtClean="0"/>
+              <a:t>Animal </a:t>
+            </a:r>
+            <a:r>
+              <a:rPr lang="en-US" altLang="ko-KR" dirty="0" err="1" smtClean="0"/>
+              <a:t>animal</a:t>
+            </a:r>
+            <a:r>
+              <a:rPr lang="en-US" altLang="ko-KR" dirty="0" smtClean="0"/>
+              <a:t> = dog;</a:t>
+            </a:r>
+            <a:endParaRPr lang="ko-KR" altLang="en-US" dirty="0"/>
+          </a:p>
+        </p:txBody>
+      </p:sp>
+      <p:sp>
+        <p:nvSpPr>
+          <p:cNvPr id="18" name="TextBox 17"/>
+          <p:cNvSpPr txBox="1"/>
+          <p:nvPr/>
+        </p:nvSpPr>
+        <p:spPr>
+          <a:xfrm>
+            <a:off x="2267744" y="260648"/>
+            <a:ext cx="4631396" cy="369332"/>
+          </a:xfrm>
+          <a:prstGeom prst="rect">
+            <a:avLst/>
+          </a:prstGeom>
+          <a:noFill/>
+        </p:spPr>
+        <p:txBody>
+          <a:bodyPr wrap="none" rtlCol="0">
+            <a:spAutoFit/>
+          </a:bodyPr>
+          <a:lstStyle/>
+          <a:p>
+            <a:pPr algn="ctr"/>
+            <a:r>
+              <a:rPr lang="en-US" altLang="ko-KR" dirty="0" smtClean="0"/>
+              <a:t>Animal Class</a:t>
+            </a:r>
+            <a:r>
+              <a:rPr lang="ko-KR" altLang="en-US" dirty="0" smtClean="0"/>
+              <a:t>를 상속 받은 </a:t>
+            </a:r>
+            <a:r>
+              <a:rPr lang="en-US" altLang="ko-KR" dirty="0" smtClean="0"/>
+              <a:t>Cat Class</a:t>
+            </a:r>
+            <a:r>
+              <a:rPr lang="ko-KR" altLang="en-US" dirty="0" smtClean="0"/>
+              <a:t>의 구조</a:t>
+            </a:r>
+            <a:endParaRPr lang="ko-KR" altLang="en-US" dirty="0"/>
+          </a:p>
+        </p:txBody>
+      </p:sp>
+      <p:sp>
+        <p:nvSpPr>
+          <p:cNvPr id="19" name="직사각형 18"/>
+          <p:cNvSpPr/>
+          <p:nvPr/>
+        </p:nvSpPr>
+        <p:spPr>
+          <a:xfrm>
+            <a:off x="5830570" y="3024555"/>
+            <a:ext cx="1220725" cy="908501"/>
+          </a:xfrm>
+          <a:prstGeom prst="rect">
+            <a:avLst/>
+          </a:prstGeom>
+          <a:scene3d>
+            <a:camera prst="orthographicFront"/>
+            <a:lightRig rig="threePt" dir="t"/>
+          </a:scene3d>
+          <a:sp3d>
+            <a:bevelT/>
+          </a:sp3d>
+        </p:spPr>
+        <p:style>
+          <a:lnRef idx="2">
+            <a:schemeClr val="accent6">
+              <a:shade val="50000"/>
+            </a:schemeClr>
+          </a:lnRef>
+          <a:fillRef idx="1">
+            <a:schemeClr val="accent6"/>
+          </a:fillRef>
+          <a:effectRef idx="0">
+            <a:schemeClr val="accent6"/>
+          </a:effectRef>
+          <a:fontRef idx="minor">
+            <a:schemeClr val="lt1"/>
+          </a:fontRef>
+        </p:style>
+        <p:txBody>
+          <a:bodyPr rtlCol="0" anchor="ctr"/>
+          <a:lstStyle/>
+          <a:p>
+            <a:pPr algn="ctr"/>
+            <a:r>
+              <a:rPr lang="en-US" altLang="ko-KR" dirty="0"/>
+              <a:t>bark()</a:t>
+            </a:r>
+          </a:p>
+          <a:p>
+            <a:pPr algn="ctr"/>
+            <a:r>
+              <a:rPr lang="en-US" altLang="ko-KR" dirty="0"/>
+              <a:t>eat()</a:t>
+            </a:r>
+          </a:p>
+          <a:p>
+            <a:pPr algn="ctr"/>
+            <a:r>
+              <a:rPr lang="en-US" altLang="ko-KR" dirty="0" err="1" smtClean="0"/>
+              <a:t>printInfo</a:t>
+            </a:r>
+            <a:r>
+              <a:rPr lang="en-US" altLang="ko-KR" dirty="0" smtClean="0"/>
+              <a:t>()</a:t>
+            </a:r>
+          </a:p>
+        </p:txBody>
+      </p:sp>
+      <p:sp>
+        <p:nvSpPr>
+          <p:cNvPr id="17" name="TextBox 16"/>
+          <p:cNvSpPr txBox="1"/>
+          <p:nvPr/>
+        </p:nvSpPr>
+        <p:spPr>
+          <a:xfrm>
+            <a:off x="5302119" y="4314673"/>
+            <a:ext cx="2775119" cy="923330"/>
+          </a:xfrm>
+          <a:prstGeom prst="rect">
+            <a:avLst/>
+          </a:prstGeom>
+          <a:noFill/>
+        </p:spPr>
+        <p:txBody>
+          <a:bodyPr wrap="none" rtlCol="0">
+            <a:spAutoFit/>
+          </a:bodyPr>
+          <a:lstStyle/>
+          <a:p>
+            <a:r>
+              <a:rPr lang="en-US" altLang="ko-KR" dirty="0" smtClean="0"/>
+              <a:t>Dog </a:t>
+            </a:r>
+            <a:r>
+              <a:rPr lang="en-US" altLang="ko-KR" dirty="0" err="1" smtClean="0"/>
+              <a:t>dog</a:t>
+            </a:r>
+            <a:r>
+              <a:rPr lang="en-US" altLang="ko-KR" dirty="0"/>
+              <a:t> </a:t>
+            </a:r>
+            <a:r>
+              <a:rPr lang="en-US" altLang="ko-KR" dirty="0" smtClean="0"/>
+              <a:t>= (Dog)animal;</a:t>
+            </a:r>
+          </a:p>
+          <a:p>
+            <a:endParaRPr lang="en-US" altLang="ko-KR" dirty="0"/>
+          </a:p>
+          <a:p>
+            <a:r>
+              <a:rPr lang="en-US" altLang="ko-KR" dirty="0" err="1" smtClean="0"/>
+              <a:t>dog.shakeTail</a:t>
+            </a:r>
+            <a:r>
+              <a:rPr lang="en-US" altLang="ko-KR" dirty="0" smtClean="0"/>
+              <a:t>();</a:t>
+            </a:r>
+            <a:endParaRPr lang="ko-KR" altLang="en-US" dirty="0"/>
+          </a:p>
+        </p:txBody>
+      </p:sp>
+    </p:spTree>
+    <p:extLst>
+      <p:ext uri="{BB962C8B-B14F-4D97-AF65-F5344CB8AC3E}">
+        <p14:creationId xmlns:p14="http://schemas.microsoft.com/office/powerpoint/2010/main" val="2881245161"/>
+      </p:ext>
+    </p:extLst>
+  </p:cSld>
+  <p:clrMapOvr>
+    <a:masterClrMapping/>
+  </p:clrMapOvr>
+</p:sld>
+</file>
+
+<file path=ppt/slides/slide11.xml><?xml version="1.0" encoding="utf-8"?>
+<p:sld xmlns:a="http://schemas.openxmlformats.org/drawingml/2006/main" xmlns:r="http://schemas.openxmlformats.org/officeDocument/2006/relationships" xmlns:p="http://schemas.openxmlformats.org/presentationml/2006/main">
+  <p:cSld>
+    <p:spTree>
+      <p:nvGrpSpPr>
+        <p:cNvPr id="1" name=""/>
+        <p:cNvGrpSpPr/>
+        <p:nvPr/>
+      </p:nvGrpSpPr>
+      <p:grpSpPr>
+        <a:xfrm>
+          <a:off x="0" y="0"/>
+          <a:ext cx="0" cy="0"/>
+          <a:chOff x="0" y="0"/>
+          <a:chExt cx="0" cy="0"/>
+        </a:xfrm>
+      </p:grpSpPr>
+      <p:sp>
+        <p:nvSpPr>
           <p:cNvPr id="5" name="제목 4"/>
           <p:cNvSpPr>
             <a:spLocks noGrp="1"/>
@@ -5336,7 +6160,7 @@
 </p:sld>
 </file>
 
-<file path=ppt/slides/slide11.xml><?xml version="1.0" encoding="utf-8"?>
+<file path=ppt/slides/slide12.xml><?xml version="1.0" encoding="utf-8"?>
 <p:sld xmlns:a="http://schemas.openxmlformats.org/drawingml/2006/main" xmlns:r="http://schemas.openxmlformats.org/officeDocument/2006/relationships" xmlns:p="http://schemas.openxmlformats.org/presentationml/2006/main">
   <p:cSld>
     <p:spTree>
@@ -6808,7 +7632,7 @@
 </p:sld>
 </file>
 
-<file path=ppt/slides/slide12.xml><?xml version="1.0" encoding="utf-8"?>
+<file path=ppt/slides/slide13.xml><?xml version="1.0" encoding="utf-8"?>
 <p:sld xmlns:a="http://schemas.openxmlformats.org/drawingml/2006/main" xmlns:r="http://schemas.openxmlformats.org/officeDocument/2006/relationships" xmlns:p="http://schemas.openxmlformats.org/presentationml/2006/main">
   <p:cSld>
     <p:spTree>
@@ -11966,8 +12790,8 @@
         </p:nvSpPr>
         <p:spPr bwMode="auto">
           <a:xfrm>
-            <a:off x="1929840" y="1820464"/>
-            <a:ext cx="3905165" cy="2465792"/>
+            <a:off x="1929840" y="2022308"/>
+            <a:ext cx="3905165" cy="2062103"/>
           </a:xfrm>
           <a:prstGeom prst="rect">
             <a:avLst/>
@@ -12186,35 +13010,6 @@
                 <a:cs typeface="굴림" pitchFamily="50" charset="-127"/>
               </a:rPr>
               <a:t/>
-            </a:r>
-            <a:br>
-              <a:rPr kumimoji="1" lang="ko-KR" altLang="ko-KR" sz="2200" b="0" i="0" u="none" strike="noStrike" cap="none" normalizeH="0" baseline="0" dirty="0" smtClean="0">
-                <a:ln>
-                  <a:noFill/>
-                </a:ln>
-                <a:solidFill>
-                  <a:srgbClr val="000000"/>
-                </a:solidFill>
-                <a:effectLst/>
-                <a:latin typeface="Source Code Pro" pitchFamily="49" charset="0"/>
-                <a:ea typeface="굴림" pitchFamily="50" charset="-127"/>
-                <a:cs typeface="굴림" pitchFamily="50" charset="-127"/>
-              </a:rPr>
-            </a:br>
-            <a:r>
-              <a:rPr kumimoji="1" lang="ko-KR" altLang="ko-KR" sz="2200" b="0" i="0" u="none" strike="noStrike" cap="none" normalizeH="0" baseline="0" dirty="0" smtClean="0">
-                <a:ln>
-                  <a:noFill/>
-                </a:ln>
-                <a:solidFill>
-                  <a:srgbClr val="000000"/>
-                </a:solidFill>
-                <a:effectLst/>
-                <a:latin typeface="Source Code Pro" pitchFamily="49" charset="0"/>
-                <a:ea typeface="굴림" pitchFamily="50" charset="-127"/>
-                <a:cs typeface="굴림" pitchFamily="50" charset="-127"/>
-              </a:rPr>
-              <a:t>Animal animal = dog;</a:t>
             </a:r>
             <a:br>
               <a:rPr kumimoji="1" lang="ko-KR" altLang="ko-KR" sz="2200" b="0" i="0" u="none" strike="noStrike" cap="none" normalizeH="0" baseline="0" dirty="0" smtClean="0">
@@ -12810,15 +13605,51 @@
           </a:p>
         </p:txBody>
       </p:sp>
-      <p:sp>
-        <p:nvSpPr>
-          <p:cNvPr id="54" name="직사각형 53"/>
+      <p:cxnSp>
+        <p:nvCxnSpPr>
+          <p:cNvPr id="56" name="직선 화살표 연결선 55"/>
+          <p:cNvCxnSpPr>
+            <a:stCxn id="25" idx="2"/>
+          </p:cNvCxnSpPr>
+          <p:nvPr/>
+        </p:nvCxnSpPr>
+        <p:spPr>
+          <a:xfrm>
+            <a:off x="913341" y="1937581"/>
+            <a:ext cx="4300" cy="2859571"/>
+          </a:xfrm>
+          <a:prstGeom prst="straightConnector1">
+            <a:avLst/>
+          </a:prstGeom>
+          <a:ln>
+            <a:headEnd type="none" w="med" len="med"/>
+            <a:tailEnd type="triangle" w="med" len="med"/>
+          </a:ln>
+        </p:spPr>
+        <p:style>
+          <a:lnRef idx="1">
+            <a:schemeClr val="accent2"/>
+          </a:lnRef>
+          <a:fillRef idx="0">
+            <a:schemeClr val="accent2"/>
+          </a:fillRef>
+          <a:effectRef idx="0">
+            <a:schemeClr val="accent2"/>
+          </a:effectRef>
+          <a:fontRef idx="minor">
+            <a:schemeClr val="tx1"/>
+          </a:fontRef>
+        </p:style>
+      </p:cxnSp>
+      <p:sp>
+        <p:nvSpPr>
+          <p:cNvPr id="57" name="직사각형 56"/>
           <p:cNvSpPr/>
           <p:nvPr/>
         </p:nvSpPr>
         <p:spPr>
           <a:xfrm>
-            <a:off x="234176" y="4797152"/>
+            <a:off x="234176" y="4784179"/>
             <a:ext cx="1366929" cy="1368152"/>
           </a:xfrm>
           <a:prstGeom prst="rect">
@@ -12848,27 +13679,32 @@
             <a:pPr algn="ctr"/>
             <a:r>
               <a:rPr lang="en-US" altLang="ko-KR" dirty="0" smtClean="0"/>
-              <a:t>new Cat</a:t>
+              <a:t>new Dog</a:t>
             </a:r>
           </a:p>
           <a:p>
             <a:pPr algn="ctr"/>
             <a:r>
+              <a:rPr lang="en-US" altLang="ko-KR" dirty="0"/>
+              <a:t>bark()</a:t>
+            </a:r>
+          </a:p>
+          <a:p>
+            <a:pPr algn="ctr"/>
+            <a:r>
+              <a:rPr lang="en-US" altLang="ko-KR" dirty="0"/>
+              <a:t>eat</a:t>
+            </a:r>
+            <a:r>
               <a:rPr lang="en-US" altLang="ko-KR" dirty="0" smtClean="0"/>
-              <a:t>bark()</a:t>
-            </a:r>
+              <a:t>()</a:t>
+            </a:r>
+            <a:endParaRPr lang="en-US" altLang="ko-KR" dirty="0"/>
           </a:p>
           <a:p>
             <a:pPr algn="ctr"/>
             <a:r>
               <a:rPr lang="en-US" altLang="ko-KR" dirty="0" smtClean="0"/>
-              <a:t>eat()</a:t>
-            </a:r>
-          </a:p>
-          <a:p>
-            <a:pPr algn="ctr"/>
-            <a:r>
-              <a:rPr lang="en-US" altLang="ko-KR" dirty="0"/>
               <a:t>+</a:t>
             </a:r>
           </a:p>
@@ -12878,56 +13714,20 @@
               <a:rPr lang="en-US" altLang="ko-KR" dirty="0" smtClean="0"/>
               <a:t>Animal</a:t>
             </a:r>
-          </a:p>
-        </p:txBody>
-      </p:sp>
-      <p:cxnSp>
-        <p:nvCxnSpPr>
-          <p:cNvPr id="56" name="직선 화살표 연결선 55"/>
-          <p:cNvCxnSpPr>
-            <a:stCxn id="25" idx="2"/>
-            <a:endCxn id="54" idx="0"/>
-          </p:cNvCxnSpPr>
-          <p:nvPr/>
-        </p:nvCxnSpPr>
-        <p:spPr>
-          <a:xfrm>
-            <a:off x="913341" y="1937581"/>
-            <a:ext cx="4300" cy="2859571"/>
-          </a:xfrm>
-          <a:prstGeom prst="straightConnector1">
-            <a:avLst/>
-          </a:prstGeom>
-          <a:ln>
-            <a:headEnd type="none" w="med" len="med"/>
-            <a:tailEnd type="triangle" w="med" len="med"/>
-          </a:ln>
-        </p:spPr>
-        <p:style>
-          <a:lnRef idx="1">
-            <a:schemeClr val="accent2"/>
-          </a:lnRef>
-          <a:fillRef idx="0">
-            <a:schemeClr val="accent2"/>
-          </a:fillRef>
-          <a:effectRef idx="0">
-            <a:schemeClr val="accent2"/>
-          </a:effectRef>
-          <a:fontRef idx="minor">
-            <a:schemeClr val="tx1"/>
-          </a:fontRef>
-        </p:style>
-      </p:cxnSp>
-      <p:sp>
-        <p:nvSpPr>
-          <p:cNvPr id="57" name="직사각형 56"/>
+            <a:endParaRPr lang="en-US" altLang="ko-KR" dirty="0"/>
+          </a:p>
+        </p:txBody>
+      </p:sp>
+      <p:sp>
+        <p:nvSpPr>
+          <p:cNvPr id="25" name="직사각형 24"/>
           <p:cNvSpPr/>
           <p:nvPr/>
         </p:nvSpPr>
         <p:spPr>
           <a:xfrm>
-            <a:off x="1962979" y="4797152"/>
-            <a:ext cx="1366929" cy="1368152"/>
+            <a:off x="302978" y="1567961"/>
+            <a:ext cx="1220725" cy="369620"/>
           </a:xfrm>
           <a:prstGeom prst="rect">
             <a:avLst/>
@@ -12956,54 +13756,656 @@
             <a:pPr algn="ctr"/>
             <a:r>
               <a:rPr lang="en-US" altLang="ko-KR" dirty="0" smtClean="0"/>
-              <a:t>new Dog</a:t>
-            </a:r>
-          </a:p>
-          <a:p>
-            <a:pPr algn="ctr"/>
-            <a:r>
-              <a:rPr lang="en-US" altLang="ko-KR" dirty="0"/>
+              <a:t>dog</a:t>
+            </a:r>
+            <a:endParaRPr lang="ko-KR" altLang="en-US" dirty="0"/>
+          </a:p>
+        </p:txBody>
+      </p:sp>
+      <p:sp>
+        <p:nvSpPr>
+          <p:cNvPr id="31" name="Rectangle 1"/>
+          <p:cNvSpPr>
+            <a:spLocks noChangeArrowheads="1"/>
+          </p:cNvSpPr>
+          <p:nvPr/>
+        </p:nvSpPr>
+        <p:spPr bwMode="auto">
+          <a:xfrm>
+            <a:off x="5998013" y="1052736"/>
+            <a:ext cx="2915816" cy="969496"/>
+          </a:xfrm>
+          <a:prstGeom prst="rect">
+            <a:avLst/>
+          </a:prstGeom>
+          <a:ln w="3175">
+            <a:headEnd/>
+            <a:tailEnd/>
+          </a:ln>
+        </p:spPr>
+        <p:style>
+          <a:lnRef idx="2">
+            <a:schemeClr val="dk1"/>
+          </a:lnRef>
+          <a:fillRef idx="1">
+            <a:schemeClr val="lt1"/>
+          </a:fillRef>
+          <a:effectRef idx="0">
+            <a:schemeClr val="dk1"/>
+          </a:effectRef>
+          <a:fontRef idx="minor">
+            <a:schemeClr val="dk1"/>
+          </a:fontRef>
+        </p:style>
+        <p:txBody>
+          <a:bodyPr vert="horz" wrap="square" lIns="91440" tIns="45720" rIns="91440" bIns="45720" numCol="1" anchor="ctr" anchorCtr="0" compatLnSpc="1">
+            <a:prstTxWarp prst="textNoShape">
+              <a:avLst/>
+            </a:prstTxWarp>
+            <a:spAutoFit/>
+          </a:bodyPr>
+          <a:lstStyle/>
+          <a:p>
+            <a:pPr marL="0" marR="0" lvl="0" indent="0" algn="l" defTabSz="914400" rtl="0" eaLnBrk="1" fontAlgn="base" latinLnBrk="1" hangingPunct="1">
+              <a:lnSpc>
+                <a:spcPct val="100000"/>
+              </a:lnSpc>
+              <a:spcBef>
+                <a:spcPct val="0"/>
+              </a:spcBef>
+              <a:spcAft>
+                <a:spcPct val="0"/>
+              </a:spcAft>
+              <a:buClrTx/>
+              <a:buSzTx/>
+              <a:buFontTx/>
+              <a:buNone/>
+              <a:tabLst/>
+            </a:pPr>
+            <a:r>
+              <a:rPr kumimoji="1" lang="ko-KR" altLang="ko-KR" sz="1900" b="0" i="0" u="none" strike="noStrike" cap="none" normalizeH="0" baseline="0" dirty="0" smtClean="0">
+                <a:ln>
+                  <a:noFill/>
+                </a:ln>
+                <a:solidFill>
+                  <a:srgbClr val="000000"/>
+                </a:solidFill>
+                <a:effectLst/>
+                <a:latin typeface="Source Code Pro" pitchFamily="49" charset="0"/>
+                <a:ea typeface="굴림" pitchFamily="50" charset="-127"/>
+                <a:cs typeface="굴림" pitchFamily="50" charset="-127"/>
+              </a:rPr>
+              <a:t>String </a:t>
+            </a:r>
+            <a:r>
+              <a:rPr kumimoji="1" lang="ko-KR" altLang="ko-KR" sz="1900" b="1" i="0" u="none" strike="noStrike" cap="none" normalizeH="0" baseline="0" dirty="0" smtClean="0">
+                <a:ln>
+                  <a:noFill/>
+                </a:ln>
+                <a:solidFill>
+                  <a:srgbClr val="660E7A"/>
+                </a:solidFill>
+                <a:effectLst/>
+                <a:latin typeface="Source Code Pro" pitchFamily="49" charset="0"/>
+                <a:ea typeface="굴림" pitchFamily="50" charset="-127"/>
+                <a:cs typeface="굴림" pitchFamily="50" charset="-127"/>
+              </a:rPr>
+              <a:t>name</a:t>
+            </a:r>
+            <a:r>
+              <a:rPr kumimoji="1" lang="ko-KR" altLang="ko-KR" sz="1900" b="0" i="0" u="none" strike="noStrike" cap="none" normalizeH="0" baseline="0" dirty="0" smtClean="0">
+                <a:ln>
+                  <a:noFill/>
+                </a:ln>
+                <a:solidFill>
+                  <a:srgbClr val="000000"/>
+                </a:solidFill>
+                <a:effectLst/>
+                <a:latin typeface="Source Code Pro" pitchFamily="49" charset="0"/>
+                <a:ea typeface="굴림" pitchFamily="50" charset="-127"/>
+                <a:cs typeface="굴림" pitchFamily="50" charset="-127"/>
+              </a:rPr>
+              <a:t>;</a:t>
+            </a:r>
+            <a:br>
+              <a:rPr kumimoji="1" lang="ko-KR" altLang="ko-KR" sz="1900" b="0" i="0" u="none" strike="noStrike" cap="none" normalizeH="0" baseline="0" dirty="0" smtClean="0">
+                <a:ln>
+                  <a:noFill/>
+                </a:ln>
+                <a:solidFill>
+                  <a:srgbClr val="000000"/>
+                </a:solidFill>
+                <a:effectLst/>
+                <a:latin typeface="Source Code Pro" pitchFamily="49" charset="0"/>
+                <a:ea typeface="굴림" pitchFamily="50" charset="-127"/>
+                <a:cs typeface="굴림" pitchFamily="50" charset="-127"/>
+              </a:rPr>
+            </a:br>
+            <a:r>
+              <a:rPr kumimoji="1" lang="ko-KR" altLang="ko-KR" sz="1900" b="1" i="0" u="none" strike="noStrike" cap="none" normalizeH="0" baseline="0" dirty="0" smtClean="0">
+                <a:ln>
+                  <a:noFill/>
+                </a:ln>
+                <a:solidFill>
+                  <a:srgbClr val="000080"/>
+                </a:solidFill>
+                <a:effectLst/>
+                <a:latin typeface="Source Code Pro" pitchFamily="49" charset="0"/>
+                <a:ea typeface="굴림" pitchFamily="50" charset="-127"/>
+                <a:cs typeface="굴림" pitchFamily="50" charset="-127"/>
+              </a:rPr>
+              <a:t>int </a:t>
+            </a:r>
+            <a:r>
+              <a:rPr kumimoji="1" lang="ko-KR" altLang="ko-KR" sz="1900" b="1" i="0" u="none" strike="noStrike" cap="none" normalizeH="0" baseline="0" dirty="0" smtClean="0">
+                <a:ln>
+                  <a:noFill/>
+                </a:ln>
+                <a:solidFill>
+                  <a:srgbClr val="660E7A"/>
+                </a:solidFill>
+                <a:effectLst/>
+                <a:latin typeface="Source Code Pro" pitchFamily="49" charset="0"/>
+                <a:ea typeface="굴림" pitchFamily="50" charset="-127"/>
+                <a:cs typeface="굴림" pitchFamily="50" charset="-127"/>
+              </a:rPr>
+              <a:t>age</a:t>
+            </a:r>
+            <a:r>
+              <a:rPr kumimoji="1" lang="ko-KR" altLang="ko-KR" sz="1900" b="0" i="0" u="none" strike="noStrike" cap="none" normalizeH="0" baseline="0" dirty="0" smtClean="0">
+                <a:ln>
+                  <a:noFill/>
+                </a:ln>
+                <a:solidFill>
+                  <a:srgbClr val="000000"/>
+                </a:solidFill>
+                <a:effectLst/>
+                <a:latin typeface="Source Code Pro" pitchFamily="49" charset="0"/>
+                <a:ea typeface="굴림" pitchFamily="50" charset="-127"/>
+                <a:cs typeface="굴림" pitchFamily="50" charset="-127"/>
+              </a:rPr>
+              <a:t>;</a:t>
+            </a:r>
+            <a:br>
+              <a:rPr kumimoji="1" lang="ko-KR" altLang="ko-KR" sz="1900" b="0" i="0" u="none" strike="noStrike" cap="none" normalizeH="0" baseline="0" dirty="0" smtClean="0">
+                <a:ln>
+                  <a:noFill/>
+                </a:ln>
+                <a:solidFill>
+                  <a:srgbClr val="000000"/>
+                </a:solidFill>
+                <a:effectLst/>
+                <a:latin typeface="Source Code Pro" pitchFamily="49" charset="0"/>
+                <a:ea typeface="굴림" pitchFamily="50" charset="-127"/>
+                <a:cs typeface="굴림" pitchFamily="50" charset="-127"/>
+              </a:rPr>
+            </a:br>
+            <a:r>
+              <a:rPr kumimoji="1" lang="ko-KR" altLang="ko-KR" sz="1900" b="1" i="0" u="none" strike="noStrike" cap="none" normalizeH="0" baseline="0" dirty="0" smtClean="0">
+                <a:ln>
+                  <a:noFill/>
+                </a:ln>
+                <a:solidFill>
+                  <a:srgbClr val="000080"/>
+                </a:solidFill>
+                <a:effectLst/>
+                <a:latin typeface="Source Code Pro" pitchFamily="49" charset="0"/>
+                <a:ea typeface="굴림" pitchFamily="50" charset="-127"/>
+                <a:cs typeface="굴림" pitchFamily="50" charset="-127"/>
+              </a:rPr>
+              <a:t>int </a:t>
+            </a:r>
+            <a:r>
+              <a:rPr kumimoji="1" lang="ko-KR" altLang="ko-KR" sz="1900" b="1" i="0" u="none" strike="noStrike" cap="none" normalizeH="0" baseline="0" dirty="0" smtClean="0">
+                <a:ln>
+                  <a:noFill/>
+                </a:ln>
+                <a:solidFill>
+                  <a:srgbClr val="660E7A"/>
+                </a:solidFill>
+                <a:effectLst/>
+                <a:latin typeface="Source Code Pro" pitchFamily="49" charset="0"/>
+                <a:ea typeface="굴림" pitchFamily="50" charset="-127"/>
+                <a:cs typeface="굴림" pitchFamily="50" charset="-127"/>
+              </a:rPr>
+              <a:t>weight</a:t>
+            </a:r>
+            <a:r>
+              <a:rPr kumimoji="1" lang="ko-KR" altLang="ko-KR" sz="1900" b="0" i="0" u="none" strike="noStrike" cap="none" normalizeH="0" baseline="0" dirty="0" smtClean="0">
+                <a:ln>
+                  <a:noFill/>
+                </a:ln>
+                <a:solidFill>
+                  <a:srgbClr val="000000"/>
+                </a:solidFill>
+                <a:effectLst/>
+                <a:latin typeface="Source Code Pro" pitchFamily="49" charset="0"/>
+                <a:ea typeface="굴림" pitchFamily="50" charset="-127"/>
+                <a:cs typeface="굴림" pitchFamily="50" charset="-127"/>
+              </a:rPr>
+              <a:t>;</a:t>
+            </a:r>
+            <a:endParaRPr kumimoji="1" lang="ko-KR" altLang="ko-KR" sz="1800" b="0" i="0" u="none" strike="noStrike" cap="none" normalizeH="0" baseline="0" dirty="0" smtClean="0">
+              <a:ln>
+                <a:noFill/>
+              </a:ln>
+              <a:solidFill>
+                <a:schemeClr val="tx1"/>
+              </a:solidFill>
+              <a:effectLst/>
+              <a:latin typeface="굴림" pitchFamily="50" charset="-127"/>
+              <a:ea typeface="굴림" pitchFamily="50" charset="-127"/>
+              <a:cs typeface="굴림" pitchFamily="50" charset="-127"/>
+            </a:endParaRPr>
+          </a:p>
+        </p:txBody>
+      </p:sp>
+      <p:sp>
+        <p:nvSpPr>
+          <p:cNvPr id="32" name="Rectangle 2"/>
+          <p:cNvSpPr>
+            <a:spLocks noChangeArrowheads="1"/>
+          </p:cNvSpPr>
+          <p:nvPr/>
+        </p:nvSpPr>
+        <p:spPr bwMode="auto">
+          <a:xfrm>
+            <a:off x="5998013" y="2006843"/>
+            <a:ext cx="2915816" cy="707886"/>
+          </a:xfrm>
+          <a:prstGeom prst="rect">
+            <a:avLst/>
+          </a:prstGeom>
+          <a:ln w="3175">
+            <a:headEnd/>
+            <a:tailEnd/>
+          </a:ln>
+        </p:spPr>
+        <p:style>
+          <a:lnRef idx="2">
+            <a:schemeClr val="dk1"/>
+          </a:lnRef>
+          <a:fillRef idx="1">
+            <a:schemeClr val="lt1"/>
+          </a:fillRef>
+          <a:effectRef idx="0">
+            <a:schemeClr val="dk1"/>
+          </a:effectRef>
+          <a:fontRef idx="minor">
+            <a:schemeClr val="dk1"/>
+          </a:fontRef>
+        </p:style>
+        <p:txBody>
+          <a:bodyPr vert="horz" wrap="square" lIns="91440" tIns="45720" rIns="91440" bIns="45720" numCol="1" anchor="ctr" anchorCtr="0" compatLnSpc="1">
+            <a:prstTxWarp prst="textNoShape">
+              <a:avLst/>
+            </a:prstTxWarp>
+            <a:spAutoFit/>
+          </a:bodyPr>
+          <a:lstStyle/>
+          <a:p>
+            <a:pPr lvl="0" fontAlgn="base">
+              <a:spcBef>
+                <a:spcPct val="0"/>
+              </a:spcBef>
+              <a:spcAft>
+                <a:spcPct val="0"/>
+              </a:spcAft>
+            </a:pPr>
+            <a:r>
+              <a:rPr kumimoji="1" lang="en-US" altLang="ko-KR" sz="2000" dirty="0">
+                <a:solidFill>
+                  <a:schemeClr val="tx1"/>
+                </a:solidFill>
+                <a:latin typeface="굴림" pitchFamily="50" charset="-127"/>
+                <a:ea typeface="굴림" pitchFamily="50" charset="-127"/>
+                <a:cs typeface="굴림" pitchFamily="50" charset="-127"/>
+              </a:rPr>
               <a:t>bark()</a:t>
             </a:r>
           </a:p>
           <a:p>
-            <a:pPr algn="ctr"/>
-            <a:r>
-              <a:rPr lang="en-US" altLang="ko-KR" dirty="0"/>
+            <a:pPr lvl="0" fontAlgn="base">
+              <a:spcBef>
+                <a:spcPct val="0"/>
+              </a:spcBef>
+              <a:spcAft>
+                <a:spcPct val="0"/>
+              </a:spcAft>
+            </a:pPr>
+            <a:r>
+              <a:rPr kumimoji="1" lang="en-US" altLang="ko-KR" sz="2000" dirty="0">
+                <a:solidFill>
+                  <a:schemeClr val="tx1"/>
+                </a:solidFill>
+                <a:latin typeface="굴림" pitchFamily="50" charset="-127"/>
+                <a:ea typeface="굴림" pitchFamily="50" charset="-127"/>
+                <a:cs typeface="굴림" pitchFamily="50" charset="-127"/>
+              </a:rPr>
               <a:t>eat</a:t>
             </a:r>
             <a:r>
-              <a:rPr lang="en-US" altLang="ko-KR" dirty="0" smtClean="0"/>
+              <a:rPr kumimoji="1" lang="en-US" altLang="ko-KR" sz="2000" dirty="0" smtClean="0">
+                <a:solidFill>
+                  <a:schemeClr val="tx1"/>
+                </a:solidFill>
+                <a:latin typeface="굴림" pitchFamily="50" charset="-127"/>
+                <a:ea typeface="굴림" pitchFamily="50" charset="-127"/>
+                <a:cs typeface="굴림" pitchFamily="50" charset="-127"/>
+              </a:rPr>
               <a:t>()</a:t>
             </a:r>
-            <a:endParaRPr lang="en-US" altLang="ko-KR" dirty="0"/>
-          </a:p>
-          <a:p>
-            <a:pPr algn="ctr"/>
-            <a:r>
-              <a:rPr lang="en-US" altLang="ko-KR" dirty="0" smtClean="0"/>
-              <a:t>+</a:t>
-            </a:r>
-          </a:p>
-          <a:p>
-            <a:pPr algn="ctr"/>
-            <a:r>
-              <a:rPr lang="en-US" altLang="ko-KR" dirty="0" smtClean="0"/>
-              <a:t>Animal</a:t>
-            </a:r>
-            <a:endParaRPr lang="en-US" altLang="ko-KR" dirty="0"/>
-          </a:p>
-        </p:txBody>
-      </p:sp>
-      <p:sp>
-        <p:nvSpPr>
-          <p:cNvPr id="25" name="직사각형 24"/>
+            <a:endParaRPr kumimoji="1" lang="en-US" altLang="ko-KR" sz="2000" dirty="0">
+              <a:solidFill>
+                <a:schemeClr val="tx1"/>
+              </a:solidFill>
+              <a:latin typeface="굴림" pitchFamily="50" charset="-127"/>
+              <a:ea typeface="굴림" pitchFamily="50" charset="-127"/>
+              <a:cs typeface="굴림" pitchFamily="50" charset="-127"/>
+            </a:endParaRPr>
+          </a:p>
+        </p:txBody>
+      </p:sp>
+      <p:sp>
+        <p:nvSpPr>
+          <p:cNvPr id="33" name="Rectangle 2"/>
+          <p:cNvSpPr>
+            <a:spLocks noChangeArrowheads="1"/>
+          </p:cNvSpPr>
+          <p:nvPr/>
+        </p:nvSpPr>
+        <p:spPr bwMode="auto">
+          <a:xfrm>
+            <a:off x="3944962" y="4836247"/>
+            <a:ext cx="2915816" cy="646331"/>
+          </a:xfrm>
+          <a:prstGeom prst="rect">
+            <a:avLst/>
+          </a:prstGeom>
+          <a:ln w="3175">
+            <a:headEnd/>
+            <a:tailEnd/>
+          </a:ln>
+        </p:spPr>
+        <p:style>
+          <a:lnRef idx="2">
+            <a:schemeClr val="dk1"/>
+          </a:lnRef>
+          <a:fillRef idx="1">
+            <a:schemeClr val="lt1"/>
+          </a:fillRef>
+          <a:effectRef idx="0">
+            <a:schemeClr val="dk1"/>
+          </a:effectRef>
+          <a:fontRef idx="minor">
+            <a:schemeClr val="dk1"/>
+          </a:fontRef>
+        </p:style>
+        <p:txBody>
+          <a:bodyPr vert="horz" wrap="square" lIns="91440" tIns="45720" rIns="91440" bIns="45720" numCol="1" anchor="ctr" anchorCtr="0" compatLnSpc="1">
+            <a:prstTxWarp prst="textNoShape">
+              <a:avLst/>
+            </a:prstTxWarp>
+            <a:spAutoFit/>
+          </a:bodyPr>
+          <a:lstStyle/>
+          <a:p>
+            <a:pPr lvl="0" fontAlgn="base">
+              <a:spcBef>
+                <a:spcPct val="0"/>
+              </a:spcBef>
+              <a:spcAft>
+                <a:spcPct val="0"/>
+              </a:spcAft>
+            </a:pPr>
+            <a:r>
+              <a:rPr kumimoji="1" lang="ko-KR" altLang="ko-KR" dirty="0">
+                <a:solidFill>
+                  <a:srgbClr val="000000"/>
+                </a:solidFill>
+                <a:latin typeface="Source Code Pro" pitchFamily="49" charset="0"/>
+                <a:ea typeface="굴림" pitchFamily="50" charset="-127"/>
+                <a:cs typeface="굴림" pitchFamily="50" charset="-127"/>
+              </a:rPr>
+              <a:t>shakeTail</a:t>
+            </a:r>
+            <a:r>
+              <a:rPr kumimoji="1" lang="en-US" altLang="ko-KR" dirty="0">
+                <a:solidFill>
+                  <a:srgbClr val="000000"/>
+                </a:solidFill>
+                <a:latin typeface="Source Code Pro" pitchFamily="49" charset="0"/>
+                <a:ea typeface="굴림" pitchFamily="50" charset="-127"/>
+                <a:cs typeface="굴림" pitchFamily="50" charset="-127"/>
+              </a:rPr>
+              <a:t>()</a:t>
+            </a:r>
+          </a:p>
+          <a:p>
+            <a:pPr lvl="0" fontAlgn="base">
+              <a:spcBef>
+                <a:spcPct val="0"/>
+              </a:spcBef>
+              <a:spcAft>
+                <a:spcPct val="0"/>
+              </a:spcAft>
+            </a:pPr>
+            <a:r>
+              <a:rPr kumimoji="1" lang="en-US" altLang="ko-KR" dirty="0" smtClean="0">
+                <a:solidFill>
+                  <a:srgbClr val="000000"/>
+                </a:solidFill>
+                <a:latin typeface="Source Code Pro" pitchFamily="49" charset="0"/>
+                <a:ea typeface="굴림" pitchFamily="50" charset="-127"/>
+                <a:cs typeface="굴림" pitchFamily="50" charset="-127"/>
+              </a:rPr>
+              <a:t>play</a:t>
+            </a:r>
+            <a:r>
+              <a:rPr kumimoji="1" lang="ko-KR" altLang="ko-KR" dirty="0" smtClean="0">
+                <a:solidFill>
+                  <a:srgbClr val="000000"/>
+                </a:solidFill>
+                <a:latin typeface="Source Code Pro" pitchFamily="49" charset="0"/>
+                <a:ea typeface="굴림" pitchFamily="50" charset="-127"/>
+                <a:cs typeface="굴림" pitchFamily="50" charset="-127"/>
+              </a:rPr>
+              <a:t>()</a:t>
+            </a:r>
+            <a:endParaRPr kumimoji="1" lang="ko-KR" altLang="ko-KR" sz="1600" dirty="0">
+              <a:solidFill>
+                <a:schemeClr val="tx1"/>
+              </a:solidFill>
+              <a:latin typeface="굴림" pitchFamily="50" charset="-127"/>
+              <a:ea typeface="굴림" pitchFamily="50" charset="-127"/>
+              <a:cs typeface="굴림" pitchFamily="50" charset="-127"/>
+            </a:endParaRPr>
+          </a:p>
+        </p:txBody>
+      </p:sp>
+      <p:sp>
+        <p:nvSpPr>
+          <p:cNvPr id="3" name="Rectangle 1"/>
+          <p:cNvSpPr>
+            <a:spLocks noChangeArrowheads="1"/>
+          </p:cNvSpPr>
+          <p:nvPr/>
+        </p:nvSpPr>
+        <p:spPr bwMode="auto">
+          <a:xfrm>
+            <a:off x="2447811" y="2564904"/>
+            <a:ext cx="3905165" cy="1046440"/>
+          </a:xfrm>
+          <a:prstGeom prst="rect">
+            <a:avLst/>
+          </a:prstGeom>
+          <a:solidFill>
+            <a:srgbClr val="FFFFFF"/>
+          </a:solidFill>
+          <a:ln w="9525">
+            <a:solidFill>
+              <a:schemeClr val="tx1"/>
+            </a:solidFill>
+            <a:miter lim="800000"/>
+            <a:headEnd/>
+            <a:tailEnd/>
+          </a:ln>
+          <a:effectLst/>
+          <a:extLst>
+            <a:ext uri="{AF507438-7753-43E0-B8FC-AC1667EBCBE1}">
+              <a14:hiddenEffects xmlns:a14="http://schemas.microsoft.com/office/drawing/2010/main">
+                <a:effectLst>
+                  <a:outerShdw dist="35921" dir="2700000" algn="ctr" rotWithShape="0">
+                    <a:schemeClr val="bg2"/>
+                  </a:outerShdw>
+                </a:effectLst>
+              </a14:hiddenEffects>
+            </a:ext>
+          </a:extLst>
+        </p:spPr>
+        <p:txBody>
+          <a:bodyPr vert="horz" wrap="square" lIns="91440" tIns="45720" rIns="91440" bIns="45720" numCol="1" anchor="ctr" anchorCtr="0" compatLnSpc="1">
+            <a:prstTxWarp prst="textNoShape">
+              <a:avLst/>
+            </a:prstTxWarp>
+            <a:spAutoFit/>
+          </a:bodyPr>
+          <a:lstStyle/>
+          <a:p>
+            <a:pPr marL="0" marR="0" lvl="0" indent="0" algn="l" defTabSz="914400" rtl="0" eaLnBrk="1" fontAlgn="base" latinLnBrk="1" hangingPunct="1">
+              <a:lnSpc>
+                <a:spcPct val="100000"/>
+              </a:lnSpc>
+              <a:spcBef>
+                <a:spcPct val="0"/>
+              </a:spcBef>
+              <a:spcAft>
+                <a:spcPct val="0"/>
+              </a:spcAft>
+              <a:buClrTx/>
+              <a:buSzTx/>
+              <a:buFontTx/>
+              <a:buNone/>
+              <a:tabLst/>
+            </a:pPr>
+            <a:r>
+              <a:rPr kumimoji="1" lang="ko-KR" altLang="ko-KR" sz="2200" b="0" i="0" u="none" strike="noStrike" cap="none" normalizeH="0" baseline="0" dirty="0" smtClean="0">
+                <a:ln>
+                  <a:noFill/>
+                </a:ln>
+                <a:solidFill>
+                  <a:srgbClr val="000000"/>
+                </a:solidFill>
+                <a:effectLst/>
+                <a:latin typeface="Source Code Pro" pitchFamily="49" charset="0"/>
+                <a:ea typeface="굴림" pitchFamily="50" charset="-127"/>
+                <a:cs typeface="굴림" pitchFamily="50" charset="-127"/>
+              </a:rPr>
+              <a:t/>
+            </a:r>
+            <a:br>
+              <a:rPr kumimoji="1" lang="ko-KR" altLang="ko-KR" sz="2200" b="0" i="0" u="none" strike="noStrike" cap="none" normalizeH="0" baseline="0" dirty="0" smtClean="0">
+                <a:ln>
+                  <a:noFill/>
+                </a:ln>
+                <a:solidFill>
+                  <a:srgbClr val="000000"/>
+                </a:solidFill>
+                <a:effectLst/>
+                <a:latin typeface="Source Code Pro" pitchFamily="49" charset="0"/>
+                <a:ea typeface="굴림" pitchFamily="50" charset="-127"/>
+                <a:cs typeface="굴림" pitchFamily="50" charset="-127"/>
+              </a:rPr>
+            </a:br>
+            <a:r>
+              <a:rPr kumimoji="1" lang="ko-KR" altLang="ko-KR" sz="2200" b="0" i="0" u="none" strike="noStrike" cap="none" normalizeH="0" baseline="0" dirty="0" smtClean="0">
+                <a:ln>
+                  <a:noFill/>
+                </a:ln>
+                <a:solidFill>
+                  <a:srgbClr val="000000"/>
+                </a:solidFill>
+                <a:effectLst/>
+                <a:latin typeface="Source Code Pro" pitchFamily="49" charset="0"/>
+                <a:ea typeface="굴림" pitchFamily="50" charset="-127"/>
+                <a:cs typeface="굴림" pitchFamily="50" charset="-127"/>
+              </a:rPr>
+              <a:t>Animal animal = dog;</a:t>
+            </a:r>
+            <a:br>
+              <a:rPr kumimoji="1" lang="ko-KR" altLang="ko-KR" sz="2200" b="0" i="0" u="none" strike="noStrike" cap="none" normalizeH="0" baseline="0" dirty="0" smtClean="0">
+                <a:ln>
+                  <a:noFill/>
+                </a:ln>
+                <a:solidFill>
+                  <a:srgbClr val="000000"/>
+                </a:solidFill>
+                <a:effectLst/>
+                <a:latin typeface="Source Code Pro" pitchFamily="49" charset="0"/>
+                <a:ea typeface="굴림" pitchFamily="50" charset="-127"/>
+                <a:cs typeface="굴림" pitchFamily="50" charset="-127"/>
+              </a:rPr>
+            </a:br>
+            <a:endParaRPr kumimoji="1" lang="ko-KR" altLang="ko-KR" sz="1800" b="0" i="0" u="none" strike="noStrike" cap="none" normalizeH="0" baseline="0" dirty="0" smtClean="0">
+              <a:ln>
+                <a:noFill/>
+              </a:ln>
+              <a:solidFill>
+                <a:schemeClr val="tx1"/>
+              </a:solidFill>
+              <a:effectLst/>
+              <a:latin typeface="굴림" pitchFamily="50" charset="-127"/>
+              <a:ea typeface="굴림" pitchFamily="50" charset="-127"/>
+              <a:cs typeface="굴림" pitchFamily="50" charset="-127"/>
+            </a:endParaRPr>
+          </a:p>
+        </p:txBody>
+      </p:sp>
+      <p:cxnSp>
+        <p:nvCxnSpPr>
+          <p:cNvPr id="29" name="직선 화살표 연결선 28"/>
+          <p:cNvCxnSpPr>
+            <a:stCxn id="30" idx="2"/>
+          </p:cNvCxnSpPr>
+          <p:nvPr/>
+        </p:nvCxnSpPr>
+        <p:spPr>
+          <a:xfrm flipH="1">
+            <a:off x="917642" y="1937581"/>
+            <a:ext cx="1830575" cy="2859571"/>
+          </a:xfrm>
+          <a:prstGeom prst="straightConnector1">
+            <a:avLst/>
+          </a:prstGeom>
+          <a:ln>
+            <a:headEnd type="none" w="med" len="med"/>
+            <a:tailEnd type="triangle" w="med" len="med"/>
+          </a:ln>
+        </p:spPr>
+        <p:style>
+          <a:lnRef idx="1">
+            <a:schemeClr val="accent2"/>
+          </a:lnRef>
+          <a:fillRef idx="0">
+            <a:schemeClr val="accent2"/>
+          </a:fillRef>
+          <a:effectRef idx="0">
+            <a:schemeClr val="accent2"/>
+          </a:effectRef>
+          <a:fontRef idx="minor">
+            <a:schemeClr val="tx1"/>
+          </a:fontRef>
+        </p:style>
+      </p:cxnSp>
+      <p:sp>
+        <p:nvSpPr>
+          <p:cNvPr id="30" name="직사각형 29"/>
           <p:cNvSpPr/>
           <p:nvPr/>
         </p:nvSpPr>
         <p:spPr>
           <a:xfrm>
-            <a:off x="302978" y="1567961"/>
+            <a:off x="2137854" y="1567961"/>
             <a:ext cx="1220725" cy="369620"/>
           </a:xfrm>
           <a:prstGeom prst="rect">
@@ -13033,800 +14435,16 @@
             <a:pPr algn="ctr"/>
             <a:r>
               <a:rPr lang="en-US" altLang="ko-KR" dirty="0" smtClean="0"/>
-              <a:t>cat</a:t>
+              <a:t>animal</a:t>
             </a:r>
             <a:endParaRPr lang="ko-KR" altLang="en-US" dirty="0"/>
-          </a:p>
-        </p:txBody>
-      </p:sp>
-      <p:cxnSp>
-        <p:nvCxnSpPr>
-          <p:cNvPr id="71" name="직선 화살표 연결선 70"/>
-          <p:cNvCxnSpPr>
-            <a:endCxn id="54" idx="0"/>
-          </p:cNvCxnSpPr>
-          <p:nvPr/>
-        </p:nvCxnSpPr>
-        <p:spPr>
-          <a:xfrm flipH="1">
-            <a:off x="917641" y="3075542"/>
-            <a:ext cx="2412267" cy="1721610"/>
-          </a:xfrm>
-          <a:prstGeom prst="straightConnector1">
-            <a:avLst/>
-          </a:prstGeom>
-          <a:ln>
-            <a:headEnd type="none" w="med" len="med"/>
-            <a:tailEnd type="triangle" w="med" len="med"/>
-          </a:ln>
-        </p:spPr>
-        <p:style>
-          <a:lnRef idx="1">
-            <a:schemeClr val="accent2"/>
-          </a:lnRef>
-          <a:fillRef idx="0">
-            <a:schemeClr val="accent2"/>
-          </a:fillRef>
-          <a:effectRef idx="0">
-            <a:schemeClr val="accent2"/>
-          </a:effectRef>
-          <a:fontRef idx="minor">
-            <a:schemeClr val="tx1"/>
-          </a:fontRef>
-        </p:style>
-      </p:cxnSp>
-      <p:sp>
-        <p:nvSpPr>
-          <p:cNvPr id="78" name="직사각형 77"/>
-          <p:cNvSpPr/>
-          <p:nvPr/>
-        </p:nvSpPr>
-        <p:spPr>
-          <a:xfrm>
-            <a:off x="302978" y="1937580"/>
-            <a:ext cx="1220725" cy="846411"/>
-          </a:xfrm>
-          <a:prstGeom prst="rect">
-            <a:avLst/>
-          </a:prstGeom>
-        </p:spPr>
-        <p:style>
-          <a:lnRef idx="2">
-            <a:schemeClr val="accent6">
-              <a:shade val="50000"/>
-            </a:schemeClr>
-          </a:lnRef>
-          <a:fillRef idx="1">
-            <a:schemeClr val="accent6"/>
-          </a:fillRef>
-          <a:effectRef idx="0">
-            <a:schemeClr val="accent6"/>
-          </a:effectRef>
-          <a:fontRef idx="minor">
-            <a:schemeClr val="lt1"/>
-          </a:fontRef>
-        </p:style>
-        <p:txBody>
-          <a:bodyPr rtlCol="0" anchor="ctr"/>
-          <a:lstStyle/>
-          <a:p>
-            <a:pPr algn="ctr"/>
-            <a:r>
-              <a:rPr lang="en-US" altLang="ko-KR" dirty="0" smtClean="0"/>
-              <a:t>name</a:t>
-            </a:r>
-          </a:p>
-          <a:p>
-            <a:pPr algn="ctr"/>
-            <a:r>
-              <a:rPr lang="en-US" altLang="ko-KR" dirty="0" smtClean="0"/>
-              <a:t>age</a:t>
-            </a:r>
-          </a:p>
-          <a:p>
-            <a:pPr algn="ctr"/>
-            <a:r>
-              <a:rPr lang="en-US" altLang="ko-KR" dirty="0" smtClean="0"/>
-              <a:t>weight</a:t>
-            </a:r>
-            <a:endParaRPr lang="ko-KR" altLang="en-US" dirty="0"/>
-          </a:p>
-        </p:txBody>
-      </p:sp>
-      <p:sp>
-        <p:nvSpPr>
-          <p:cNvPr id="79" name="직사각형 78"/>
-          <p:cNvSpPr/>
-          <p:nvPr/>
-        </p:nvSpPr>
-        <p:spPr>
-          <a:xfrm>
-            <a:off x="302978" y="2783991"/>
-            <a:ext cx="1220725" cy="1293081"/>
-          </a:xfrm>
-          <a:prstGeom prst="rect">
-            <a:avLst/>
-          </a:prstGeom>
-        </p:spPr>
-        <p:style>
-          <a:lnRef idx="2">
-            <a:schemeClr val="accent6">
-              <a:shade val="50000"/>
-            </a:schemeClr>
-          </a:lnRef>
-          <a:fillRef idx="1">
-            <a:schemeClr val="accent6"/>
-          </a:fillRef>
-          <a:effectRef idx="0">
-            <a:schemeClr val="accent6"/>
-          </a:effectRef>
-          <a:fontRef idx="minor">
-            <a:schemeClr val="lt1"/>
-          </a:fontRef>
-        </p:style>
-        <p:txBody>
-          <a:bodyPr rtlCol="0" anchor="ctr"/>
-          <a:lstStyle/>
-          <a:p>
-            <a:pPr algn="ctr"/>
-            <a:r>
-              <a:rPr lang="en-US" altLang="ko-KR" dirty="0" err="1" smtClean="0"/>
-              <a:t>printInfo</a:t>
-            </a:r>
-            <a:r>
-              <a:rPr lang="en-US" altLang="ko-KR" dirty="0" smtClean="0"/>
-              <a:t>()</a:t>
-            </a:r>
-          </a:p>
-          <a:p>
-            <a:pPr algn="ctr"/>
-            <a:r>
-              <a:rPr lang="en-US" altLang="ko-KR" dirty="0" smtClean="0"/>
-              <a:t>bark()</a:t>
-            </a:r>
-          </a:p>
-          <a:p>
-            <a:pPr algn="ctr"/>
-            <a:r>
-              <a:rPr lang="en-US" altLang="ko-KR" dirty="0" smtClean="0"/>
-              <a:t>eat()</a:t>
-            </a:r>
-          </a:p>
-        </p:txBody>
-      </p:sp>
-      <p:sp>
-        <p:nvSpPr>
-          <p:cNvPr id="82" name="직사각형 81"/>
-          <p:cNvSpPr/>
-          <p:nvPr/>
-        </p:nvSpPr>
-        <p:spPr>
-          <a:xfrm>
-            <a:off x="2137854" y="1567961"/>
-            <a:ext cx="1220725" cy="369620"/>
-          </a:xfrm>
-          <a:prstGeom prst="rect">
-            <a:avLst/>
-          </a:prstGeom>
-        </p:spPr>
-        <p:style>
-          <a:lnRef idx="2">
-            <a:schemeClr val="accent6">
-              <a:shade val="50000"/>
-            </a:schemeClr>
-          </a:lnRef>
-          <a:fillRef idx="1">
-            <a:schemeClr val="accent6"/>
-          </a:fillRef>
-          <a:effectRef idx="0">
-            <a:schemeClr val="accent6"/>
-          </a:effectRef>
-          <a:fontRef idx="minor">
-            <a:schemeClr val="lt1"/>
-          </a:fontRef>
-        </p:style>
-        <p:txBody>
-          <a:bodyPr rtlCol="0" anchor="ctr"/>
-          <a:lstStyle/>
-          <a:p>
-            <a:pPr algn="ctr"/>
-            <a:r>
-              <a:rPr lang="en-US" altLang="ko-KR" dirty="0" smtClean="0"/>
-              <a:t>animal</a:t>
-            </a:r>
-            <a:endParaRPr lang="ko-KR" altLang="en-US" dirty="0"/>
-          </a:p>
-        </p:txBody>
-      </p:sp>
-      <p:sp>
-        <p:nvSpPr>
-          <p:cNvPr id="83" name="직사각형 82"/>
-          <p:cNvSpPr/>
-          <p:nvPr/>
-        </p:nvSpPr>
-        <p:spPr>
-          <a:xfrm>
-            <a:off x="2137854" y="1937580"/>
-            <a:ext cx="1220725" cy="846411"/>
-          </a:xfrm>
-          <a:prstGeom prst="rect">
-            <a:avLst/>
-          </a:prstGeom>
-        </p:spPr>
-        <p:style>
-          <a:lnRef idx="2">
-            <a:schemeClr val="accent6">
-              <a:shade val="50000"/>
-            </a:schemeClr>
-          </a:lnRef>
-          <a:fillRef idx="1">
-            <a:schemeClr val="accent6"/>
-          </a:fillRef>
-          <a:effectRef idx="0">
-            <a:schemeClr val="accent6"/>
-          </a:effectRef>
-          <a:fontRef idx="minor">
-            <a:schemeClr val="lt1"/>
-          </a:fontRef>
-        </p:style>
-        <p:txBody>
-          <a:bodyPr rtlCol="0" anchor="ctr"/>
-          <a:lstStyle/>
-          <a:p>
-            <a:pPr algn="ctr"/>
-            <a:r>
-              <a:rPr lang="en-US" altLang="ko-KR" dirty="0" smtClean="0"/>
-              <a:t>name</a:t>
-            </a:r>
-          </a:p>
-          <a:p>
-            <a:pPr algn="ctr"/>
-            <a:r>
-              <a:rPr lang="en-US" altLang="ko-KR" dirty="0" smtClean="0"/>
-              <a:t>age</a:t>
-            </a:r>
-          </a:p>
-          <a:p>
-            <a:pPr algn="ctr"/>
-            <a:r>
-              <a:rPr lang="en-US" altLang="ko-KR" dirty="0" smtClean="0"/>
-              <a:t>weight</a:t>
-            </a:r>
-            <a:endParaRPr lang="ko-KR" altLang="en-US" dirty="0"/>
-          </a:p>
-        </p:txBody>
-      </p:sp>
-      <p:sp>
-        <p:nvSpPr>
-          <p:cNvPr id="84" name="직사각형 83"/>
-          <p:cNvSpPr/>
-          <p:nvPr/>
-        </p:nvSpPr>
-        <p:spPr>
-          <a:xfrm>
-            <a:off x="2137854" y="2783991"/>
-            <a:ext cx="1220725" cy="1152355"/>
-          </a:xfrm>
-          <a:prstGeom prst="rect">
-            <a:avLst/>
-          </a:prstGeom>
-        </p:spPr>
-        <p:style>
-          <a:lnRef idx="2">
-            <a:schemeClr val="accent6">
-              <a:shade val="50000"/>
-            </a:schemeClr>
-          </a:lnRef>
-          <a:fillRef idx="1">
-            <a:schemeClr val="accent6"/>
-          </a:fillRef>
-          <a:effectRef idx="0">
-            <a:schemeClr val="accent6"/>
-          </a:effectRef>
-          <a:fontRef idx="minor">
-            <a:schemeClr val="lt1"/>
-          </a:fontRef>
-        </p:style>
-        <p:txBody>
-          <a:bodyPr rtlCol="0" anchor="ctr"/>
-          <a:lstStyle/>
-          <a:p>
-            <a:pPr algn="ctr"/>
-            <a:r>
-              <a:rPr lang="en-US" altLang="ko-KR" dirty="0" err="1" smtClean="0"/>
-              <a:t>printInfo</a:t>
-            </a:r>
-            <a:r>
-              <a:rPr lang="en-US" altLang="ko-KR" dirty="0" smtClean="0"/>
-              <a:t>()</a:t>
-            </a:r>
-          </a:p>
-          <a:p>
-            <a:pPr algn="ctr"/>
-            <a:r>
-              <a:rPr lang="en-US" altLang="ko-KR" dirty="0"/>
-              <a:t>bark()</a:t>
-            </a:r>
-          </a:p>
-          <a:p>
-            <a:pPr algn="ctr"/>
-            <a:r>
-              <a:rPr lang="en-US" altLang="ko-KR" dirty="0"/>
-              <a:t>eat</a:t>
-            </a:r>
-            <a:r>
-              <a:rPr lang="en-US" altLang="ko-KR" dirty="0" smtClean="0"/>
-              <a:t>()</a:t>
-            </a:r>
-            <a:endParaRPr lang="en-US" altLang="ko-KR" dirty="0"/>
-          </a:p>
-        </p:txBody>
-      </p:sp>
-      <p:sp>
-        <p:nvSpPr>
-          <p:cNvPr id="31" name="Rectangle 1"/>
-          <p:cNvSpPr>
-            <a:spLocks noChangeArrowheads="1"/>
-          </p:cNvSpPr>
-          <p:nvPr/>
-        </p:nvSpPr>
-        <p:spPr bwMode="auto">
-          <a:xfrm>
-            <a:off x="5998013" y="1052736"/>
-            <a:ext cx="2915816" cy="969496"/>
-          </a:xfrm>
-          <a:prstGeom prst="rect">
-            <a:avLst/>
-          </a:prstGeom>
-          <a:ln w="3175">
-            <a:headEnd/>
-            <a:tailEnd/>
-          </a:ln>
-        </p:spPr>
-        <p:style>
-          <a:lnRef idx="2">
-            <a:schemeClr val="dk1"/>
-          </a:lnRef>
-          <a:fillRef idx="1">
-            <a:schemeClr val="lt1"/>
-          </a:fillRef>
-          <a:effectRef idx="0">
-            <a:schemeClr val="dk1"/>
-          </a:effectRef>
-          <a:fontRef idx="minor">
-            <a:schemeClr val="dk1"/>
-          </a:fontRef>
-        </p:style>
-        <p:txBody>
-          <a:bodyPr vert="horz" wrap="square" lIns="91440" tIns="45720" rIns="91440" bIns="45720" numCol="1" anchor="ctr" anchorCtr="0" compatLnSpc="1">
-            <a:prstTxWarp prst="textNoShape">
-              <a:avLst/>
-            </a:prstTxWarp>
-            <a:spAutoFit/>
-          </a:bodyPr>
-          <a:lstStyle/>
-          <a:p>
-            <a:pPr marL="0" marR="0" lvl="0" indent="0" algn="l" defTabSz="914400" rtl="0" eaLnBrk="1" fontAlgn="base" latinLnBrk="1" hangingPunct="1">
-              <a:lnSpc>
-                <a:spcPct val="100000"/>
-              </a:lnSpc>
-              <a:spcBef>
-                <a:spcPct val="0"/>
-              </a:spcBef>
-              <a:spcAft>
-                <a:spcPct val="0"/>
-              </a:spcAft>
-              <a:buClrTx/>
-              <a:buSzTx/>
-              <a:buFontTx/>
-              <a:buNone/>
-              <a:tabLst/>
-            </a:pPr>
-            <a:r>
-              <a:rPr kumimoji="1" lang="ko-KR" altLang="ko-KR" sz="1900" b="0" i="0" u="none" strike="noStrike" cap="none" normalizeH="0" baseline="0" dirty="0" smtClean="0">
-                <a:ln>
-                  <a:noFill/>
-                </a:ln>
-                <a:solidFill>
-                  <a:srgbClr val="000000"/>
-                </a:solidFill>
-                <a:effectLst/>
-                <a:latin typeface="Source Code Pro" pitchFamily="49" charset="0"/>
-                <a:ea typeface="굴림" pitchFamily="50" charset="-127"/>
-                <a:cs typeface="굴림" pitchFamily="50" charset="-127"/>
-              </a:rPr>
-              <a:t>String </a:t>
-            </a:r>
-            <a:r>
-              <a:rPr kumimoji="1" lang="ko-KR" altLang="ko-KR" sz="1900" b="1" i="0" u="none" strike="noStrike" cap="none" normalizeH="0" baseline="0" dirty="0" smtClean="0">
-                <a:ln>
-                  <a:noFill/>
-                </a:ln>
-                <a:solidFill>
-                  <a:srgbClr val="660E7A"/>
-                </a:solidFill>
-                <a:effectLst/>
-                <a:latin typeface="Source Code Pro" pitchFamily="49" charset="0"/>
-                <a:ea typeface="굴림" pitchFamily="50" charset="-127"/>
-                <a:cs typeface="굴림" pitchFamily="50" charset="-127"/>
-              </a:rPr>
-              <a:t>name</a:t>
-            </a:r>
-            <a:r>
-              <a:rPr kumimoji="1" lang="ko-KR" altLang="ko-KR" sz="1900" b="0" i="0" u="none" strike="noStrike" cap="none" normalizeH="0" baseline="0" dirty="0" smtClean="0">
-                <a:ln>
-                  <a:noFill/>
-                </a:ln>
-                <a:solidFill>
-                  <a:srgbClr val="000000"/>
-                </a:solidFill>
-                <a:effectLst/>
-                <a:latin typeface="Source Code Pro" pitchFamily="49" charset="0"/>
-                <a:ea typeface="굴림" pitchFamily="50" charset="-127"/>
-                <a:cs typeface="굴림" pitchFamily="50" charset="-127"/>
-              </a:rPr>
-              <a:t>;</a:t>
-            </a:r>
-            <a:br>
-              <a:rPr kumimoji="1" lang="ko-KR" altLang="ko-KR" sz="1900" b="0" i="0" u="none" strike="noStrike" cap="none" normalizeH="0" baseline="0" dirty="0" smtClean="0">
-                <a:ln>
-                  <a:noFill/>
-                </a:ln>
-                <a:solidFill>
-                  <a:srgbClr val="000000"/>
-                </a:solidFill>
-                <a:effectLst/>
-                <a:latin typeface="Source Code Pro" pitchFamily="49" charset="0"/>
-                <a:ea typeface="굴림" pitchFamily="50" charset="-127"/>
-                <a:cs typeface="굴림" pitchFamily="50" charset="-127"/>
-              </a:rPr>
-            </a:br>
-            <a:r>
-              <a:rPr kumimoji="1" lang="ko-KR" altLang="ko-KR" sz="1900" b="1" i="0" u="none" strike="noStrike" cap="none" normalizeH="0" baseline="0" dirty="0" smtClean="0">
-                <a:ln>
-                  <a:noFill/>
-                </a:ln>
-                <a:solidFill>
-                  <a:srgbClr val="000080"/>
-                </a:solidFill>
-                <a:effectLst/>
-                <a:latin typeface="Source Code Pro" pitchFamily="49" charset="0"/>
-                <a:ea typeface="굴림" pitchFamily="50" charset="-127"/>
-                <a:cs typeface="굴림" pitchFamily="50" charset="-127"/>
-              </a:rPr>
-              <a:t>int </a:t>
-            </a:r>
-            <a:r>
-              <a:rPr kumimoji="1" lang="ko-KR" altLang="ko-KR" sz="1900" b="1" i="0" u="none" strike="noStrike" cap="none" normalizeH="0" baseline="0" dirty="0" smtClean="0">
-                <a:ln>
-                  <a:noFill/>
-                </a:ln>
-                <a:solidFill>
-                  <a:srgbClr val="660E7A"/>
-                </a:solidFill>
-                <a:effectLst/>
-                <a:latin typeface="Source Code Pro" pitchFamily="49" charset="0"/>
-                <a:ea typeface="굴림" pitchFamily="50" charset="-127"/>
-                <a:cs typeface="굴림" pitchFamily="50" charset="-127"/>
-              </a:rPr>
-              <a:t>age</a:t>
-            </a:r>
-            <a:r>
-              <a:rPr kumimoji="1" lang="ko-KR" altLang="ko-KR" sz="1900" b="0" i="0" u="none" strike="noStrike" cap="none" normalizeH="0" baseline="0" dirty="0" smtClean="0">
-                <a:ln>
-                  <a:noFill/>
-                </a:ln>
-                <a:solidFill>
-                  <a:srgbClr val="000000"/>
-                </a:solidFill>
-                <a:effectLst/>
-                <a:latin typeface="Source Code Pro" pitchFamily="49" charset="0"/>
-                <a:ea typeface="굴림" pitchFamily="50" charset="-127"/>
-                <a:cs typeface="굴림" pitchFamily="50" charset="-127"/>
-              </a:rPr>
-              <a:t>;</a:t>
-            </a:r>
-            <a:br>
-              <a:rPr kumimoji="1" lang="ko-KR" altLang="ko-KR" sz="1900" b="0" i="0" u="none" strike="noStrike" cap="none" normalizeH="0" baseline="0" dirty="0" smtClean="0">
-                <a:ln>
-                  <a:noFill/>
-                </a:ln>
-                <a:solidFill>
-                  <a:srgbClr val="000000"/>
-                </a:solidFill>
-                <a:effectLst/>
-                <a:latin typeface="Source Code Pro" pitchFamily="49" charset="0"/>
-                <a:ea typeface="굴림" pitchFamily="50" charset="-127"/>
-                <a:cs typeface="굴림" pitchFamily="50" charset="-127"/>
-              </a:rPr>
-            </a:br>
-            <a:r>
-              <a:rPr kumimoji="1" lang="ko-KR" altLang="ko-KR" sz="1900" b="1" i="0" u="none" strike="noStrike" cap="none" normalizeH="0" baseline="0" dirty="0" smtClean="0">
-                <a:ln>
-                  <a:noFill/>
-                </a:ln>
-                <a:solidFill>
-                  <a:srgbClr val="000080"/>
-                </a:solidFill>
-                <a:effectLst/>
-                <a:latin typeface="Source Code Pro" pitchFamily="49" charset="0"/>
-                <a:ea typeface="굴림" pitchFamily="50" charset="-127"/>
-                <a:cs typeface="굴림" pitchFamily="50" charset="-127"/>
-              </a:rPr>
-              <a:t>int </a:t>
-            </a:r>
-            <a:r>
-              <a:rPr kumimoji="1" lang="ko-KR" altLang="ko-KR" sz="1900" b="1" i="0" u="none" strike="noStrike" cap="none" normalizeH="0" baseline="0" dirty="0" smtClean="0">
-                <a:ln>
-                  <a:noFill/>
-                </a:ln>
-                <a:solidFill>
-                  <a:srgbClr val="660E7A"/>
-                </a:solidFill>
-                <a:effectLst/>
-                <a:latin typeface="Source Code Pro" pitchFamily="49" charset="0"/>
-                <a:ea typeface="굴림" pitchFamily="50" charset="-127"/>
-                <a:cs typeface="굴림" pitchFamily="50" charset="-127"/>
-              </a:rPr>
-              <a:t>weight</a:t>
-            </a:r>
-            <a:r>
-              <a:rPr kumimoji="1" lang="ko-KR" altLang="ko-KR" sz="1900" b="0" i="0" u="none" strike="noStrike" cap="none" normalizeH="0" baseline="0" dirty="0" smtClean="0">
-                <a:ln>
-                  <a:noFill/>
-                </a:ln>
-                <a:solidFill>
-                  <a:srgbClr val="000000"/>
-                </a:solidFill>
-                <a:effectLst/>
-                <a:latin typeface="Source Code Pro" pitchFamily="49" charset="0"/>
-                <a:ea typeface="굴림" pitchFamily="50" charset="-127"/>
-                <a:cs typeface="굴림" pitchFamily="50" charset="-127"/>
-              </a:rPr>
-              <a:t>;</a:t>
-            </a:r>
-            <a:endParaRPr kumimoji="1" lang="ko-KR" altLang="ko-KR" sz="1800" b="0" i="0" u="none" strike="noStrike" cap="none" normalizeH="0" baseline="0" dirty="0" smtClean="0">
-              <a:ln>
-                <a:noFill/>
-              </a:ln>
-              <a:solidFill>
-                <a:schemeClr val="tx1"/>
-              </a:solidFill>
-              <a:effectLst/>
-              <a:latin typeface="굴림" pitchFamily="50" charset="-127"/>
-              <a:ea typeface="굴림" pitchFamily="50" charset="-127"/>
-              <a:cs typeface="굴림" pitchFamily="50" charset="-127"/>
-            </a:endParaRPr>
-          </a:p>
-        </p:txBody>
-      </p:sp>
-      <p:sp>
-        <p:nvSpPr>
-          <p:cNvPr id="32" name="Rectangle 2"/>
-          <p:cNvSpPr>
-            <a:spLocks noChangeArrowheads="1"/>
-          </p:cNvSpPr>
-          <p:nvPr/>
-        </p:nvSpPr>
-        <p:spPr bwMode="auto">
-          <a:xfrm>
-            <a:off x="5998013" y="2006843"/>
-            <a:ext cx="2915816" cy="707886"/>
-          </a:xfrm>
-          <a:prstGeom prst="rect">
-            <a:avLst/>
-          </a:prstGeom>
-          <a:ln w="3175">
-            <a:headEnd/>
-            <a:tailEnd/>
-          </a:ln>
-        </p:spPr>
-        <p:style>
-          <a:lnRef idx="2">
-            <a:schemeClr val="dk1"/>
-          </a:lnRef>
-          <a:fillRef idx="1">
-            <a:schemeClr val="lt1"/>
-          </a:fillRef>
-          <a:effectRef idx="0">
-            <a:schemeClr val="dk1"/>
-          </a:effectRef>
-          <a:fontRef idx="minor">
-            <a:schemeClr val="dk1"/>
-          </a:fontRef>
-        </p:style>
-        <p:txBody>
-          <a:bodyPr vert="horz" wrap="square" lIns="91440" tIns="45720" rIns="91440" bIns="45720" numCol="1" anchor="ctr" anchorCtr="0" compatLnSpc="1">
-            <a:prstTxWarp prst="textNoShape">
-              <a:avLst/>
-            </a:prstTxWarp>
-            <a:spAutoFit/>
-          </a:bodyPr>
-          <a:lstStyle/>
-          <a:p>
-            <a:pPr lvl="0" fontAlgn="base">
-              <a:spcBef>
-                <a:spcPct val="0"/>
-              </a:spcBef>
-              <a:spcAft>
-                <a:spcPct val="0"/>
-              </a:spcAft>
-            </a:pPr>
-            <a:r>
-              <a:rPr kumimoji="1" lang="en-US" altLang="ko-KR" sz="2000" dirty="0">
-                <a:solidFill>
-                  <a:schemeClr val="tx1"/>
-                </a:solidFill>
-                <a:latin typeface="굴림" pitchFamily="50" charset="-127"/>
-                <a:ea typeface="굴림" pitchFamily="50" charset="-127"/>
-                <a:cs typeface="굴림" pitchFamily="50" charset="-127"/>
-              </a:rPr>
-              <a:t>bark()</a:t>
-            </a:r>
-          </a:p>
-          <a:p>
-            <a:pPr lvl="0" fontAlgn="base">
-              <a:spcBef>
-                <a:spcPct val="0"/>
-              </a:spcBef>
-              <a:spcAft>
-                <a:spcPct val="0"/>
-              </a:spcAft>
-            </a:pPr>
-            <a:r>
-              <a:rPr kumimoji="1" lang="en-US" altLang="ko-KR" sz="2000" dirty="0">
-                <a:solidFill>
-                  <a:schemeClr val="tx1"/>
-                </a:solidFill>
-                <a:latin typeface="굴림" pitchFamily="50" charset="-127"/>
-                <a:ea typeface="굴림" pitchFamily="50" charset="-127"/>
-                <a:cs typeface="굴림" pitchFamily="50" charset="-127"/>
-              </a:rPr>
-              <a:t>eat</a:t>
-            </a:r>
-            <a:r>
-              <a:rPr kumimoji="1" lang="en-US" altLang="ko-KR" sz="2000" dirty="0" smtClean="0">
-                <a:solidFill>
-                  <a:schemeClr val="tx1"/>
-                </a:solidFill>
-                <a:latin typeface="굴림" pitchFamily="50" charset="-127"/>
-                <a:ea typeface="굴림" pitchFamily="50" charset="-127"/>
-                <a:cs typeface="굴림" pitchFamily="50" charset="-127"/>
-              </a:rPr>
-              <a:t>()</a:t>
-            </a:r>
-            <a:endParaRPr kumimoji="1" lang="en-US" altLang="ko-KR" sz="2000" dirty="0">
-              <a:solidFill>
-                <a:schemeClr val="tx1"/>
-              </a:solidFill>
-              <a:latin typeface="굴림" pitchFamily="50" charset="-127"/>
-              <a:ea typeface="굴림" pitchFamily="50" charset="-127"/>
-              <a:cs typeface="굴림" pitchFamily="50" charset="-127"/>
-            </a:endParaRPr>
-          </a:p>
-        </p:txBody>
-      </p:sp>
-      <p:sp>
-        <p:nvSpPr>
-          <p:cNvPr id="33" name="Rectangle 2"/>
-          <p:cNvSpPr>
-            <a:spLocks noChangeArrowheads="1"/>
-          </p:cNvSpPr>
-          <p:nvPr/>
-        </p:nvSpPr>
-        <p:spPr bwMode="auto">
-          <a:xfrm>
-            <a:off x="3944962" y="4836247"/>
-            <a:ext cx="2915816" cy="646331"/>
-          </a:xfrm>
-          <a:prstGeom prst="rect">
-            <a:avLst/>
-          </a:prstGeom>
-          <a:ln w="3175">
-            <a:headEnd/>
-            <a:tailEnd/>
-          </a:ln>
-        </p:spPr>
-        <p:style>
-          <a:lnRef idx="2">
-            <a:schemeClr val="dk1"/>
-          </a:lnRef>
-          <a:fillRef idx="1">
-            <a:schemeClr val="lt1"/>
-          </a:fillRef>
-          <a:effectRef idx="0">
-            <a:schemeClr val="dk1"/>
-          </a:effectRef>
-          <a:fontRef idx="minor">
-            <a:schemeClr val="dk1"/>
-          </a:fontRef>
-        </p:style>
-        <p:txBody>
-          <a:bodyPr vert="horz" wrap="square" lIns="91440" tIns="45720" rIns="91440" bIns="45720" numCol="1" anchor="ctr" anchorCtr="0" compatLnSpc="1">
-            <a:prstTxWarp prst="textNoShape">
-              <a:avLst/>
-            </a:prstTxWarp>
-            <a:spAutoFit/>
-          </a:bodyPr>
-          <a:lstStyle/>
-          <a:p>
-            <a:pPr lvl="0" fontAlgn="base">
-              <a:spcBef>
-                <a:spcPct val="0"/>
-              </a:spcBef>
-              <a:spcAft>
-                <a:spcPct val="0"/>
-              </a:spcAft>
-            </a:pPr>
-            <a:r>
-              <a:rPr kumimoji="1" lang="ko-KR" altLang="ko-KR" dirty="0">
-                <a:solidFill>
-                  <a:srgbClr val="000000"/>
-                </a:solidFill>
-                <a:latin typeface="Source Code Pro" pitchFamily="49" charset="0"/>
-                <a:ea typeface="굴림" pitchFamily="50" charset="-127"/>
-                <a:cs typeface="굴림" pitchFamily="50" charset="-127"/>
-              </a:rPr>
-              <a:t>shakeTail</a:t>
-            </a:r>
-            <a:r>
-              <a:rPr kumimoji="1" lang="en-US" altLang="ko-KR" dirty="0">
-                <a:solidFill>
-                  <a:srgbClr val="000000"/>
-                </a:solidFill>
-                <a:latin typeface="Source Code Pro" pitchFamily="49" charset="0"/>
-                <a:ea typeface="굴림" pitchFamily="50" charset="-127"/>
-                <a:cs typeface="굴림" pitchFamily="50" charset="-127"/>
-              </a:rPr>
-              <a:t>()</a:t>
-            </a:r>
-          </a:p>
-          <a:p>
-            <a:pPr lvl="0" fontAlgn="base">
-              <a:spcBef>
-                <a:spcPct val="0"/>
-              </a:spcBef>
-              <a:spcAft>
-                <a:spcPct val="0"/>
-              </a:spcAft>
-            </a:pPr>
-            <a:r>
-              <a:rPr kumimoji="1" lang="en-US" altLang="ko-KR" dirty="0" smtClean="0">
-                <a:solidFill>
-                  <a:srgbClr val="000000"/>
-                </a:solidFill>
-                <a:latin typeface="Source Code Pro" pitchFamily="49" charset="0"/>
-                <a:ea typeface="굴림" pitchFamily="50" charset="-127"/>
-                <a:cs typeface="굴림" pitchFamily="50" charset="-127"/>
-              </a:rPr>
-              <a:t>play</a:t>
-            </a:r>
-            <a:r>
-              <a:rPr kumimoji="1" lang="ko-KR" altLang="ko-KR" dirty="0" smtClean="0">
-                <a:solidFill>
-                  <a:srgbClr val="000000"/>
-                </a:solidFill>
-                <a:latin typeface="Source Code Pro" pitchFamily="49" charset="0"/>
-                <a:ea typeface="굴림" pitchFamily="50" charset="-127"/>
-                <a:cs typeface="굴림" pitchFamily="50" charset="-127"/>
-              </a:rPr>
-              <a:t>()</a:t>
-            </a:r>
-            <a:endParaRPr kumimoji="1" lang="ko-KR" altLang="ko-KR" sz="1600" dirty="0">
-              <a:solidFill>
-                <a:schemeClr val="tx1"/>
-              </a:solidFill>
-              <a:latin typeface="굴림" pitchFamily="50" charset="-127"/>
-              <a:ea typeface="굴림" pitchFamily="50" charset="-127"/>
-              <a:cs typeface="굴림" pitchFamily="50" charset="-127"/>
-            </a:endParaRPr>
           </a:p>
         </p:txBody>
       </p:sp>
     </p:spTree>
     <p:extLst>
       <p:ext uri="{BB962C8B-B14F-4D97-AF65-F5344CB8AC3E}">
-        <p14:creationId xmlns:p14="http://schemas.microsoft.com/office/powerpoint/2010/main" val="2413186682"/>
+        <p14:creationId xmlns:p14="http://schemas.microsoft.com/office/powerpoint/2010/main" val="3911039398"/>
       </p:ext>
     </p:extLst>
   </p:cSld>
@@ -14498,14 +15116,14 @@
       </p:cxnSp>
       <p:sp>
         <p:nvSpPr>
-          <p:cNvPr id="25" name="직사각형 24"/>
+          <p:cNvPr id="57" name="직사각형 56"/>
           <p:cNvSpPr/>
           <p:nvPr/>
         </p:nvSpPr>
         <p:spPr>
           <a:xfrm>
-            <a:off x="302978" y="1567961"/>
-            <a:ext cx="1220725" cy="369620"/>
+            <a:off x="1962979" y="4797152"/>
+            <a:ext cx="1366929" cy="1368152"/>
           </a:xfrm>
           <a:prstGeom prst="rect">
             <a:avLst/>
@@ -14534,58 +15152,55 @@
             <a:pPr algn="ctr"/>
             <a:r>
               <a:rPr lang="en-US" altLang="ko-KR" dirty="0" smtClean="0"/>
-              <a:t>cat</a:t>
-            </a:r>
-            <a:endParaRPr lang="ko-KR" altLang="en-US" dirty="0"/>
-          </a:p>
-        </p:txBody>
-      </p:sp>
-      <p:cxnSp>
-        <p:nvCxnSpPr>
-          <p:cNvPr id="71" name="직선 화살표 연결선 70"/>
-          <p:cNvCxnSpPr>
-            <a:endCxn id="54" idx="0"/>
-          </p:cNvCxnSpPr>
-          <p:nvPr/>
-        </p:nvCxnSpPr>
-        <p:spPr>
-          <a:xfrm flipH="1">
-            <a:off x="917641" y="3075542"/>
-            <a:ext cx="2412267" cy="1721610"/>
-          </a:xfrm>
-          <a:prstGeom prst="straightConnector1">
-            <a:avLst/>
-          </a:prstGeom>
-          <a:ln>
-            <a:headEnd type="none" w="med" len="med"/>
-            <a:tailEnd type="triangle" w="med" len="med"/>
-          </a:ln>
-        </p:spPr>
-        <p:style>
-          <a:lnRef idx="1">
-            <a:schemeClr val="accent2"/>
-          </a:lnRef>
-          <a:fillRef idx="0">
-            <a:schemeClr val="accent2"/>
-          </a:fillRef>
-          <a:effectRef idx="0">
-            <a:schemeClr val="accent2"/>
-          </a:effectRef>
-          <a:fontRef idx="minor">
-            <a:schemeClr val="tx1"/>
-          </a:fontRef>
-        </p:style>
-      </p:cxnSp>
-      <p:sp>
-        <p:nvSpPr>
-          <p:cNvPr id="78" name="직사각형 77"/>
+              <a:t>new Dog</a:t>
+            </a:r>
+          </a:p>
+          <a:p>
+            <a:pPr algn="ctr"/>
+            <a:r>
+              <a:rPr lang="en-US" altLang="ko-KR" dirty="0"/>
+              <a:t>bark()</a:t>
+            </a:r>
+          </a:p>
+          <a:p>
+            <a:pPr algn="ctr"/>
+            <a:r>
+              <a:rPr lang="en-US" altLang="ko-KR" dirty="0"/>
+              <a:t>eat</a:t>
+            </a:r>
+            <a:r>
+              <a:rPr lang="en-US" altLang="ko-KR" dirty="0" smtClean="0"/>
+              <a:t>()</a:t>
+            </a:r>
+            <a:endParaRPr lang="en-US" altLang="ko-KR" dirty="0"/>
+          </a:p>
+          <a:p>
+            <a:pPr algn="ctr"/>
+            <a:r>
+              <a:rPr lang="en-US" altLang="ko-KR" dirty="0" smtClean="0"/>
+              <a:t>+</a:t>
+            </a:r>
+          </a:p>
+          <a:p>
+            <a:pPr algn="ctr"/>
+            <a:r>
+              <a:rPr lang="en-US" altLang="ko-KR" dirty="0" smtClean="0"/>
+              <a:t>Animal</a:t>
+            </a:r>
+            <a:endParaRPr lang="en-US" altLang="ko-KR" dirty="0"/>
+          </a:p>
+        </p:txBody>
+      </p:sp>
+      <p:sp>
+        <p:nvSpPr>
+          <p:cNvPr id="25" name="직사각형 24"/>
           <p:cNvSpPr/>
           <p:nvPr/>
         </p:nvSpPr>
         <p:spPr>
           <a:xfrm>
-            <a:off x="302978" y="1937580"/>
-            <a:ext cx="1220725" cy="846411"/>
+            <a:off x="302978" y="1567961"/>
+            <a:ext cx="1220725" cy="369620"/>
           </a:xfrm>
           <a:prstGeom prst="rect">
             <a:avLst/>
@@ -14614,36 +15229,58 @@
             <a:pPr algn="ctr"/>
             <a:r>
               <a:rPr lang="en-US" altLang="ko-KR" dirty="0" smtClean="0"/>
-              <a:t>name</a:t>
-            </a:r>
-          </a:p>
-          <a:p>
-            <a:pPr algn="ctr"/>
-            <a:r>
-              <a:rPr lang="en-US" altLang="ko-KR" dirty="0" smtClean="0"/>
-              <a:t>age</a:t>
-            </a:r>
-          </a:p>
-          <a:p>
-            <a:pPr algn="ctr"/>
-            <a:r>
-              <a:rPr lang="en-US" altLang="ko-KR" dirty="0" smtClean="0"/>
-              <a:t>weight</a:t>
+              <a:t>cat</a:t>
             </a:r>
             <a:endParaRPr lang="ko-KR" altLang="en-US" dirty="0"/>
           </a:p>
         </p:txBody>
       </p:sp>
-      <p:sp>
-        <p:nvSpPr>
-          <p:cNvPr id="79" name="직사각형 78"/>
+      <p:cxnSp>
+        <p:nvCxnSpPr>
+          <p:cNvPr id="71" name="직선 화살표 연결선 70"/>
+          <p:cNvCxnSpPr>
+            <a:endCxn id="54" idx="0"/>
+          </p:cNvCxnSpPr>
+          <p:nvPr/>
+        </p:nvCxnSpPr>
+        <p:spPr>
+          <a:xfrm flipH="1">
+            <a:off x="917641" y="3075542"/>
+            <a:ext cx="2412267" cy="1721610"/>
+          </a:xfrm>
+          <a:prstGeom prst="straightConnector1">
+            <a:avLst/>
+          </a:prstGeom>
+          <a:ln>
+            <a:headEnd type="none" w="med" len="med"/>
+            <a:tailEnd type="triangle" w="med" len="med"/>
+          </a:ln>
+        </p:spPr>
+        <p:style>
+          <a:lnRef idx="1">
+            <a:schemeClr val="accent2"/>
+          </a:lnRef>
+          <a:fillRef idx="0">
+            <a:schemeClr val="accent2"/>
+          </a:fillRef>
+          <a:effectRef idx="0">
+            <a:schemeClr val="accent2"/>
+          </a:effectRef>
+          <a:fontRef idx="minor">
+            <a:schemeClr val="tx1"/>
+          </a:fontRef>
+        </p:style>
+      </p:cxnSp>
+      <p:sp>
+        <p:nvSpPr>
+          <p:cNvPr id="78" name="직사각형 77"/>
           <p:cNvSpPr/>
           <p:nvPr/>
         </p:nvSpPr>
         <p:spPr>
           <a:xfrm>
-            <a:off x="302978" y="2783991"/>
-            <a:ext cx="1220725" cy="1293081"/>
+            <a:off x="302978" y="1937580"/>
+            <a:ext cx="1220725" cy="846411"/>
           </a:xfrm>
           <a:prstGeom prst="rect">
             <a:avLst/>
@@ -14671,51 +15308,37 @@
           <a:p>
             <a:pPr algn="ctr"/>
             <a:r>
-              <a:rPr lang="en-US" altLang="ko-KR" dirty="0" err="1" smtClean="0"/>
-              <a:t>shakeTail</a:t>
-            </a:r>
-            <a:r>
               <a:rPr lang="en-US" altLang="ko-KR" dirty="0" smtClean="0"/>
-              <a:t>()</a:t>
+              <a:t>name</a:t>
             </a:r>
           </a:p>
           <a:p>
             <a:pPr algn="ctr"/>
             <a:r>
-              <a:rPr lang="en-US" altLang="ko-KR" dirty="0" err="1" smtClean="0"/>
-              <a:t>printInfo</a:t>
-            </a:r>
-            <a:r>
               <a:rPr lang="en-US" altLang="ko-KR" dirty="0" smtClean="0"/>
-              <a:t>()</a:t>
+              <a:t>age</a:t>
             </a:r>
           </a:p>
           <a:p>
             <a:pPr algn="ctr"/>
             <a:r>
               <a:rPr lang="en-US" altLang="ko-KR" dirty="0" smtClean="0"/>
-              <a:t>bark()</a:t>
-            </a:r>
-          </a:p>
-          <a:p>
-            <a:pPr algn="ctr"/>
-            <a:r>
-              <a:rPr lang="en-US" altLang="ko-KR" dirty="0" smtClean="0"/>
-              <a:t>eat()</a:t>
-            </a:r>
-          </a:p>
-        </p:txBody>
-      </p:sp>
-      <p:sp>
-        <p:nvSpPr>
-          <p:cNvPr id="82" name="직사각형 81"/>
+              <a:t>weight</a:t>
+            </a:r>
+            <a:endParaRPr lang="ko-KR" altLang="en-US" dirty="0"/>
+          </a:p>
+        </p:txBody>
+      </p:sp>
+      <p:sp>
+        <p:nvSpPr>
+          <p:cNvPr id="79" name="직사각형 78"/>
           <p:cNvSpPr/>
           <p:nvPr/>
         </p:nvSpPr>
         <p:spPr>
           <a:xfrm>
-            <a:off x="2137854" y="1567961"/>
-            <a:ext cx="1220725" cy="369620"/>
+            <a:off x="302978" y="2783991"/>
+            <a:ext cx="1220725" cy="1293081"/>
           </a:xfrm>
           <a:prstGeom prst="rect">
             <a:avLst/>
@@ -14743,23 +15366,40 @@
           <a:p>
             <a:pPr algn="ctr"/>
             <a:r>
+              <a:rPr lang="en-US" altLang="ko-KR" dirty="0" err="1" smtClean="0"/>
+              <a:t>printInfo</a:t>
+            </a:r>
+            <a:r>
               <a:rPr lang="en-US" altLang="ko-KR" dirty="0" smtClean="0"/>
-              <a:t>animal</a:t>
-            </a:r>
-            <a:endParaRPr lang="ko-KR" altLang="en-US" dirty="0"/>
-          </a:p>
-        </p:txBody>
-      </p:sp>
-      <p:sp>
-        <p:nvSpPr>
-          <p:cNvPr id="83" name="직사각형 82"/>
+              <a:t>()</a:t>
+            </a:r>
+          </a:p>
+          <a:p>
+            <a:pPr algn="ctr"/>
+            <a:r>
+              <a:rPr lang="en-US" altLang="ko-KR" dirty="0" smtClean="0"/>
+              <a:t>bark()</a:t>
+            </a:r>
+          </a:p>
+          <a:p>
+            <a:pPr algn="ctr"/>
+            <a:r>
+              <a:rPr lang="en-US" altLang="ko-KR" dirty="0" smtClean="0"/>
+              <a:t>eat()</a:t>
+            </a:r>
+          </a:p>
+        </p:txBody>
+      </p:sp>
+      <p:sp>
+        <p:nvSpPr>
+          <p:cNvPr id="82" name="직사각형 81"/>
           <p:cNvSpPr/>
           <p:nvPr/>
         </p:nvSpPr>
         <p:spPr>
           <a:xfrm>
-            <a:off x="2137854" y="1937580"/>
-            <a:ext cx="1220725" cy="846411"/>
+            <a:off x="2137854" y="1567961"/>
+            <a:ext cx="1220725" cy="369620"/>
           </a:xfrm>
           <a:prstGeom prst="rect">
             <a:avLst/>
@@ -14788,21 +15428,7 @@
             <a:pPr algn="ctr"/>
             <a:r>
               <a:rPr lang="en-US" altLang="ko-KR" dirty="0" smtClean="0"/>
-              <a:t>name</a:t>
-            </a:r>
-          </a:p>
-          <a:p>
-            <a:pPr algn="ctr"/>
-            <a:r>
-              <a:rPr lang="en-US" altLang="ko-KR" dirty="0" smtClean="0"/>
-              <a:t>age</a:t>
-            </a:r>
-          </a:p>
-          <a:p>
-            <a:pPr algn="ctr"/>
-            <a:r>
-              <a:rPr lang="en-US" altLang="ko-KR" dirty="0" smtClean="0"/>
-              <a:t>weight</a:t>
+              <a:t>animal</a:t>
             </a:r>
             <a:endParaRPr lang="ko-KR" altLang="en-US" dirty="0"/>
           </a:p>
@@ -14810,14 +15436,14 @@
       </p:sp>
       <p:sp>
         <p:nvSpPr>
-          <p:cNvPr id="84" name="직사각형 83"/>
+          <p:cNvPr id="83" name="직사각형 82"/>
           <p:cNvSpPr/>
           <p:nvPr/>
         </p:nvSpPr>
         <p:spPr>
           <a:xfrm>
-            <a:off x="2137854" y="2783992"/>
-            <a:ext cx="1220725" cy="770932"/>
+            <a:off x="2137854" y="1937580"/>
+            <a:ext cx="1220725" cy="846411"/>
           </a:xfrm>
           <a:prstGeom prst="rect">
             <a:avLst/>
@@ -14845,8 +15471,66 @@
           <a:p>
             <a:pPr algn="ctr"/>
             <a:r>
+              <a:rPr lang="en-US" altLang="ko-KR" dirty="0" smtClean="0"/>
+              <a:t>name</a:t>
+            </a:r>
+          </a:p>
+          <a:p>
+            <a:pPr algn="ctr"/>
+            <a:r>
+              <a:rPr lang="en-US" altLang="ko-KR" dirty="0" smtClean="0"/>
+              <a:t>age</a:t>
+            </a:r>
+          </a:p>
+          <a:p>
+            <a:pPr algn="ctr"/>
+            <a:r>
+              <a:rPr lang="en-US" altLang="ko-KR" dirty="0" smtClean="0"/>
+              <a:t>weight</a:t>
+            </a:r>
+            <a:endParaRPr lang="ko-KR" altLang="en-US" dirty="0"/>
+          </a:p>
+        </p:txBody>
+      </p:sp>
+      <p:sp>
+        <p:nvSpPr>
+          <p:cNvPr id="84" name="직사각형 83"/>
+          <p:cNvSpPr/>
+          <p:nvPr/>
+        </p:nvSpPr>
+        <p:spPr>
+          <a:xfrm>
+            <a:off x="2137854" y="2783991"/>
+            <a:ext cx="1220725" cy="1152355"/>
+          </a:xfrm>
+          <a:prstGeom prst="rect">
+            <a:avLst/>
+          </a:prstGeom>
+        </p:spPr>
+        <p:style>
+          <a:lnRef idx="2">
+            <a:schemeClr val="accent6">
+              <a:shade val="50000"/>
+            </a:schemeClr>
+          </a:lnRef>
+          <a:fillRef idx="1">
+            <a:schemeClr val="accent6"/>
+          </a:fillRef>
+          <a:effectRef idx="0">
+            <a:schemeClr val="accent6"/>
+          </a:effectRef>
+          <a:fontRef idx="minor">
+            <a:schemeClr val="lt1"/>
+          </a:fontRef>
+        </p:style>
+        <p:txBody>
+          <a:bodyPr rtlCol="0" anchor="ctr"/>
+          <a:lstStyle/>
+          <a:p>
+            <a:pPr algn="ctr"/>
+            <a:r>
               <a:rPr lang="en-US" altLang="ko-KR" dirty="0" err="1" smtClean="0"/>
-              <a:t>shakeTail</a:t>
+              <a:t>printInfo</a:t>
             </a:r>
             <a:r>
               <a:rPr lang="en-US" altLang="ko-KR" dirty="0" smtClean="0"/>
@@ -14856,19 +15540,27 @@
           <a:p>
             <a:pPr algn="ctr"/>
             <a:r>
-              <a:rPr lang="en-US" altLang="ko-KR" dirty="0" err="1" smtClean="0"/>
-              <a:t>printInfo</a:t>
+              <a:rPr lang="en-US" altLang="ko-KR" dirty="0"/>
+              <a:t>bark()</a:t>
+            </a:r>
+          </a:p>
+          <a:p>
+            <a:pPr algn="ctr"/>
+            <a:r>
+              <a:rPr lang="en-US" altLang="ko-KR" dirty="0"/>
+              <a:t>eat</a:t>
             </a:r>
             <a:r>
               <a:rPr lang="en-US" altLang="ko-KR" dirty="0" smtClean="0"/>
               <a:t>()</a:t>
             </a:r>
-          </a:p>
-        </p:txBody>
-      </p:sp>
-      <p:sp>
-        <p:nvSpPr>
-          <p:cNvPr id="30" name="Rectangle 1"/>
+            <a:endParaRPr lang="en-US" altLang="ko-KR" dirty="0"/>
+          </a:p>
+        </p:txBody>
+      </p:sp>
+      <p:sp>
+        <p:nvSpPr>
+          <p:cNvPr id="31" name="Rectangle 1"/>
           <p:cNvSpPr>
             <a:spLocks noChangeArrowheads="1"/>
           </p:cNvSpPr>
@@ -15106,7 +15798,7 @@
       </p:sp>
       <p:sp>
         <p:nvSpPr>
-          <p:cNvPr id="31" name="Rectangle 2"/>
+          <p:cNvPr id="32" name="Rectangle 2"/>
           <p:cNvSpPr>
             <a:spLocks noChangeArrowheads="1"/>
           </p:cNvSpPr>
@@ -15212,7 +15904,7 @@
       </p:sp>
       <p:sp>
         <p:nvSpPr>
-          <p:cNvPr id="32" name="Rectangle 2"/>
+          <p:cNvPr id="33" name="Rectangle 2"/>
           <p:cNvSpPr>
             <a:spLocks noChangeArrowheads="1"/>
           </p:cNvSpPr>
@@ -15330,7 +16022,7 @@
     </p:spTree>
     <p:extLst>
       <p:ext uri="{BB962C8B-B14F-4D97-AF65-F5344CB8AC3E}">
-        <p14:creationId xmlns:p14="http://schemas.microsoft.com/office/powerpoint/2010/main" val="3308783208"/>
+        <p14:creationId xmlns:p14="http://schemas.microsoft.com/office/powerpoint/2010/main" val="2413186682"/>
       </p:ext>
     </p:extLst>
   </p:cSld>
@@ -15937,9 +16629,22 @@
             <a:pPr algn="ctr"/>
             <a:r>
               <a:rPr lang="en-US" altLang="ko-KR" dirty="0" smtClean="0"/>
+              <a:t>bark()</a:t>
+            </a:r>
+          </a:p>
+          <a:p>
+            <a:pPr algn="ctr"/>
+            <a:r>
+              <a:rPr lang="en-US" altLang="ko-KR" dirty="0" smtClean="0"/>
+              <a:t>eat()</a:t>
+            </a:r>
+          </a:p>
+          <a:p>
+            <a:pPr algn="ctr"/>
+            <a:r>
+              <a:rPr lang="en-US" altLang="ko-KR" dirty="0"/>
               <a:t>+</a:t>
             </a:r>
-            <a:endParaRPr lang="en-US" altLang="ko-KR" dirty="0"/>
           </a:p>
           <a:p>
             <a:pPr algn="ctr"/>
@@ -15960,9 +16665,9 @@
           <p:nvPr/>
         </p:nvCxnSpPr>
         <p:spPr>
-          <a:xfrm flipH="1">
-            <a:off x="917641" y="2545596"/>
-            <a:ext cx="73102" cy="2251556"/>
+          <a:xfrm>
+            <a:off x="913341" y="1937581"/>
+            <a:ext cx="4300" cy="2859571"/>
           </a:xfrm>
           <a:prstGeom prst="straightConnector1">
             <a:avLst/>
@@ -15995,7 +16700,7 @@
         </p:nvSpPr>
         <p:spPr>
           <a:xfrm>
-            <a:off x="380380" y="2175976"/>
+            <a:off x="302978" y="1567961"/>
             <a:ext cx="1220725" cy="369620"/>
           </a:xfrm>
           <a:prstGeom prst="rect">
@@ -16031,9 +16736,335 @@
           </a:p>
         </p:txBody>
       </p:sp>
-      <p:sp>
-        <p:nvSpPr>
-          <p:cNvPr id="24" name="Rectangle 1"/>
+      <p:cxnSp>
+        <p:nvCxnSpPr>
+          <p:cNvPr id="71" name="직선 화살표 연결선 70"/>
+          <p:cNvCxnSpPr>
+            <a:endCxn id="54" idx="0"/>
+          </p:cNvCxnSpPr>
+          <p:nvPr/>
+        </p:nvCxnSpPr>
+        <p:spPr>
+          <a:xfrm flipH="1">
+            <a:off x="917641" y="3075542"/>
+            <a:ext cx="2412267" cy="1721610"/>
+          </a:xfrm>
+          <a:prstGeom prst="straightConnector1">
+            <a:avLst/>
+          </a:prstGeom>
+          <a:ln>
+            <a:headEnd type="none" w="med" len="med"/>
+            <a:tailEnd type="triangle" w="med" len="med"/>
+          </a:ln>
+        </p:spPr>
+        <p:style>
+          <a:lnRef idx="1">
+            <a:schemeClr val="accent2"/>
+          </a:lnRef>
+          <a:fillRef idx="0">
+            <a:schemeClr val="accent2"/>
+          </a:fillRef>
+          <a:effectRef idx="0">
+            <a:schemeClr val="accent2"/>
+          </a:effectRef>
+          <a:fontRef idx="minor">
+            <a:schemeClr val="tx1"/>
+          </a:fontRef>
+        </p:style>
+      </p:cxnSp>
+      <p:sp>
+        <p:nvSpPr>
+          <p:cNvPr id="78" name="직사각형 77"/>
+          <p:cNvSpPr/>
+          <p:nvPr/>
+        </p:nvSpPr>
+        <p:spPr>
+          <a:xfrm>
+            <a:off x="302978" y="1937580"/>
+            <a:ext cx="1220725" cy="846411"/>
+          </a:xfrm>
+          <a:prstGeom prst="rect">
+            <a:avLst/>
+          </a:prstGeom>
+        </p:spPr>
+        <p:style>
+          <a:lnRef idx="2">
+            <a:schemeClr val="accent6">
+              <a:shade val="50000"/>
+            </a:schemeClr>
+          </a:lnRef>
+          <a:fillRef idx="1">
+            <a:schemeClr val="accent6"/>
+          </a:fillRef>
+          <a:effectRef idx="0">
+            <a:schemeClr val="accent6"/>
+          </a:effectRef>
+          <a:fontRef idx="minor">
+            <a:schemeClr val="lt1"/>
+          </a:fontRef>
+        </p:style>
+        <p:txBody>
+          <a:bodyPr rtlCol="0" anchor="ctr"/>
+          <a:lstStyle/>
+          <a:p>
+            <a:pPr algn="ctr"/>
+            <a:r>
+              <a:rPr lang="en-US" altLang="ko-KR" dirty="0" smtClean="0"/>
+              <a:t>name</a:t>
+            </a:r>
+          </a:p>
+          <a:p>
+            <a:pPr algn="ctr"/>
+            <a:r>
+              <a:rPr lang="en-US" altLang="ko-KR" dirty="0" smtClean="0"/>
+              <a:t>age</a:t>
+            </a:r>
+          </a:p>
+          <a:p>
+            <a:pPr algn="ctr"/>
+            <a:r>
+              <a:rPr lang="en-US" altLang="ko-KR" dirty="0" smtClean="0"/>
+              <a:t>weight</a:t>
+            </a:r>
+            <a:endParaRPr lang="ko-KR" altLang="en-US" dirty="0"/>
+          </a:p>
+        </p:txBody>
+      </p:sp>
+      <p:sp>
+        <p:nvSpPr>
+          <p:cNvPr id="79" name="직사각형 78"/>
+          <p:cNvSpPr/>
+          <p:nvPr/>
+        </p:nvSpPr>
+        <p:spPr>
+          <a:xfrm>
+            <a:off x="302978" y="2783991"/>
+            <a:ext cx="1220725" cy="1293081"/>
+          </a:xfrm>
+          <a:prstGeom prst="rect">
+            <a:avLst/>
+          </a:prstGeom>
+        </p:spPr>
+        <p:style>
+          <a:lnRef idx="2">
+            <a:schemeClr val="accent6">
+              <a:shade val="50000"/>
+            </a:schemeClr>
+          </a:lnRef>
+          <a:fillRef idx="1">
+            <a:schemeClr val="accent6"/>
+          </a:fillRef>
+          <a:effectRef idx="0">
+            <a:schemeClr val="accent6"/>
+          </a:effectRef>
+          <a:fontRef idx="minor">
+            <a:schemeClr val="lt1"/>
+          </a:fontRef>
+        </p:style>
+        <p:txBody>
+          <a:bodyPr rtlCol="0" anchor="ctr"/>
+          <a:lstStyle/>
+          <a:p>
+            <a:pPr algn="ctr"/>
+            <a:r>
+              <a:rPr lang="en-US" altLang="ko-KR" dirty="0" err="1" smtClean="0"/>
+              <a:t>shakeTail</a:t>
+            </a:r>
+            <a:r>
+              <a:rPr lang="en-US" altLang="ko-KR" dirty="0" smtClean="0"/>
+              <a:t>()</a:t>
+            </a:r>
+          </a:p>
+          <a:p>
+            <a:pPr algn="ctr"/>
+            <a:r>
+              <a:rPr lang="en-US" altLang="ko-KR" dirty="0" err="1" smtClean="0"/>
+              <a:t>printInfo</a:t>
+            </a:r>
+            <a:r>
+              <a:rPr lang="en-US" altLang="ko-KR" dirty="0" smtClean="0"/>
+              <a:t>()</a:t>
+            </a:r>
+          </a:p>
+          <a:p>
+            <a:pPr algn="ctr"/>
+            <a:r>
+              <a:rPr lang="en-US" altLang="ko-KR" dirty="0" smtClean="0"/>
+              <a:t>bark()</a:t>
+            </a:r>
+          </a:p>
+          <a:p>
+            <a:pPr algn="ctr"/>
+            <a:r>
+              <a:rPr lang="en-US" altLang="ko-KR" dirty="0" smtClean="0"/>
+              <a:t>eat()</a:t>
+            </a:r>
+          </a:p>
+        </p:txBody>
+      </p:sp>
+      <p:sp>
+        <p:nvSpPr>
+          <p:cNvPr id="82" name="직사각형 81"/>
+          <p:cNvSpPr/>
+          <p:nvPr/>
+        </p:nvSpPr>
+        <p:spPr>
+          <a:xfrm>
+            <a:off x="2137854" y="1567961"/>
+            <a:ext cx="1220725" cy="369620"/>
+          </a:xfrm>
+          <a:prstGeom prst="rect">
+            <a:avLst/>
+          </a:prstGeom>
+        </p:spPr>
+        <p:style>
+          <a:lnRef idx="2">
+            <a:schemeClr val="accent6">
+              <a:shade val="50000"/>
+            </a:schemeClr>
+          </a:lnRef>
+          <a:fillRef idx="1">
+            <a:schemeClr val="accent6"/>
+          </a:fillRef>
+          <a:effectRef idx="0">
+            <a:schemeClr val="accent6"/>
+          </a:effectRef>
+          <a:fontRef idx="minor">
+            <a:schemeClr val="lt1"/>
+          </a:fontRef>
+        </p:style>
+        <p:txBody>
+          <a:bodyPr rtlCol="0" anchor="ctr"/>
+          <a:lstStyle/>
+          <a:p>
+            <a:pPr algn="ctr"/>
+            <a:r>
+              <a:rPr lang="en-US" altLang="ko-KR" dirty="0" smtClean="0"/>
+              <a:t>animal</a:t>
+            </a:r>
+            <a:endParaRPr lang="ko-KR" altLang="en-US" dirty="0"/>
+          </a:p>
+        </p:txBody>
+      </p:sp>
+      <p:sp>
+        <p:nvSpPr>
+          <p:cNvPr id="83" name="직사각형 82"/>
+          <p:cNvSpPr/>
+          <p:nvPr/>
+        </p:nvSpPr>
+        <p:spPr>
+          <a:xfrm>
+            <a:off x="2137854" y="1937580"/>
+            <a:ext cx="1220725" cy="846411"/>
+          </a:xfrm>
+          <a:prstGeom prst="rect">
+            <a:avLst/>
+          </a:prstGeom>
+        </p:spPr>
+        <p:style>
+          <a:lnRef idx="2">
+            <a:schemeClr val="accent6">
+              <a:shade val="50000"/>
+            </a:schemeClr>
+          </a:lnRef>
+          <a:fillRef idx="1">
+            <a:schemeClr val="accent6"/>
+          </a:fillRef>
+          <a:effectRef idx="0">
+            <a:schemeClr val="accent6"/>
+          </a:effectRef>
+          <a:fontRef idx="minor">
+            <a:schemeClr val="lt1"/>
+          </a:fontRef>
+        </p:style>
+        <p:txBody>
+          <a:bodyPr rtlCol="0" anchor="ctr"/>
+          <a:lstStyle/>
+          <a:p>
+            <a:pPr algn="ctr"/>
+            <a:r>
+              <a:rPr lang="en-US" altLang="ko-KR" dirty="0" smtClean="0"/>
+              <a:t>name</a:t>
+            </a:r>
+          </a:p>
+          <a:p>
+            <a:pPr algn="ctr"/>
+            <a:r>
+              <a:rPr lang="en-US" altLang="ko-KR" dirty="0" smtClean="0"/>
+              <a:t>age</a:t>
+            </a:r>
+          </a:p>
+          <a:p>
+            <a:pPr algn="ctr"/>
+            <a:r>
+              <a:rPr lang="en-US" altLang="ko-KR" dirty="0" smtClean="0"/>
+              <a:t>weight</a:t>
+            </a:r>
+            <a:endParaRPr lang="ko-KR" altLang="en-US" dirty="0"/>
+          </a:p>
+        </p:txBody>
+      </p:sp>
+      <p:sp>
+        <p:nvSpPr>
+          <p:cNvPr id="84" name="직사각형 83"/>
+          <p:cNvSpPr/>
+          <p:nvPr/>
+        </p:nvSpPr>
+        <p:spPr>
+          <a:xfrm>
+            <a:off x="2137854" y="2783992"/>
+            <a:ext cx="1220725" cy="770932"/>
+          </a:xfrm>
+          <a:prstGeom prst="rect">
+            <a:avLst/>
+          </a:prstGeom>
+        </p:spPr>
+        <p:style>
+          <a:lnRef idx="2">
+            <a:schemeClr val="accent6">
+              <a:shade val="50000"/>
+            </a:schemeClr>
+          </a:lnRef>
+          <a:fillRef idx="1">
+            <a:schemeClr val="accent6"/>
+          </a:fillRef>
+          <a:effectRef idx="0">
+            <a:schemeClr val="accent6"/>
+          </a:effectRef>
+          <a:fontRef idx="minor">
+            <a:schemeClr val="lt1"/>
+          </a:fontRef>
+        </p:style>
+        <p:txBody>
+          <a:bodyPr rtlCol="0" anchor="ctr"/>
+          <a:lstStyle/>
+          <a:p>
+            <a:pPr algn="ctr"/>
+            <a:r>
+              <a:rPr lang="en-US" altLang="ko-KR" dirty="0" err="1" smtClean="0"/>
+              <a:t>shakeTail</a:t>
+            </a:r>
+            <a:r>
+              <a:rPr lang="en-US" altLang="ko-KR" dirty="0" smtClean="0"/>
+              <a:t>()</a:t>
+            </a:r>
+          </a:p>
+          <a:p>
+            <a:pPr algn="ctr"/>
+            <a:r>
+              <a:rPr lang="en-US" altLang="ko-KR" dirty="0" err="1" smtClean="0"/>
+              <a:t>printInfo</a:t>
+            </a:r>
+            <a:r>
+              <a:rPr lang="en-US" altLang="ko-KR" dirty="0" smtClean="0"/>
+              <a:t>()</a:t>
+            </a:r>
+          </a:p>
+        </p:txBody>
+      </p:sp>
+      <p:sp>
+        <p:nvSpPr>
+          <p:cNvPr id="30" name="Rectangle 1"/>
           <p:cNvSpPr>
             <a:spLocks noChangeArrowheads="1"/>
           </p:cNvSpPr>
@@ -16271,7 +17302,7 @@
       </p:sp>
       <p:sp>
         <p:nvSpPr>
-          <p:cNvPr id="26" name="Rectangle 2"/>
+          <p:cNvPr id="31" name="Rectangle 2"/>
           <p:cNvSpPr>
             <a:spLocks noChangeArrowheads="1"/>
           </p:cNvSpPr>
@@ -16377,7 +17408,7 @@
       </p:sp>
       <p:sp>
         <p:nvSpPr>
-          <p:cNvPr id="27" name="Rectangle 2"/>
+          <p:cNvPr id="32" name="Rectangle 2"/>
           <p:cNvSpPr>
             <a:spLocks noChangeArrowheads="1"/>
           </p:cNvSpPr>
@@ -16495,7 +17526,7 @@
     </p:spTree>
     <p:extLst>
       <p:ext uri="{BB962C8B-B14F-4D97-AF65-F5344CB8AC3E}">
-        <p14:creationId xmlns:p14="http://schemas.microsoft.com/office/powerpoint/2010/main" val="2328745804"/>
+        <p14:creationId xmlns:p14="http://schemas.microsoft.com/office/powerpoint/2010/main" val="3308783208"/>
       </p:ext>
     </p:extLst>
   </p:cSld>
@@ -17102,6 +18133,1171 @@
             <a:pPr algn="ctr"/>
             <a:r>
               <a:rPr lang="en-US" altLang="ko-KR" dirty="0" smtClean="0"/>
+              <a:t>+</a:t>
+            </a:r>
+            <a:endParaRPr lang="en-US" altLang="ko-KR" dirty="0"/>
+          </a:p>
+          <a:p>
+            <a:pPr algn="ctr"/>
+            <a:r>
+              <a:rPr lang="en-US" altLang="ko-KR" dirty="0" smtClean="0"/>
+              <a:t>Animal</a:t>
+            </a:r>
+          </a:p>
+        </p:txBody>
+      </p:sp>
+      <p:cxnSp>
+        <p:nvCxnSpPr>
+          <p:cNvPr id="56" name="직선 화살표 연결선 55"/>
+          <p:cNvCxnSpPr>
+            <a:stCxn id="25" idx="2"/>
+            <a:endCxn id="54" idx="0"/>
+          </p:cNvCxnSpPr>
+          <p:nvPr/>
+        </p:nvCxnSpPr>
+        <p:spPr>
+          <a:xfrm flipH="1">
+            <a:off x="917641" y="2545596"/>
+            <a:ext cx="73102" cy="2251556"/>
+          </a:xfrm>
+          <a:prstGeom prst="straightConnector1">
+            <a:avLst/>
+          </a:prstGeom>
+          <a:ln>
+            <a:headEnd type="none" w="med" len="med"/>
+            <a:tailEnd type="triangle" w="med" len="med"/>
+          </a:ln>
+        </p:spPr>
+        <p:style>
+          <a:lnRef idx="1">
+            <a:schemeClr val="accent2"/>
+          </a:lnRef>
+          <a:fillRef idx="0">
+            <a:schemeClr val="accent2"/>
+          </a:fillRef>
+          <a:effectRef idx="0">
+            <a:schemeClr val="accent2"/>
+          </a:effectRef>
+          <a:fontRef idx="minor">
+            <a:schemeClr val="tx1"/>
+          </a:fontRef>
+        </p:style>
+      </p:cxnSp>
+      <p:sp>
+        <p:nvSpPr>
+          <p:cNvPr id="25" name="직사각형 24"/>
+          <p:cNvSpPr/>
+          <p:nvPr/>
+        </p:nvSpPr>
+        <p:spPr>
+          <a:xfrm>
+            <a:off x="380380" y="2175976"/>
+            <a:ext cx="1220725" cy="369620"/>
+          </a:xfrm>
+          <a:prstGeom prst="rect">
+            <a:avLst/>
+          </a:prstGeom>
+        </p:spPr>
+        <p:style>
+          <a:lnRef idx="2">
+            <a:schemeClr val="accent6">
+              <a:shade val="50000"/>
+            </a:schemeClr>
+          </a:lnRef>
+          <a:fillRef idx="1">
+            <a:schemeClr val="accent6"/>
+          </a:fillRef>
+          <a:effectRef idx="0">
+            <a:schemeClr val="accent6"/>
+          </a:effectRef>
+          <a:fontRef idx="minor">
+            <a:schemeClr val="lt1"/>
+          </a:fontRef>
+        </p:style>
+        <p:txBody>
+          <a:bodyPr rtlCol="0" anchor="ctr"/>
+          <a:lstStyle/>
+          <a:p>
+            <a:pPr algn="ctr"/>
+            <a:r>
+              <a:rPr lang="en-US" altLang="ko-KR" dirty="0" smtClean="0"/>
+              <a:t>cat</a:t>
+            </a:r>
+            <a:endParaRPr lang="ko-KR" altLang="en-US" dirty="0"/>
+          </a:p>
+        </p:txBody>
+      </p:sp>
+      <p:sp>
+        <p:nvSpPr>
+          <p:cNvPr id="24" name="Rectangle 1"/>
+          <p:cNvSpPr>
+            <a:spLocks noChangeArrowheads="1"/>
+          </p:cNvSpPr>
+          <p:nvPr/>
+        </p:nvSpPr>
+        <p:spPr bwMode="auto">
+          <a:xfrm>
+            <a:off x="5998013" y="1052736"/>
+            <a:ext cx="2915816" cy="969496"/>
+          </a:xfrm>
+          <a:prstGeom prst="rect">
+            <a:avLst/>
+          </a:prstGeom>
+          <a:ln w="3175">
+            <a:headEnd/>
+            <a:tailEnd/>
+          </a:ln>
+        </p:spPr>
+        <p:style>
+          <a:lnRef idx="2">
+            <a:schemeClr val="dk1"/>
+          </a:lnRef>
+          <a:fillRef idx="1">
+            <a:schemeClr val="lt1"/>
+          </a:fillRef>
+          <a:effectRef idx="0">
+            <a:schemeClr val="dk1"/>
+          </a:effectRef>
+          <a:fontRef idx="minor">
+            <a:schemeClr val="dk1"/>
+          </a:fontRef>
+        </p:style>
+        <p:txBody>
+          <a:bodyPr vert="horz" wrap="square" lIns="91440" tIns="45720" rIns="91440" bIns="45720" numCol="1" anchor="ctr" anchorCtr="0" compatLnSpc="1">
+            <a:prstTxWarp prst="textNoShape">
+              <a:avLst/>
+            </a:prstTxWarp>
+            <a:spAutoFit/>
+          </a:bodyPr>
+          <a:lstStyle/>
+          <a:p>
+            <a:pPr marL="0" marR="0" lvl="0" indent="0" algn="l" defTabSz="914400" rtl="0" eaLnBrk="1" fontAlgn="base" latinLnBrk="1" hangingPunct="1">
+              <a:lnSpc>
+                <a:spcPct val="100000"/>
+              </a:lnSpc>
+              <a:spcBef>
+                <a:spcPct val="0"/>
+              </a:spcBef>
+              <a:spcAft>
+                <a:spcPct val="0"/>
+              </a:spcAft>
+              <a:buClrTx/>
+              <a:buSzTx/>
+              <a:buFontTx/>
+              <a:buNone/>
+              <a:tabLst/>
+            </a:pPr>
+            <a:r>
+              <a:rPr kumimoji="1" lang="ko-KR" altLang="ko-KR" sz="1900" b="0" i="0" u="none" strike="noStrike" cap="none" normalizeH="0" baseline="0" dirty="0" smtClean="0">
+                <a:ln>
+                  <a:noFill/>
+                </a:ln>
+                <a:solidFill>
+                  <a:srgbClr val="000000"/>
+                </a:solidFill>
+                <a:effectLst/>
+                <a:latin typeface="Source Code Pro" pitchFamily="49" charset="0"/>
+                <a:ea typeface="굴림" pitchFamily="50" charset="-127"/>
+                <a:cs typeface="굴림" pitchFamily="50" charset="-127"/>
+              </a:rPr>
+              <a:t>String </a:t>
+            </a:r>
+            <a:r>
+              <a:rPr kumimoji="1" lang="ko-KR" altLang="ko-KR" sz="1900" b="1" i="0" u="none" strike="noStrike" cap="none" normalizeH="0" baseline="0" dirty="0" smtClean="0">
+                <a:ln>
+                  <a:noFill/>
+                </a:ln>
+                <a:solidFill>
+                  <a:srgbClr val="660E7A"/>
+                </a:solidFill>
+                <a:effectLst/>
+                <a:latin typeface="Source Code Pro" pitchFamily="49" charset="0"/>
+                <a:ea typeface="굴림" pitchFamily="50" charset="-127"/>
+                <a:cs typeface="굴림" pitchFamily="50" charset="-127"/>
+              </a:rPr>
+              <a:t>name</a:t>
+            </a:r>
+            <a:r>
+              <a:rPr kumimoji="1" lang="ko-KR" altLang="ko-KR" sz="1900" b="0" i="0" u="none" strike="noStrike" cap="none" normalizeH="0" baseline="0" dirty="0" smtClean="0">
+                <a:ln>
+                  <a:noFill/>
+                </a:ln>
+                <a:solidFill>
+                  <a:srgbClr val="000000"/>
+                </a:solidFill>
+                <a:effectLst/>
+                <a:latin typeface="Source Code Pro" pitchFamily="49" charset="0"/>
+                <a:ea typeface="굴림" pitchFamily="50" charset="-127"/>
+                <a:cs typeface="굴림" pitchFamily="50" charset="-127"/>
+              </a:rPr>
+              <a:t>;</a:t>
+            </a:r>
+            <a:br>
+              <a:rPr kumimoji="1" lang="ko-KR" altLang="ko-KR" sz="1900" b="0" i="0" u="none" strike="noStrike" cap="none" normalizeH="0" baseline="0" dirty="0" smtClean="0">
+                <a:ln>
+                  <a:noFill/>
+                </a:ln>
+                <a:solidFill>
+                  <a:srgbClr val="000000"/>
+                </a:solidFill>
+                <a:effectLst/>
+                <a:latin typeface="Source Code Pro" pitchFamily="49" charset="0"/>
+                <a:ea typeface="굴림" pitchFamily="50" charset="-127"/>
+                <a:cs typeface="굴림" pitchFamily="50" charset="-127"/>
+              </a:rPr>
+            </a:br>
+            <a:r>
+              <a:rPr kumimoji="1" lang="ko-KR" altLang="ko-KR" sz="1900" b="1" i="0" u="none" strike="noStrike" cap="none" normalizeH="0" baseline="0" dirty="0" smtClean="0">
+                <a:ln>
+                  <a:noFill/>
+                </a:ln>
+                <a:solidFill>
+                  <a:srgbClr val="000080"/>
+                </a:solidFill>
+                <a:effectLst/>
+                <a:latin typeface="Source Code Pro" pitchFamily="49" charset="0"/>
+                <a:ea typeface="굴림" pitchFamily="50" charset="-127"/>
+                <a:cs typeface="굴림" pitchFamily="50" charset="-127"/>
+              </a:rPr>
+              <a:t>int </a:t>
+            </a:r>
+            <a:r>
+              <a:rPr kumimoji="1" lang="ko-KR" altLang="ko-KR" sz="1900" b="1" i="0" u="none" strike="noStrike" cap="none" normalizeH="0" baseline="0" dirty="0" smtClean="0">
+                <a:ln>
+                  <a:noFill/>
+                </a:ln>
+                <a:solidFill>
+                  <a:srgbClr val="660E7A"/>
+                </a:solidFill>
+                <a:effectLst/>
+                <a:latin typeface="Source Code Pro" pitchFamily="49" charset="0"/>
+                <a:ea typeface="굴림" pitchFamily="50" charset="-127"/>
+                <a:cs typeface="굴림" pitchFamily="50" charset="-127"/>
+              </a:rPr>
+              <a:t>age</a:t>
+            </a:r>
+            <a:r>
+              <a:rPr kumimoji="1" lang="ko-KR" altLang="ko-KR" sz="1900" b="0" i="0" u="none" strike="noStrike" cap="none" normalizeH="0" baseline="0" dirty="0" smtClean="0">
+                <a:ln>
+                  <a:noFill/>
+                </a:ln>
+                <a:solidFill>
+                  <a:srgbClr val="000000"/>
+                </a:solidFill>
+                <a:effectLst/>
+                <a:latin typeface="Source Code Pro" pitchFamily="49" charset="0"/>
+                <a:ea typeface="굴림" pitchFamily="50" charset="-127"/>
+                <a:cs typeface="굴림" pitchFamily="50" charset="-127"/>
+              </a:rPr>
+              <a:t>;</a:t>
+            </a:r>
+            <a:br>
+              <a:rPr kumimoji="1" lang="ko-KR" altLang="ko-KR" sz="1900" b="0" i="0" u="none" strike="noStrike" cap="none" normalizeH="0" baseline="0" dirty="0" smtClean="0">
+                <a:ln>
+                  <a:noFill/>
+                </a:ln>
+                <a:solidFill>
+                  <a:srgbClr val="000000"/>
+                </a:solidFill>
+                <a:effectLst/>
+                <a:latin typeface="Source Code Pro" pitchFamily="49" charset="0"/>
+                <a:ea typeface="굴림" pitchFamily="50" charset="-127"/>
+                <a:cs typeface="굴림" pitchFamily="50" charset="-127"/>
+              </a:rPr>
+            </a:br>
+            <a:r>
+              <a:rPr kumimoji="1" lang="ko-KR" altLang="ko-KR" sz="1900" b="1" i="0" u="none" strike="noStrike" cap="none" normalizeH="0" baseline="0" dirty="0" smtClean="0">
+                <a:ln>
+                  <a:noFill/>
+                </a:ln>
+                <a:solidFill>
+                  <a:srgbClr val="000080"/>
+                </a:solidFill>
+                <a:effectLst/>
+                <a:latin typeface="Source Code Pro" pitchFamily="49" charset="0"/>
+                <a:ea typeface="굴림" pitchFamily="50" charset="-127"/>
+                <a:cs typeface="굴림" pitchFamily="50" charset="-127"/>
+              </a:rPr>
+              <a:t>int </a:t>
+            </a:r>
+            <a:r>
+              <a:rPr kumimoji="1" lang="ko-KR" altLang="ko-KR" sz="1900" b="1" i="0" u="none" strike="noStrike" cap="none" normalizeH="0" baseline="0" dirty="0" smtClean="0">
+                <a:ln>
+                  <a:noFill/>
+                </a:ln>
+                <a:solidFill>
+                  <a:srgbClr val="660E7A"/>
+                </a:solidFill>
+                <a:effectLst/>
+                <a:latin typeface="Source Code Pro" pitchFamily="49" charset="0"/>
+                <a:ea typeface="굴림" pitchFamily="50" charset="-127"/>
+                <a:cs typeface="굴림" pitchFamily="50" charset="-127"/>
+              </a:rPr>
+              <a:t>weight</a:t>
+            </a:r>
+            <a:r>
+              <a:rPr kumimoji="1" lang="ko-KR" altLang="ko-KR" sz="1900" b="0" i="0" u="none" strike="noStrike" cap="none" normalizeH="0" baseline="0" dirty="0" smtClean="0">
+                <a:ln>
+                  <a:noFill/>
+                </a:ln>
+                <a:solidFill>
+                  <a:srgbClr val="000000"/>
+                </a:solidFill>
+                <a:effectLst/>
+                <a:latin typeface="Source Code Pro" pitchFamily="49" charset="0"/>
+                <a:ea typeface="굴림" pitchFamily="50" charset="-127"/>
+                <a:cs typeface="굴림" pitchFamily="50" charset="-127"/>
+              </a:rPr>
+              <a:t>;</a:t>
+            </a:r>
+            <a:endParaRPr kumimoji="1" lang="ko-KR" altLang="ko-KR" sz="1800" b="0" i="0" u="none" strike="noStrike" cap="none" normalizeH="0" baseline="0" dirty="0" smtClean="0">
+              <a:ln>
+                <a:noFill/>
+              </a:ln>
+              <a:solidFill>
+                <a:schemeClr val="tx1"/>
+              </a:solidFill>
+              <a:effectLst/>
+              <a:latin typeface="굴림" pitchFamily="50" charset="-127"/>
+              <a:ea typeface="굴림" pitchFamily="50" charset="-127"/>
+              <a:cs typeface="굴림" pitchFamily="50" charset="-127"/>
+            </a:endParaRPr>
+          </a:p>
+        </p:txBody>
+      </p:sp>
+      <p:sp>
+        <p:nvSpPr>
+          <p:cNvPr id="26" name="Rectangle 2"/>
+          <p:cNvSpPr>
+            <a:spLocks noChangeArrowheads="1"/>
+          </p:cNvSpPr>
+          <p:nvPr/>
+        </p:nvSpPr>
+        <p:spPr bwMode="auto">
+          <a:xfrm>
+            <a:off x="5998013" y="2006843"/>
+            <a:ext cx="2915816" cy="707886"/>
+          </a:xfrm>
+          <a:prstGeom prst="rect">
+            <a:avLst/>
+          </a:prstGeom>
+          <a:ln w="3175">
+            <a:headEnd/>
+            <a:tailEnd/>
+          </a:ln>
+        </p:spPr>
+        <p:style>
+          <a:lnRef idx="2">
+            <a:schemeClr val="dk1"/>
+          </a:lnRef>
+          <a:fillRef idx="1">
+            <a:schemeClr val="lt1"/>
+          </a:fillRef>
+          <a:effectRef idx="0">
+            <a:schemeClr val="dk1"/>
+          </a:effectRef>
+          <a:fontRef idx="minor">
+            <a:schemeClr val="dk1"/>
+          </a:fontRef>
+        </p:style>
+        <p:txBody>
+          <a:bodyPr vert="horz" wrap="square" lIns="91440" tIns="45720" rIns="91440" bIns="45720" numCol="1" anchor="ctr" anchorCtr="0" compatLnSpc="1">
+            <a:prstTxWarp prst="textNoShape">
+              <a:avLst/>
+            </a:prstTxWarp>
+            <a:spAutoFit/>
+          </a:bodyPr>
+          <a:lstStyle/>
+          <a:p>
+            <a:pPr lvl="0" fontAlgn="base">
+              <a:spcBef>
+                <a:spcPct val="0"/>
+              </a:spcBef>
+              <a:spcAft>
+                <a:spcPct val="0"/>
+              </a:spcAft>
+            </a:pPr>
+            <a:r>
+              <a:rPr kumimoji="1" lang="en-US" altLang="ko-KR" sz="2000" dirty="0">
+                <a:solidFill>
+                  <a:schemeClr val="tx1"/>
+                </a:solidFill>
+                <a:latin typeface="굴림" pitchFamily="50" charset="-127"/>
+                <a:ea typeface="굴림" pitchFamily="50" charset="-127"/>
+                <a:cs typeface="굴림" pitchFamily="50" charset="-127"/>
+              </a:rPr>
+              <a:t>bark()</a:t>
+            </a:r>
+          </a:p>
+          <a:p>
+            <a:pPr lvl="0" fontAlgn="base">
+              <a:spcBef>
+                <a:spcPct val="0"/>
+              </a:spcBef>
+              <a:spcAft>
+                <a:spcPct val="0"/>
+              </a:spcAft>
+            </a:pPr>
+            <a:r>
+              <a:rPr kumimoji="1" lang="en-US" altLang="ko-KR" sz="2000" dirty="0">
+                <a:solidFill>
+                  <a:schemeClr val="tx1"/>
+                </a:solidFill>
+                <a:latin typeface="굴림" pitchFamily="50" charset="-127"/>
+                <a:ea typeface="굴림" pitchFamily="50" charset="-127"/>
+                <a:cs typeface="굴림" pitchFamily="50" charset="-127"/>
+              </a:rPr>
+              <a:t>eat</a:t>
+            </a:r>
+            <a:r>
+              <a:rPr kumimoji="1" lang="en-US" altLang="ko-KR" sz="2000" dirty="0" smtClean="0">
+                <a:solidFill>
+                  <a:schemeClr val="tx1"/>
+                </a:solidFill>
+                <a:latin typeface="굴림" pitchFamily="50" charset="-127"/>
+                <a:ea typeface="굴림" pitchFamily="50" charset="-127"/>
+                <a:cs typeface="굴림" pitchFamily="50" charset="-127"/>
+              </a:rPr>
+              <a:t>()</a:t>
+            </a:r>
+            <a:endParaRPr kumimoji="1" lang="en-US" altLang="ko-KR" sz="2000" dirty="0">
+              <a:solidFill>
+                <a:schemeClr val="tx1"/>
+              </a:solidFill>
+              <a:latin typeface="굴림" pitchFamily="50" charset="-127"/>
+              <a:ea typeface="굴림" pitchFamily="50" charset="-127"/>
+              <a:cs typeface="굴림" pitchFamily="50" charset="-127"/>
+            </a:endParaRPr>
+          </a:p>
+        </p:txBody>
+      </p:sp>
+      <p:sp>
+        <p:nvSpPr>
+          <p:cNvPr id="27" name="Rectangle 2"/>
+          <p:cNvSpPr>
+            <a:spLocks noChangeArrowheads="1"/>
+          </p:cNvSpPr>
+          <p:nvPr/>
+        </p:nvSpPr>
+        <p:spPr bwMode="auto">
+          <a:xfrm>
+            <a:off x="3944962" y="4836247"/>
+            <a:ext cx="2915816" cy="646331"/>
+          </a:xfrm>
+          <a:prstGeom prst="rect">
+            <a:avLst/>
+          </a:prstGeom>
+          <a:ln w="3175">
+            <a:headEnd/>
+            <a:tailEnd/>
+          </a:ln>
+        </p:spPr>
+        <p:style>
+          <a:lnRef idx="2">
+            <a:schemeClr val="dk1"/>
+          </a:lnRef>
+          <a:fillRef idx="1">
+            <a:schemeClr val="lt1"/>
+          </a:fillRef>
+          <a:effectRef idx="0">
+            <a:schemeClr val="dk1"/>
+          </a:effectRef>
+          <a:fontRef idx="minor">
+            <a:schemeClr val="dk1"/>
+          </a:fontRef>
+        </p:style>
+        <p:txBody>
+          <a:bodyPr vert="horz" wrap="square" lIns="91440" tIns="45720" rIns="91440" bIns="45720" numCol="1" anchor="ctr" anchorCtr="0" compatLnSpc="1">
+            <a:prstTxWarp prst="textNoShape">
+              <a:avLst/>
+            </a:prstTxWarp>
+            <a:spAutoFit/>
+          </a:bodyPr>
+          <a:lstStyle/>
+          <a:p>
+            <a:pPr lvl="0" fontAlgn="base">
+              <a:spcBef>
+                <a:spcPct val="0"/>
+              </a:spcBef>
+              <a:spcAft>
+                <a:spcPct val="0"/>
+              </a:spcAft>
+            </a:pPr>
+            <a:r>
+              <a:rPr kumimoji="1" lang="ko-KR" altLang="ko-KR" dirty="0">
+                <a:solidFill>
+                  <a:srgbClr val="000000"/>
+                </a:solidFill>
+                <a:latin typeface="Source Code Pro" pitchFamily="49" charset="0"/>
+                <a:ea typeface="굴림" pitchFamily="50" charset="-127"/>
+                <a:cs typeface="굴림" pitchFamily="50" charset="-127"/>
+              </a:rPr>
+              <a:t>shakeTail</a:t>
+            </a:r>
+            <a:r>
+              <a:rPr kumimoji="1" lang="en-US" altLang="ko-KR" dirty="0">
+                <a:solidFill>
+                  <a:srgbClr val="000000"/>
+                </a:solidFill>
+                <a:latin typeface="Source Code Pro" pitchFamily="49" charset="0"/>
+                <a:ea typeface="굴림" pitchFamily="50" charset="-127"/>
+                <a:cs typeface="굴림" pitchFamily="50" charset="-127"/>
+              </a:rPr>
+              <a:t>()</a:t>
+            </a:r>
+          </a:p>
+          <a:p>
+            <a:pPr lvl="0" fontAlgn="base">
+              <a:spcBef>
+                <a:spcPct val="0"/>
+              </a:spcBef>
+              <a:spcAft>
+                <a:spcPct val="0"/>
+              </a:spcAft>
+            </a:pPr>
+            <a:r>
+              <a:rPr kumimoji="1" lang="en-US" altLang="ko-KR" dirty="0" smtClean="0">
+                <a:solidFill>
+                  <a:srgbClr val="000000"/>
+                </a:solidFill>
+                <a:latin typeface="Source Code Pro" pitchFamily="49" charset="0"/>
+                <a:ea typeface="굴림" pitchFamily="50" charset="-127"/>
+                <a:cs typeface="굴림" pitchFamily="50" charset="-127"/>
+              </a:rPr>
+              <a:t>play</a:t>
+            </a:r>
+            <a:r>
+              <a:rPr kumimoji="1" lang="ko-KR" altLang="ko-KR" dirty="0" smtClean="0">
+                <a:solidFill>
+                  <a:srgbClr val="000000"/>
+                </a:solidFill>
+                <a:latin typeface="Source Code Pro" pitchFamily="49" charset="0"/>
+                <a:ea typeface="굴림" pitchFamily="50" charset="-127"/>
+                <a:cs typeface="굴림" pitchFamily="50" charset="-127"/>
+              </a:rPr>
+              <a:t>()</a:t>
+            </a:r>
+            <a:endParaRPr kumimoji="1" lang="ko-KR" altLang="ko-KR" sz="1600" dirty="0">
+              <a:solidFill>
+                <a:schemeClr val="tx1"/>
+              </a:solidFill>
+              <a:latin typeface="굴림" pitchFamily="50" charset="-127"/>
+              <a:ea typeface="굴림" pitchFamily="50" charset="-127"/>
+              <a:cs typeface="굴림" pitchFamily="50" charset="-127"/>
+            </a:endParaRPr>
+          </a:p>
+        </p:txBody>
+      </p:sp>
+    </p:spTree>
+    <p:extLst>
+      <p:ext uri="{BB962C8B-B14F-4D97-AF65-F5344CB8AC3E}">
+        <p14:creationId xmlns:p14="http://schemas.microsoft.com/office/powerpoint/2010/main" val="2328745804"/>
+      </p:ext>
+    </p:extLst>
+  </p:cSld>
+  <p:clrMapOvr>
+    <a:masterClrMapping/>
+  </p:clrMapOvr>
+</p:sld>
+</file>
+
+<file path=ppt/slides/slide9.xml><?xml version="1.0" encoding="utf-8"?>
+<p:sld xmlns:a="http://schemas.openxmlformats.org/drawingml/2006/main" xmlns:r="http://schemas.openxmlformats.org/officeDocument/2006/relationships" xmlns:p="http://schemas.openxmlformats.org/presentationml/2006/main">
+  <p:cSld>
+    <p:spTree>
+      <p:nvGrpSpPr>
+        <p:cNvPr id="1" name=""/>
+        <p:cNvGrpSpPr/>
+        <p:nvPr/>
+      </p:nvGrpSpPr>
+      <p:grpSpPr>
+        <a:xfrm>
+          <a:off x="0" y="0"/>
+          <a:ext cx="0" cy="0"/>
+          <a:chOff x="0" y="0"/>
+          <a:chExt cx="0" cy="0"/>
+        </a:xfrm>
+      </p:grpSpPr>
+      <p:sp>
+        <p:nvSpPr>
+          <p:cNvPr id="5" name="제목 4"/>
+          <p:cNvSpPr>
+            <a:spLocks noGrp="1"/>
+          </p:cNvSpPr>
+          <p:nvPr>
+            <p:ph type="title"/>
+          </p:nvPr>
+        </p:nvSpPr>
+        <p:spPr>
+          <a:xfrm>
+            <a:off x="876097" y="274638"/>
+            <a:ext cx="8229600" cy="1143000"/>
+          </a:xfrm>
+        </p:spPr>
+        <p:txBody>
+          <a:bodyPr/>
+          <a:lstStyle/>
+          <a:p>
+            <a:r>
+              <a:rPr lang="ko-KR" altLang="en-US" dirty="0" err="1" smtClean="0"/>
+              <a:t>다형성</a:t>
+            </a:r>
+            <a:endParaRPr lang="ko-KR" altLang="en-US" dirty="0"/>
+          </a:p>
+        </p:txBody>
+      </p:sp>
+      <p:sp>
+        <p:nvSpPr>
+          <p:cNvPr id="7" name="타원 6"/>
+          <p:cNvSpPr/>
+          <p:nvPr/>
+        </p:nvSpPr>
+        <p:spPr>
+          <a:xfrm>
+            <a:off x="4826806" y="1412776"/>
+            <a:ext cx="1152128" cy="797628"/>
+          </a:xfrm>
+          <a:prstGeom prst="ellipse">
+            <a:avLst/>
+          </a:prstGeom>
+        </p:spPr>
+        <p:style>
+          <a:lnRef idx="2">
+            <a:schemeClr val="accent1">
+              <a:shade val="50000"/>
+            </a:schemeClr>
+          </a:lnRef>
+          <a:fillRef idx="1">
+            <a:schemeClr val="accent1"/>
+          </a:fillRef>
+          <a:effectRef idx="0">
+            <a:schemeClr val="accent1"/>
+          </a:effectRef>
+          <a:fontRef idx="minor">
+            <a:schemeClr val="lt1"/>
+          </a:fontRef>
+        </p:style>
+        <p:txBody>
+          <a:bodyPr rtlCol="0" anchor="ctr"/>
+          <a:lstStyle/>
+          <a:p>
+            <a:pPr algn="ctr"/>
+            <a:r>
+              <a:rPr lang="ko-KR" altLang="en-US" dirty="0" smtClean="0"/>
+              <a:t>동물</a:t>
+            </a:r>
+            <a:endParaRPr lang="ko-KR" altLang="en-US" dirty="0"/>
+          </a:p>
+        </p:txBody>
+      </p:sp>
+      <p:cxnSp>
+        <p:nvCxnSpPr>
+          <p:cNvPr id="11" name="직선 화살표 연결선 10"/>
+          <p:cNvCxnSpPr>
+            <a:stCxn id="8" idx="0"/>
+            <a:endCxn id="7" idx="4"/>
+          </p:cNvCxnSpPr>
+          <p:nvPr/>
+        </p:nvCxnSpPr>
+        <p:spPr>
+          <a:xfrm flipV="1">
+            <a:off x="4878754" y="2210404"/>
+            <a:ext cx="524116" cy="1074580"/>
+          </a:xfrm>
+          <a:prstGeom prst="straightConnector1">
+            <a:avLst/>
+          </a:prstGeom>
+          <a:ln>
+            <a:headEnd type="none" w="med" len="med"/>
+            <a:tailEnd type="triangle" w="med" len="med"/>
+          </a:ln>
+        </p:spPr>
+        <p:style>
+          <a:lnRef idx="1">
+            <a:schemeClr val="accent2"/>
+          </a:lnRef>
+          <a:fillRef idx="0">
+            <a:schemeClr val="accent2"/>
+          </a:fillRef>
+          <a:effectRef idx="0">
+            <a:schemeClr val="accent2"/>
+          </a:effectRef>
+          <a:fontRef idx="minor">
+            <a:schemeClr val="tx1"/>
+          </a:fontRef>
+        </p:style>
+      </p:cxnSp>
+      <p:cxnSp>
+        <p:nvCxnSpPr>
+          <p:cNvPr id="12" name="직선 화살표 연결선 11"/>
+          <p:cNvCxnSpPr>
+            <a:stCxn id="9" idx="0"/>
+            <a:endCxn id="7" idx="4"/>
+          </p:cNvCxnSpPr>
+          <p:nvPr/>
+        </p:nvCxnSpPr>
+        <p:spPr>
+          <a:xfrm flipH="1" flipV="1">
+            <a:off x="5402870" y="2210404"/>
+            <a:ext cx="538722" cy="1074580"/>
+          </a:xfrm>
+          <a:prstGeom prst="straightConnector1">
+            <a:avLst/>
+          </a:prstGeom>
+          <a:ln>
+            <a:headEnd type="none" w="med" len="med"/>
+            <a:tailEnd type="triangle" w="med" len="med"/>
+          </a:ln>
+        </p:spPr>
+        <p:style>
+          <a:lnRef idx="1">
+            <a:schemeClr val="accent2"/>
+          </a:lnRef>
+          <a:fillRef idx="0">
+            <a:schemeClr val="accent2"/>
+          </a:fillRef>
+          <a:effectRef idx="0">
+            <a:schemeClr val="accent2"/>
+          </a:effectRef>
+          <a:fontRef idx="minor">
+            <a:schemeClr val="tx1"/>
+          </a:fontRef>
+        </p:style>
+      </p:cxnSp>
+      <p:grpSp>
+        <p:nvGrpSpPr>
+          <p:cNvPr id="112" name="그룹 111"/>
+          <p:cNvGrpSpPr/>
+          <p:nvPr/>
+        </p:nvGrpSpPr>
+        <p:grpSpPr>
+          <a:xfrm>
+            <a:off x="4410702" y="3284984"/>
+            <a:ext cx="936104" cy="1422448"/>
+            <a:chOff x="2195736" y="2983423"/>
+            <a:chExt cx="936104" cy="1422448"/>
+          </a:xfrm>
+        </p:grpSpPr>
+        <p:sp>
+          <p:nvSpPr>
+            <p:cNvPr id="8" name="모서리가 둥근 직사각형 7"/>
+            <p:cNvSpPr/>
+            <p:nvPr/>
+          </p:nvSpPr>
+          <p:spPr>
+            <a:xfrm>
+              <a:off x="2195736" y="2983423"/>
+              <a:ext cx="936104" cy="539878"/>
+            </a:xfrm>
+            <a:prstGeom prst="roundRect">
+              <a:avLst/>
+            </a:prstGeom>
+          </p:spPr>
+          <p:style>
+            <a:lnRef idx="2">
+              <a:schemeClr val="accent1">
+                <a:shade val="50000"/>
+              </a:schemeClr>
+            </a:lnRef>
+            <a:fillRef idx="1">
+              <a:schemeClr val="accent1"/>
+            </a:fillRef>
+            <a:effectRef idx="0">
+              <a:schemeClr val="accent1"/>
+            </a:effectRef>
+            <a:fontRef idx="minor">
+              <a:schemeClr val="lt1"/>
+            </a:fontRef>
+          </p:style>
+          <p:txBody>
+            <a:bodyPr rtlCol="0" anchor="ctr"/>
+            <a:lstStyle/>
+            <a:p>
+              <a:pPr algn="ctr"/>
+              <a:r>
+                <a:rPr lang="ko-KR" altLang="en-US" smtClean="0"/>
+                <a:t>고양이</a:t>
+              </a:r>
+              <a:endParaRPr lang="ko-KR" altLang="en-US"/>
+            </a:p>
+          </p:txBody>
+        </p:sp>
+        <p:pic>
+          <p:nvPicPr>
+            <p:cNvPr id="1026" name="Picture 2" descr="C:\Users\Administrator\AppData\Local\Microsoft\Windows\Temporary Internet Files\Content.IE5\ZP9R3R42\Turkish_Van_Cat[1].jpg"/>
+            <p:cNvPicPr>
+              <a:picLocks noChangeAspect="1" noChangeArrowheads="1"/>
+            </p:cNvPicPr>
+            <p:nvPr/>
+          </p:nvPicPr>
+          <p:blipFill>
+            <a:blip r:embed="rId2" cstate="print">
+              <a:extLst>
+                <a:ext uri="{28A0092B-C50C-407E-A947-70E740481C1C}">
+                  <a14:useLocalDpi xmlns:a14="http://schemas.microsoft.com/office/drawing/2010/main" val="0"/>
+                </a:ext>
+              </a:extLst>
+            </a:blip>
+            <a:srcRect/>
+            <a:stretch>
+              <a:fillRect/>
+            </a:stretch>
+          </p:blipFill>
+          <p:spPr bwMode="auto">
+            <a:xfrm>
+              <a:off x="2207132" y="3429000"/>
+              <a:ext cx="890018" cy="976871"/>
+            </a:xfrm>
+            <a:prstGeom prst="rect">
+              <a:avLst/>
+            </a:prstGeom>
+            <a:noFill/>
+            <a:extLst>
+              <a:ext uri="{909E8E84-426E-40DD-AFC4-6F175D3DCCD1}">
+                <a14:hiddenFill xmlns:a14="http://schemas.microsoft.com/office/drawing/2010/main">
+                  <a:solidFill>
+                    <a:srgbClr val="FFFFFF"/>
+                  </a:solidFill>
+                </a14:hiddenFill>
+              </a:ext>
+            </a:extLst>
+          </p:spPr>
+        </p:pic>
+      </p:grpSp>
+      <p:grpSp>
+        <p:nvGrpSpPr>
+          <p:cNvPr id="113" name="그룹 112"/>
+          <p:cNvGrpSpPr/>
+          <p:nvPr/>
+        </p:nvGrpSpPr>
+        <p:grpSpPr>
+          <a:xfrm>
+            <a:off x="5473540" y="3284984"/>
+            <a:ext cx="936104" cy="1422448"/>
+            <a:chOff x="3258574" y="2983423"/>
+            <a:chExt cx="936104" cy="1422448"/>
+          </a:xfrm>
+        </p:grpSpPr>
+        <p:sp>
+          <p:nvSpPr>
+            <p:cNvPr id="9" name="모서리가 둥근 직사각형 8"/>
+            <p:cNvSpPr/>
+            <p:nvPr/>
+          </p:nvSpPr>
+          <p:spPr>
+            <a:xfrm>
+              <a:off x="3258574" y="2983423"/>
+              <a:ext cx="936104" cy="539878"/>
+            </a:xfrm>
+            <a:prstGeom prst="roundRect">
+              <a:avLst/>
+            </a:prstGeom>
+          </p:spPr>
+          <p:style>
+            <a:lnRef idx="2">
+              <a:schemeClr val="accent1">
+                <a:shade val="50000"/>
+              </a:schemeClr>
+            </a:lnRef>
+            <a:fillRef idx="1">
+              <a:schemeClr val="accent1"/>
+            </a:fillRef>
+            <a:effectRef idx="0">
+              <a:schemeClr val="accent1"/>
+            </a:effectRef>
+            <a:fontRef idx="minor">
+              <a:schemeClr val="lt1"/>
+            </a:fontRef>
+          </p:style>
+          <p:txBody>
+            <a:bodyPr rtlCol="0" anchor="ctr"/>
+            <a:lstStyle/>
+            <a:p>
+              <a:pPr algn="ctr"/>
+              <a:r>
+                <a:rPr lang="ko-KR" altLang="en-US" dirty="0" smtClean="0"/>
+                <a:t>강아지</a:t>
+              </a:r>
+              <a:endParaRPr lang="ko-KR" altLang="en-US" dirty="0"/>
+            </a:p>
+          </p:txBody>
+        </p:sp>
+        <p:pic>
+          <p:nvPicPr>
+            <p:cNvPr id="1027" name="Picture 3" descr="C:\Users\Administrator\AppData\Local\Microsoft\Windows\Temporary Internet Files\Content.IE5\1VC934YU\Goldendoodle_puppy_Marty[1].jpg"/>
+            <p:cNvPicPr>
+              <a:picLocks noChangeAspect="1" noChangeArrowheads="1"/>
+            </p:cNvPicPr>
+            <p:nvPr/>
+          </p:nvPicPr>
+          <p:blipFill>
+            <a:blip r:embed="rId3" cstate="print">
+              <a:extLst>
+                <a:ext uri="{28A0092B-C50C-407E-A947-70E740481C1C}">
+                  <a14:useLocalDpi xmlns:a14="http://schemas.microsoft.com/office/drawing/2010/main" val="0"/>
+                </a:ext>
+              </a:extLst>
+            </a:blip>
+            <a:srcRect/>
+            <a:stretch>
+              <a:fillRect/>
+            </a:stretch>
+          </p:blipFill>
+          <p:spPr bwMode="auto">
+            <a:xfrm>
+              <a:off x="3323570" y="3429000"/>
+              <a:ext cx="806112" cy="976871"/>
+            </a:xfrm>
+            <a:prstGeom prst="rect">
+              <a:avLst/>
+            </a:prstGeom>
+            <a:noFill/>
+            <a:extLst>
+              <a:ext uri="{909E8E84-426E-40DD-AFC4-6F175D3DCCD1}">
+                <a14:hiddenFill xmlns:a14="http://schemas.microsoft.com/office/drawing/2010/main">
+                  <a:solidFill>
+                    <a:srgbClr val="FFFFFF"/>
+                  </a:solidFill>
+                </a14:hiddenFill>
+              </a:ext>
+            </a:extLst>
+          </p:spPr>
+        </p:pic>
+      </p:grpSp>
+      <p:sp>
+        <p:nvSpPr>
+          <p:cNvPr id="41" name="직사각형 40"/>
+          <p:cNvSpPr/>
+          <p:nvPr/>
+        </p:nvSpPr>
+        <p:spPr>
+          <a:xfrm>
+            <a:off x="38658" y="214290"/>
+            <a:ext cx="3906304" cy="6429396"/>
+          </a:xfrm>
+          <a:prstGeom prst="rect">
+            <a:avLst/>
+          </a:prstGeom>
+          <a:noFill/>
+        </p:spPr>
+        <p:style>
+          <a:lnRef idx="2">
+            <a:schemeClr val="dk1"/>
+          </a:lnRef>
+          <a:fillRef idx="1">
+            <a:schemeClr val="lt1"/>
+          </a:fillRef>
+          <a:effectRef idx="0">
+            <a:schemeClr val="dk1"/>
+          </a:effectRef>
+          <a:fontRef idx="minor">
+            <a:schemeClr val="dk1"/>
+          </a:fontRef>
+        </p:style>
+        <p:txBody>
+          <a:bodyPr rtlCol="0" anchor="ctr"/>
+          <a:lstStyle/>
+          <a:p>
+            <a:pPr algn="ctr"/>
+            <a:endParaRPr lang="ko-KR" altLang="en-US"/>
+          </a:p>
+        </p:txBody>
+      </p:sp>
+      <p:cxnSp>
+        <p:nvCxnSpPr>
+          <p:cNvPr id="43" name="직선 연결선 42"/>
+          <p:cNvCxnSpPr/>
+          <p:nvPr/>
+        </p:nvCxnSpPr>
+        <p:spPr>
+          <a:xfrm>
+            <a:off x="90160" y="1038168"/>
+            <a:ext cx="3854802" cy="1588"/>
+          </a:xfrm>
+          <a:prstGeom prst="line">
+            <a:avLst/>
+          </a:prstGeom>
+        </p:spPr>
+        <p:style>
+          <a:lnRef idx="1">
+            <a:schemeClr val="accent1"/>
+          </a:lnRef>
+          <a:fillRef idx="0">
+            <a:schemeClr val="accent1"/>
+          </a:fillRef>
+          <a:effectRef idx="0">
+            <a:schemeClr val="accent1"/>
+          </a:effectRef>
+          <a:fontRef idx="minor">
+            <a:schemeClr val="tx1"/>
+          </a:fontRef>
+        </p:style>
+      </p:cxnSp>
+      <p:cxnSp>
+        <p:nvCxnSpPr>
+          <p:cNvPr id="45" name="직선 연결선 44"/>
+          <p:cNvCxnSpPr/>
+          <p:nvPr/>
+        </p:nvCxnSpPr>
+        <p:spPr>
+          <a:xfrm>
+            <a:off x="38658" y="4286256"/>
+            <a:ext cx="3906304" cy="1588"/>
+          </a:xfrm>
+          <a:prstGeom prst="line">
+            <a:avLst/>
+          </a:prstGeom>
+        </p:spPr>
+        <p:style>
+          <a:lnRef idx="1">
+            <a:schemeClr val="accent1"/>
+          </a:lnRef>
+          <a:fillRef idx="0">
+            <a:schemeClr val="accent1"/>
+          </a:fillRef>
+          <a:effectRef idx="0">
+            <a:schemeClr val="accent1"/>
+          </a:effectRef>
+          <a:fontRef idx="minor">
+            <a:schemeClr val="tx1"/>
+          </a:fontRef>
+        </p:style>
+      </p:cxnSp>
+      <p:sp>
+        <p:nvSpPr>
+          <p:cNvPr id="46" name="TextBox 45"/>
+          <p:cNvSpPr txBox="1"/>
+          <p:nvPr/>
+        </p:nvSpPr>
+        <p:spPr>
+          <a:xfrm>
+            <a:off x="151338" y="285728"/>
+            <a:ext cx="729687" cy="369332"/>
+          </a:xfrm>
+          <a:prstGeom prst="rect">
+            <a:avLst/>
+          </a:prstGeom>
+          <a:noFill/>
+        </p:spPr>
+        <p:txBody>
+          <a:bodyPr wrap="none" rtlCol="0">
+            <a:spAutoFit/>
+          </a:bodyPr>
+          <a:lstStyle/>
+          <a:p>
+            <a:r>
+              <a:rPr lang="en-US" altLang="ko-KR" dirty="0" smtClean="0"/>
+              <a:t>static</a:t>
+            </a:r>
+            <a:endParaRPr lang="ko-KR" altLang="en-US" dirty="0"/>
+          </a:p>
+        </p:txBody>
+      </p:sp>
+      <p:sp>
+        <p:nvSpPr>
+          <p:cNvPr id="47" name="TextBox 46"/>
+          <p:cNvSpPr txBox="1"/>
+          <p:nvPr/>
+        </p:nvSpPr>
+        <p:spPr>
+          <a:xfrm>
+            <a:off x="151338" y="1057847"/>
+            <a:ext cx="710451" cy="369332"/>
+          </a:xfrm>
+          <a:prstGeom prst="rect">
+            <a:avLst/>
+          </a:prstGeom>
+          <a:noFill/>
+        </p:spPr>
+        <p:txBody>
+          <a:bodyPr wrap="none" rtlCol="0">
+            <a:spAutoFit/>
+          </a:bodyPr>
+          <a:lstStyle/>
+          <a:p>
+            <a:r>
+              <a:rPr lang="en-US" altLang="ko-KR" dirty="0" smtClean="0"/>
+              <a:t>stack</a:t>
+            </a:r>
+            <a:endParaRPr lang="ko-KR" altLang="en-US" dirty="0"/>
+          </a:p>
+        </p:txBody>
+      </p:sp>
+      <p:sp>
+        <p:nvSpPr>
+          <p:cNvPr id="48" name="TextBox 47"/>
+          <p:cNvSpPr txBox="1"/>
+          <p:nvPr/>
+        </p:nvSpPr>
+        <p:spPr>
+          <a:xfrm>
+            <a:off x="151338" y="4357694"/>
+            <a:ext cx="699230" cy="369332"/>
+          </a:xfrm>
+          <a:prstGeom prst="rect">
+            <a:avLst/>
+          </a:prstGeom>
+          <a:noFill/>
+        </p:spPr>
+        <p:txBody>
+          <a:bodyPr wrap="none" rtlCol="0">
+            <a:spAutoFit/>
+          </a:bodyPr>
+          <a:lstStyle/>
+          <a:p>
+            <a:r>
+              <a:rPr lang="en-US" altLang="ko-KR" dirty="0" smtClean="0"/>
+              <a:t>heap</a:t>
+            </a:r>
+            <a:endParaRPr lang="ko-KR" altLang="en-US" dirty="0"/>
+          </a:p>
+        </p:txBody>
+      </p:sp>
+      <p:sp>
+        <p:nvSpPr>
+          <p:cNvPr id="54" name="직사각형 53"/>
+          <p:cNvSpPr/>
+          <p:nvPr/>
+        </p:nvSpPr>
+        <p:spPr>
+          <a:xfrm>
+            <a:off x="234176" y="4797152"/>
+            <a:ext cx="1366929" cy="1368152"/>
+          </a:xfrm>
+          <a:prstGeom prst="rect">
+            <a:avLst/>
+          </a:prstGeom>
+        </p:spPr>
+        <p:style>
+          <a:lnRef idx="2">
+            <a:schemeClr val="accent6">
+              <a:shade val="50000"/>
+            </a:schemeClr>
+          </a:lnRef>
+          <a:fillRef idx="1">
+            <a:schemeClr val="accent6"/>
+          </a:fillRef>
+          <a:effectRef idx="0">
+            <a:schemeClr val="accent6"/>
+          </a:effectRef>
+          <a:fontRef idx="minor">
+            <a:schemeClr val="lt1"/>
+          </a:fontRef>
+        </p:style>
+        <p:txBody>
+          <a:bodyPr rtlCol="0" anchor="ctr"/>
+          <a:lstStyle/>
+          <a:p>
+            <a:pPr algn="ctr"/>
+            <a:r>
+              <a:rPr lang="en-US" altLang="ko-KR" dirty="0" smtClean="0"/>
+              <a:t>new Cat</a:t>
+            </a:r>
+          </a:p>
+          <a:p>
+            <a:pPr algn="ctr"/>
+            <a:r>
+              <a:rPr lang="en-US" altLang="ko-KR" dirty="0" smtClean="0"/>
               <a:t>bark()</a:t>
             </a:r>
           </a:p>
@@ -17882,829 +20078,6 @@
     <p:extLst>
       <p:ext uri="{BB962C8B-B14F-4D97-AF65-F5344CB8AC3E}">
         <p14:creationId xmlns:p14="http://schemas.microsoft.com/office/powerpoint/2010/main" val="647027745"/>
-      </p:ext>
-    </p:extLst>
-  </p:cSld>
-  <p:clrMapOvr>
-    <a:masterClrMapping/>
-  </p:clrMapOvr>
-</p:sld>
-</file>
-
-<file path=ppt/slides/slide9.xml><?xml version="1.0" encoding="utf-8"?>
-<p:sld xmlns:a="http://schemas.openxmlformats.org/drawingml/2006/main" xmlns:r="http://schemas.openxmlformats.org/officeDocument/2006/relationships" xmlns:p="http://schemas.openxmlformats.org/presentationml/2006/main">
-  <p:cSld>
-    <p:spTree>
-      <p:nvGrpSpPr>
-        <p:cNvPr id="1" name=""/>
-        <p:cNvGrpSpPr/>
-        <p:nvPr/>
-      </p:nvGrpSpPr>
-      <p:grpSpPr>
-        <a:xfrm>
-          <a:off x="0" y="0"/>
-          <a:ext cx="0" cy="0"/>
-          <a:chOff x="0" y="0"/>
-          <a:chExt cx="0" cy="0"/>
-        </a:xfrm>
-      </p:grpSpPr>
-      <p:sp>
-        <p:nvSpPr>
-          <p:cNvPr id="4" name="직사각형 3"/>
-          <p:cNvSpPr/>
-          <p:nvPr/>
-        </p:nvSpPr>
-        <p:spPr>
-          <a:xfrm>
-            <a:off x="1043608" y="1371982"/>
-            <a:ext cx="3312368" cy="4176464"/>
-          </a:xfrm>
-          <a:prstGeom prst="rect">
-            <a:avLst/>
-          </a:prstGeom>
-        </p:spPr>
-        <p:style>
-          <a:lnRef idx="2">
-            <a:schemeClr val="accent1">
-              <a:shade val="50000"/>
-            </a:schemeClr>
-          </a:lnRef>
-          <a:fillRef idx="1">
-            <a:schemeClr val="accent1"/>
-          </a:fillRef>
-          <a:effectRef idx="0">
-            <a:schemeClr val="accent1"/>
-          </a:effectRef>
-          <a:fontRef idx="minor">
-            <a:schemeClr val="lt1"/>
-          </a:fontRef>
-        </p:style>
-        <p:txBody>
-          <a:bodyPr rtlCol="0" anchor="ctr"/>
-          <a:lstStyle/>
-          <a:p>
-            <a:pPr algn="ctr"/>
-            <a:endParaRPr lang="ko-KR" altLang="en-US"/>
-          </a:p>
-        </p:txBody>
-      </p:sp>
-      <p:sp>
-        <p:nvSpPr>
-          <p:cNvPr id="5" name="직사각형 4"/>
-          <p:cNvSpPr/>
-          <p:nvPr/>
-        </p:nvSpPr>
-        <p:spPr>
-          <a:xfrm>
-            <a:off x="1259632" y="1588006"/>
-            <a:ext cx="2880320" cy="2520280"/>
-          </a:xfrm>
-          <a:prstGeom prst="rect">
-            <a:avLst/>
-          </a:prstGeom>
-          <a:scene3d>
-            <a:camera prst="orthographicFront"/>
-            <a:lightRig rig="threePt" dir="t"/>
-          </a:scene3d>
-          <a:sp3d>
-            <a:bevelT prst="angle"/>
-          </a:sp3d>
-        </p:spPr>
-        <p:style>
-          <a:lnRef idx="2">
-            <a:schemeClr val="accent2">
-              <a:shade val="50000"/>
-            </a:schemeClr>
-          </a:lnRef>
-          <a:fillRef idx="1">
-            <a:schemeClr val="accent2"/>
-          </a:fillRef>
-          <a:effectRef idx="0">
-            <a:schemeClr val="accent2"/>
-          </a:effectRef>
-          <a:fontRef idx="minor">
-            <a:schemeClr val="lt1"/>
-          </a:fontRef>
-        </p:style>
-        <p:txBody>
-          <a:bodyPr rtlCol="0" anchor="ctr"/>
-          <a:lstStyle/>
-          <a:p>
-            <a:pPr algn="ctr"/>
-            <a:endParaRPr lang="ko-KR" altLang="en-US"/>
-          </a:p>
-        </p:txBody>
-      </p:sp>
-      <p:sp>
-        <p:nvSpPr>
-          <p:cNvPr id="6" name="직사각형 5"/>
-          <p:cNvSpPr/>
-          <p:nvPr/>
-        </p:nvSpPr>
-        <p:spPr>
-          <a:xfrm>
-            <a:off x="2086155" y="2186545"/>
-            <a:ext cx="1220725" cy="846411"/>
-          </a:xfrm>
-          <a:prstGeom prst="rect">
-            <a:avLst/>
-          </a:prstGeom>
-          <a:scene3d>
-            <a:camera prst="orthographicFront"/>
-            <a:lightRig rig="threePt" dir="t"/>
-          </a:scene3d>
-          <a:sp3d>
-            <a:bevelT/>
-          </a:sp3d>
-        </p:spPr>
-        <p:style>
-          <a:lnRef idx="2">
-            <a:schemeClr val="accent6">
-              <a:shade val="50000"/>
-            </a:schemeClr>
-          </a:lnRef>
-          <a:fillRef idx="1">
-            <a:schemeClr val="accent6"/>
-          </a:fillRef>
-          <a:effectRef idx="0">
-            <a:schemeClr val="accent6"/>
-          </a:effectRef>
-          <a:fontRef idx="minor">
-            <a:schemeClr val="lt1"/>
-          </a:fontRef>
-        </p:style>
-        <p:txBody>
-          <a:bodyPr rtlCol="0" anchor="ctr"/>
-          <a:lstStyle/>
-          <a:p>
-            <a:pPr algn="ctr"/>
-            <a:r>
-              <a:rPr lang="en-US" altLang="ko-KR" dirty="0" smtClean="0"/>
-              <a:t>name</a:t>
-            </a:r>
-          </a:p>
-          <a:p>
-            <a:pPr algn="ctr"/>
-            <a:r>
-              <a:rPr lang="en-US" altLang="ko-KR" dirty="0" smtClean="0"/>
-              <a:t>age</a:t>
-            </a:r>
-          </a:p>
-          <a:p>
-            <a:pPr algn="ctr"/>
-            <a:r>
-              <a:rPr lang="en-US" altLang="ko-KR" dirty="0" smtClean="0"/>
-              <a:t>weight</a:t>
-            </a:r>
-            <a:endParaRPr lang="ko-KR" altLang="en-US" dirty="0"/>
-          </a:p>
-        </p:txBody>
-      </p:sp>
-      <p:sp>
-        <p:nvSpPr>
-          <p:cNvPr id="7" name="직사각형 6"/>
-          <p:cNvSpPr/>
-          <p:nvPr/>
-        </p:nvSpPr>
-        <p:spPr>
-          <a:xfrm>
-            <a:off x="2077252" y="4684350"/>
-            <a:ext cx="1220725" cy="720080"/>
-          </a:xfrm>
-          <a:prstGeom prst="rect">
-            <a:avLst/>
-          </a:prstGeom>
-          <a:scene3d>
-            <a:camera prst="orthographicFront"/>
-            <a:lightRig rig="threePt" dir="t"/>
-          </a:scene3d>
-          <a:sp3d>
-            <a:bevelT/>
-          </a:sp3d>
-        </p:spPr>
-        <p:style>
-          <a:lnRef idx="2">
-            <a:schemeClr val="accent6">
-              <a:shade val="50000"/>
-            </a:schemeClr>
-          </a:lnRef>
-          <a:fillRef idx="1">
-            <a:schemeClr val="accent6"/>
-          </a:fillRef>
-          <a:effectRef idx="0">
-            <a:schemeClr val="accent6"/>
-          </a:effectRef>
-          <a:fontRef idx="minor">
-            <a:schemeClr val="lt1"/>
-          </a:fontRef>
-        </p:style>
-        <p:txBody>
-          <a:bodyPr rtlCol="0" anchor="ctr"/>
-          <a:lstStyle/>
-          <a:p>
-            <a:pPr algn="ctr"/>
-            <a:r>
-              <a:rPr lang="en-US" altLang="ko-KR" dirty="0" err="1" smtClean="0"/>
-              <a:t>shakeTail</a:t>
-            </a:r>
-            <a:r>
-              <a:rPr lang="en-US" altLang="ko-KR" dirty="0" smtClean="0"/>
-              <a:t>()</a:t>
-            </a:r>
-            <a:endParaRPr lang="en-US" altLang="ko-KR" dirty="0"/>
-          </a:p>
-        </p:txBody>
-      </p:sp>
-      <p:sp>
-        <p:nvSpPr>
-          <p:cNvPr id="8" name="직사각형 7"/>
-          <p:cNvSpPr/>
-          <p:nvPr/>
-        </p:nvSpPr>
-        <p:spPr>
-          <a:xfrm>
-            <a:off x="1541112" y="4211508"/>
-            <a:ext cx="2310810" cy="369620"/>
-          </a:xfrm>
-          <a:prstGeom prst="rect">
-            <a:avLst/>
-          </a:prstGeom>
-          <a:scene3d>
-            <a:camera prst="orthographicFront"/>
-            <a:lightRig rig="threePt" dir="t"/>
-          </a:scene3d>
-          <a:sp3d>
-            <a:bevelT w="152400" h="50800" prst="softRound"/>
-          </a:sp3d>
-        </p:spPr>
-        <p:style>
-          <a:lnRef idx="1">
-            <a:schemeClr val="accent3"/>
-          </a:lnRef>
-          <a:fillRef idx="2">
-            <a:schemeClr val="accent3"/>
-          </a:fillRef>
-          <a:effectRef idx="1">
-            <a:schemeClr val="accent3"/>
-          </a:effectRef>
-          <a:fontRef idx="minor">
-            <a:schemeClr val="dk1"/>
-          </a:fontRef>
-        </p:style>
-        <p:txBody>
-          <a:bodyPr rtlCol="0" anchor="ctr"/>
-          <a:lstStyle/>
-          <a:p>
-            <a:pPr algn="ctr"/>
-            <a:r>
-              <a:rPr lang="en-US" altLang="ko-KR" smtClean="0"/>
-              <a:t>Dog</a:t>
-            </a:r>
-            <a:endParaRPr lang="ko-KR" altLang="en-US" dirty="0"/>
-          </a:p>
-        </p:txBody>
-      </p:sp>
-      <p:sp>
-        <p:nvSpPr>
-          <p:cNvPr id="9" name="직사각형 8"/>
-          <p:cNvSpPr/>
-          <p:nvPr/>
-        </p:nvSpPr>
-        <p:spPr>
-          <a:xfrm>
-            <a:off x="1547663" y="1692111"/>
-            <a:ext cx="2304258" cy="369620"/>
-          </a:xfrm>
-          <a:prstGeom prst="rect">
-            <a:avLst/>
-          </a:prstGeom>
-          <a:scene3d>
-            <a:camera prst="orthographicFront"/>
-            <a:lightRig rig="threePt" dir="t"/>
-          </a:scene3d>
-          <a:sp3d>
-            <a:bevelT w="152400" h="50800" prst="softRound"/>
-          </a:sp3d>
-        </p:spPr>
-        <p:style>
-          <a:lnRef idx="1">
-            <a:schemeClr val="accent3"/>
-          </a:lnRef>
-          <a:fillRef idx="2">
-            <a:schemeClr val="accent3"/>
-          </a:fillRef>
-          <a:effectRef idx="1">
-            <a:schemeClr val="accent3"/>
-          </a:effectRef>
-          <a:fontRef idx="minor">
-            <a:schemeClr val="dk1"/>
-          </a:fontRef>
-        </p:style>
-        <p:txBody>
-          <a:bodyPr rtlCol="0" anchor="ctr"/>
-          <a:lstStyle/>
-          <a:p>
-            <a:pPr algn="ctr"/>
-            <a:r>
-              <a:rPr lang="en-US" altLang="ko-KR" dirty="0" smtClean="0"/>
-              <a:t>Animal</a:t>
-            </a:r>
-            <a:endParaRPr lang="ko-KR" altLang="en-US" dirty="0"/>
-          </a:p>
-        </p:txBody>
-      </p:sp>
-      <p:sp>
-        <p:nvSpPr>
-          <p:cNvPr id="10" name="직사각형 9"/>
-          <p:cNvSpPr/>
-          <p:nvPr/>
-        </p:nvSpPr>
-        <p:spPr>
-          <a:xfrm>
-            <a:off x="2089429" y="3024555"/>
-            <a:ext cx="1220725" cy="908501"/>
-          </a:xfrm>
-          <a:prstGeom prst="rect">
-            <a:avLst/>
-          </a:prstGeom>
-          <a:scene3d>
-            <a:camera prst="orthographicFront"/>
-            <a:lightRig rig="threePt" dir="t"/>
-          </a:scene3d>
-          <a:sp3d>
-            <a:bevelT/>
-          </a:sp3d>
-        </p:spPr>
-        <p:style>
-          <a:lnRef idx="2">
-            <a:schemeClr val="accent6">
-              <a:shade val="50000"/>
-            </a:schemeClr>
-          </a:lnRef>
-          <a:fillRef idx="1">
-            <a:schemeClr val="accent6"/>
-          </a:fillRef>
-          <a:effectRef idx="0">
-            <a:schemeClr val="accent6"/>
-          </a:effectRef>
-          <a:fontRef idx="minor">
-            <a:schemeClr val="lt1"/>
-          </a:fontRef>
-        </p:style>
-        <p:txBody>
-          <a:bodyPr rtlCol="0" anchor="ctr"/>
-          <a:lstStyle/>
-          <a:p>
-            <a:pPr algn="ctr"/>
-            <a:r>
-              <a:rPr lang="en-US" altLang="ko-KR" dirty="0"/>
-              <a:t>bark()</a:t>
-            </a:r>
-          </a:p>
-          <a:p>
-            <a:pPr algn="ctr"/>
-            <a:r>
-              <a:rPr lang="en-US" altLang="ko-KR" dirty="0"/>
-              <a:t>eat()</a:t>
-            </a:r>
-          </a:p>
-          <a:p>
-            <a:pPr algn="ctr"/>
-            <a:r>
-              <a:rPr lang="en-US" altLang="ko-KR" dirty="0" err="1" smtClean="0"/>
-              <a:t>printInfo</a:t>
-            </a:r>
-            <a:r>
-              <a:rPr lang="en-US" altLang="ko-KR" dirty="0" smtClean="0"/>
-              <a:t>()</a:t>
-            </a:r>
-          </a:p>
-        </p:txBody>
-      </p:sp>
-      <p:sp>
-        <p:nvSpPr>
-          <p:cNvPr id="11" name="직사각형 10"/>
-          <p:cNvSpPr/>
-          <p:nvPr/>
-        </p:nvSpPr>
-        <p:spPr>
-          <a:xfrm>
-            <a:off x="5004048" y="1588006"/>
-            <a:ext cx="2880320" cy="2520280"/>
-          </a:xfrm>
-          <a:prstGeom prst="rect">
-            <a:avLst/>
-          </a:prstGeom>
-        </p:spPr>
-        <p:style>
-          <a:lnRef idx="2">
-            <a:schemeClr val="accent2">
-              <a:shade val="50000"/>
-            </a:schemeClr>
-          </a:lnRef>
-          <a:fillRef idx="1">
-            <a:schemeClr val="accent2"/>
-          </a:fillRef>
-          <a:effectRef idx="0">
-            <a:schemeClr val="accent2"/>
-          </a:effectRef>
-          <a:fontRef idx="minor">
-            <a:schemeClr val="lt1"/>
-          </a:fontRef>
-        </p:style>
-        <p:txBody>
-          <a:bodyPr rtlCol="0" anchor="ctr"/>
-          <a:lstStyle/>
-          <a:p>
-            <a:pPr algn="ctr"/>
-            <a:endParaRPr lang="ko-KR" altLang="en-US"/>
-          </a:p>
-        </p:txBody>
-      </p:sp>
-      <p:sp>
-        <p:nvSpPr>
-          <p:cNvPr id="12" name="직사각형 11"/>
-          <p:cNvSpPr/>
-          <p:nvPr/>
-        </p:nvSpPr>
-        <p:spPr>
-          <a:xfrm>
-            <a:off x="5830571" y="2186545"/>
-            <a:ext cx="1220725" cy="846411"/>
-          </a:xfrm>
-          <a:prstGeom prst="rect">
-            <a:avLst/>
-          </a:prstGeom>
-          <a:scene3d>
-            <a:camera prst="orthographicFront"/>
-            <a:lightRig rig="threePt" dir="t"/>
-          </a:scene3d>
-          <a:sp3d>
-            <a:bevelT/>
-          </a:sp3d>
-        </p:spPr>
-        <p:style>
-          <a:lnRef idx="2">
-            <a:schemeClr val="accent6">
-              <a:shade val="50000"/>
-            </a:schemeClr>
-          </a:lnRef>
-          <a:fillRef idx="1">
-            <a:schemeClr val="accent6"/>
-          </a:fillRef>
-          <a:effectRef idx="0">
-            <a:schemeClr val="accent6"/>
-          </a:effectRef>
-          <a:fontRef idx="minor">
-            <a:schemeClr val="lt1"/>
-          </a:fontRef>
-        </p:style>
-        <p:txBody>
-          <a:bodyPr rtlCol="0" anchor="ctr"/>
-          <a:lstStyle/>
-          <a:p>
-            <a:pPr algn="ctr"/>
-            <a:r>
-              <a:rPr lang="en-US" altLang="ko-KR" dirty="0" smtClean="0"/>
-              <a:t>name</a:t>
-            </a:r>
-          </a:p>
-          <a:p>
-            <a:pPr algn="ctr"/>
-            <a:r>
-              <a:rPr lang="en-US" altLang="ko-KR" dirty="0" smtClean="0"/>
-              <a:t>age</a:t>
-            </a:r>
-          </a:p>
-          <a:p>
-            <a:pPr algn="ctr"/>
-            <a:r>
-              <a:rPr lang="en-US" altLang="ko-KR" dirty="0" smtClean="0"/>
-              <a:t>weight</a:t>
-            </a:r>
-            <a:endParaRPr lang="ko-KR" altLang="en-US" dirty="0"/>
-          </a:p>
-        </p:txBody>
-      </p:sp>
-      <p:sp>
-        <p:nvSpPr>
-          <p:cNvPr id="13" name="직사각형 12"/>
-          <p:cNvSpPr/>
-          <p:nvPr/>
-        </p:nvSpPr>
-        <p:spPr>
-          <a:xfrm>
-            <a:off x="5292079" y="1692111"/>
-            <a:ext cx="2304258" cy="369620"/>
-          </a:xfrm>
-          <a:prstGeom prst="rect">
-            <a:avLst/>
-          </a:prstGeom>
-          <a:scene3d>
-            <a:camera prst="orthographicFront"/>
-            <a:lightRig rig="threePt" dir="t"/>
-          </a:scene3d>
-          <a:sp3d>
-            <a:bevelT w="152400" h="50800" prst="softRound"/>
-          </a:sp3d>
-        </p:spPr>
-        <p:style>
-          <a:lnRef idx="1">
-            <a:schemeClr val="accent3"/>
-          </a:lnRef>
-          <a:fillRef idx="2">
-            <a:schemeClr val="accent3"/>
-          </a:fillRef>
-          <a:effectRef idx="1">
-            <a:schemeClr val="accent3"/>
-          </a:effectRef>
-          <a:fontRef idx="minor">
-            <a:schemeClr val="dk1"/>
-          </a:fontRef>
-        </p:style>
-        <p:txBody>
-          <a:bodyPr rtlCol="0" anchor="ctr"/>
-          <a:lstStyle/>
-          <a:p>
-            <a:pPr algn="ctr"/>
-            <a:r>
-              <a:rPr lang="en-US" altLang="ko-KR" dirty="0" smtClean="0"/>
-              <a:t>Animal</a:t>
-            </a:r>
-            <a:endParaRPr lang="ko-KR" altLang="en-US" dirty="0"/>
-          </a:p>
-        </p:txBody>
-      </p:sp>
-      <p:sp>
-        <p:nvSpPr>
-          <p:cNvPr id="15" name="TextBox 14"/>
-          <p:cNvSpPr txBox="1"/>
-          <p:nvPr/>
-        </p:nvSpPr>
-        <p:spPr>
-          <a:xfrm>
-            <a:off x="755576" y="939934"/>
-            <a:ext cx="4052713" cy="369332"/>
-          </a:xfrm>
-          <a:prstGeom prst="rect">
-            <a:avLst/>
-          </a:prstGeom>
-          <a:noFill/>
-        </p:spPr>
-        <p:txBody>
-          <a:bodyPr wrap="none" rtlCol="0">
-            <a:spAutoFit/>
-          </a:bodyPr>
-          <a:lstStyle/>
-          <a:p>
-            <a:r>
-              <a:rPr lang="en-US" altLang="ko-KR" dirty="0"/>
-              <a:t>Dog </a:t>
-            </a:r>
-            <a:r>
-              <a:rPr lang="en-US" altLang="ko-KR" dirty="0" err="1"/>
-              <a:t>dog</a:t>
-            </a:r>
-            <a:r>
-              <a:rPr lang="en-US" altLang="ko-KR" dirty="0"/>
-              <a:t> = </a:t>
-            </a:r>
-            <a:r>
-              <a:rPr lang="en-US" altLang="ko-KR" b="1" dirty="0"/>
-              <a:t>new </a:t>
-            </a:r>
-            <a:r>
-              <a:rPr lang="en-US" altLang="ko-KR" dirty="0"/>
-              <a:t>Dog(</a:t>
-            </a:r>
-            <a:r>
-              <a:rPr lang="en-US" altLang="ko-KR" b="1" dirty="0"/>
-              <a:t>"</a:t>
-            </a:r>
-            <a:r>
-              <a:rPr lang="ko-KR" altLang="en-US" b="1" dirty="0"/>
-              <a:t>강아지</a:t>
-            </a:r>
-            <a:r>
-              <a:rPr lang="en-US" altLang="ko-KR" b="1" dirty="0"/>
-              <a:t>"</a:t>
-            </a:r>
-            <a:r>
-              <a:rPr lang="en-US" altLang="ko-KR" dirty="0"/>
-              <a:t>, 4, 5);</a:t>
-            </a:r>
-            <a:endParaRPr lang="ko-KR" altLang="en-US" dirty="0"/>
-          </a:p>
-        </p:txBody>
-      </p:sp>
-      <p:sp>
-        <p:nvSpPr>
-          <p:cNvPr id="16" name="TextBox 15"/>
-          <p:cNvSpPr txBox="1"/>
-          <p:nvPr/>
-        </p:nvSpPr>
-        <p:spPr>
-          <a:xfrm>
-            <a:off x="5302119" y="955788"/>
-            <a:ext cx="2470548" cy="369332"/>
-          </a:xfrm>
-          <a:prstGeom prst="rect">
-            <a:avLst/>
-          </a:prstGeom>
-          <a:noFill/>
-        </p:spPr>
-        <p:txBody>
-          <a:bodyPr wrap="none" rtlCol="0">
-            <a:spAutoFit/>
-          </a:bodyPr>
-          <a:lstStyle/>
-          <a:p>
-            <a:r>
-              <a:rPr lang="en-US" altLang="ko-KR" dirty="0" smtClean="0"/>
-              <a:t>Animal </a:t>
-            </a:r>
-            <a:r>
-              <a:rPr lang="en-US" altLang="ko-KR" dirty="0" err="1" smtClean="0"/>
-              <a:t>animal</a:t>
-            </a:r>
-            <a:r>
-              <a:rPr lang="en-US" altLang="ko-KR" dirty="0" smtClean="0"/>
-              <a:t> = dog;</a:t>
-            </a:r>
-            <a:endParaRPr lang="ko-KR" altLang="en-US" dirty="0"/>
-          </a:p>
-        </p:txBody>
-      </p:sp>
-      <p:sp>
-        <p:nvSpPr>
-          <p:cNvPr id="18" name="TextBox 17"/>
-          <p:cNvSpPr txBox="1"/>
-          <p:nvPr/>
-        </p:nvSpPr>
-        <p:spPr>
-          <a:xfrm>
-            <a:off x="2267744" y="260648"/>
-            <a:ext cx="4631396" cy="369332"/>
-          </a:xfrm>
-          <a:prstGeom prst="rect">
-            <a:avLst/>
-          </a:prstGeom>
-          <a:noFill/>
-        </p:spPr>
-        <p:txBody>
-          <a:bodyPr wrap="none" rtlCol="0">
-            <a:spAutoFit/>
-          </a:bodyPr>
-          <a:lstStyle/>
-          <a:p>
-            <a:pPr algn="ctr"/>
-            <a:r>
-              <a:rPr lang="en-US" altLang="ko-KR" dirty="0" smtClean="0"/>
-              <a:t>Animal Class</a:t>
-            </a:r>
-            <a:r>
-              <a:rPr lang="ko-KR" altLang="en-US" dirty="0" smtClean="0"/>
-              <a:t>를 상속 받은 </a:t>
-            </a:r>
-            <a:r>
-              <a:rPr lang="en-US" altLang="ko-KR" dirty="0" smtClean="0"/>
-              <a:t>Cat Class</a:t>
-            </a:r>
-            <a:r>
-              <a:rPr lang="ko-KR" altLang="en-US" dirty="0" smtClean="0"/>
-              <a:t>의 구조</a:t>
-            </a:r>
-            <a:endParaRPr lang="ko-KR" altLang="en-US" dirty="0"/>
-          </a:p>
-        </p:txBody>
-      </p:sp>
-      <p:sp>
-        <p:nvSpPr>
-          <p:cNvPr id="19" name="직사각형 18"/>
-          <p:cNvSpPr/>
-          <p:nvPr/>
-        </p:nvSpPr>
-        <p:spPr>
-          <a:xfrm>
-            <a:off x="5830570" y="3024555"/>
-            <a:ext cx="1220725" cy="908501"/>
-          </a:xfrm>
-          <a:prstGeom prst="rect">
-            <a:avLst/>
-          </a:prstGeom>
-          <a:scene3d>
-            <a:camera prst="orthographicFront"/>
-            <a:lightRig rig="threePt" dir="t"/>
-          </a:scene3d>
-          <a:sp3d>
-            <a:bevelT/>
-          </a:sp3d>
-        </p:spPr>
-        <p:style>
-          <a:lnRef idx="2">
-            <a:schemeClr val="accent6">
-              <a:shade val="50000"/>
-            </a:schemeClr>
-          </a:lnRef>
-          <a:fillRef idx="1">
-            <a:schemeClr val="accent6"/>
-          </a:fillRef>
-          <a:effectRef idx="0">
-            <a:schemeClr val="accent6"/>
-          </a:effectRef>
-          <a:fontRef idx="minor">
-            <a:schemeClr val="lt1"/>
-          </a:fontRef>
-        </p:style>
-        <p:txBody>
-          <a:bodyPr rtlCol="0" anchor="ctr"/>
-          <a:lstStyle/>
-          <a:p>
-            <a:pPr algn="ctr"/>
-            <a:r>
-              <a:rPr lang="en-US" altLang="ko-KR" dirty="0"/>
-              <a:t>bark()</a:t>
-            </a:r>
-          </a:p>
-          <a:p>
-            <a:pPr algn="ctr"/>
-            <a:r>
-              <a:rPr lang="en-US" altLang="ko-KR" dirty="0"/>
-              <a:t>eat()</a:t>
-            </a:r>
-          </a:p>
-          <a:p>
-            <a:pPr algn="ctr"/>
-            <a:r>
-              <a:rPr lang="en-US" altLang="ko-KR" dirty="0" err="1" smtClean="0"/>
-              <a:t>printInfo</a:t>
-            </a:r>
-            <a:r>
-              <a:rPr lang="en-US" altLang="ko-KR" dirty="0" smtClean="0"/>
-              <a:t>()</a:t>
-            </a:r>
-          </a:p>
-        </p:txBody>
-      </p:sp>
-      <p:sp>
-        <p:nvSpPr>
-          <p:cNvPr id="17" name="TextBox 16"/>
-          <p:cNvSpPr txBox="1"/>
-          <p:nvPr/>
-        </p:nvSpPr>
-        <p:spPr>
-          <a:xfrm>
-            <a:off x="5302119" y="4314673"/>
-            <a:ext cx="2775119" cy="923330"/>
-          </a:xfrm>
-          <a:prstGeom prst="rect">
-            <a:avLst/>
-          </a:prstGeom>
-          <a:noFill/>
-        </p:spPr>
-        <p:txBody>
-          <a:bodyPr wrap="none" rtlCol="0">
-            <a:spAutoFit/>
-          </a:bodyPr>
-          <a:lstStyle/>
-          <a:p>
-            <a:r>
-              <a:rPr lang="en-US" altLang="ko-KR" dirty="0" smtClean="0"/>
-              <a:t>Dog </a:t>
-            </a:r>
-            <a:r>
-              <a:rPr lang="en-US" altLang="ko-KR" dirty="0" err="1" smtClean="0"/>
-              <a:t>dog</a:t>
-            </a:r>
-            <a:r>
-              <a:rPr lang="en-US" altLang="ko-KR" dirty="0"/>
-              <a:t> </a:t>
-            </a:r>
-            <a:r>
-              <a:rPr lang="en-US" altLang="ko-KR" dirty="0" smtClean="0"/>
-              <a:t>= (Dog)animal;</a:t>
-            </a:r>
-          </a:p>
-          <a:p>
-            <a:endParaRPr lang="en-US" altLang="ko-KR" dirty="0"/>
-          </a:p>
-          <a:p>
-            <a:r>
-              <a:rPr lang="en-US" altLang="ko-KR" dirty="0" err="1" smtClean="0"/>
-              <a:t>dog.shakeTail</a:t>
-            </a:r>
-            <a:r>
-              <a:rPr lang="en-US" altLang="ko-KR" dirty="0" smtClean="0"/>
-              <a:t>();</a:t>
-            </a:r>
-            <a:endParaRPr lang="ko-KR" altLang="en-US" dirty="0"/>
-          </a:p>
-        </p:txBody>
-      </p:sp>
-    </p:spTree>
-    <p:extLst>
-      <p:ext uri="{BB962C8B-B14F-4D97-AF65-F5344CB8AC3E}">
-        <p14:creationId xmlns:p14="http://schemas.microsoft.com/office/powerpoint/2010/main" val="2881245161"/>
       </p:ext>
     </p:extLst>
   </p:cSld>

--- a/ppt/day15_인터페이스.pptx
+++ b/ppt/day15_인터페이스.pptx
@@ -18,6 +18,11 @@
     <p:sldId id="264" r:id="rId12"/>
     <p:sldId id="265" r:id="rId13"/>
     <p:sldId id="266" r:id="rId14"/>
+    <p:sldId id="270" r:id="rId15"/>
+    <p:sldId id="271" r:id="rId16"/>
+    <p:sldId id="272" r:id="rId17"/>
+    <p:sldId id="273" r:id="rId18"/>
+    <p:sldId id="274" r:id="rId19"/>
   </p:sldIdLst>
   <p:sldSz cx="9144000" cy="6858000" type="screen4x3"/>
   <p:notesSz cx="6858000" cy="9144000"/>
@@ -300,7 +305,7 @@
           <a:p>
             <a:fld id="{FB30EDBD-1C2D-4C1E-B459-B60219FAB484}" type="datetimeFigureOut">
               <a:rPr lang="ko-KR" altLang="en-US" smtClean="0"/>
-              <a:t>2018-03-17</a:t>
+              <a:t>2018-03-18</a:t>
             </a:fld>
             <a:endParaRPr lang="ko-KR" altLang="en-US"/>
           </a:p>
@@ -465,7 +470,7 @@
           <a:p>
             <a:fld id="{FB30EDBD-1C2D-4C1E-B459-B60219FAB484}" type="datetimeFigureOut">
               <a:rPr lang="ko-KR" altLang="en-US" smtClean="0"/>
-              <a:t>2018-03-17</a:t>
+              <a:t>2018-03-18</a:t>
             </a:fld>
             <a:endParaRPr lang="ko-KR" altLang="en-US"/>
           </a:p>
@@ -640,7 +645,7 @@
           <a:p>
             <a:fld id="{FB30EDBD-1C2D-4C1E-B459-B60219FAB484}" type="datetimeFigureOut">
               <a:rPr lang="ko-KR" altLang="en-US" smtClean="0"/>
-              <a:t>2018-03-17</a:t>
+              <a:t>2018-03-18</a:t>
             </a:fld>
             <a:endParaRPr lang="ko-KR" altLang="en-US"/>
           </a:p>
@@ -805,7 +810,7 @@
           <a:p>
             <a:fld id="{FB30EDBD-1C2D-4C1E-B459-B60219FAB484}" type="datetimeFigureOut">
               <a:rPr lang="ko-KR" altLang="en-US" smtClean="0"/>
-              <a:t>2018-03-17</a:t>
+              <a:t>2018-03-18</a:t>
             </a:fld>
             <a:endParaRPr lang="ko-KR" altLang="en-US"/>
           </a:p>
@@ -1046,7 +1051,7 @@
           <a:p>
             <a:fld id="{FB30EDBD-1C2D-4C1E-B459-B60219FAB484}" type="datetimeFigureOut">
               <a:rPr lang="ko-KR" altLang="en-US" smtClean="0"/>
-              <a:t>2018-03-17</a:t>
+              <a:t>2018-03-18</a:t>
             </a:fld>
             <a:endParaRPr lang="ko-KR" altLang="en-US"/>
           </a:p>
@@ -1329,7 +1334,7 @@
           <a:p>
             <a:fld id="{FB30EDBD-1C2D-4C1E-B459-B60219FAB484}" type="datetimeFigureOut">
               <a:rPr lang="ko-KR" altLang="en-US" smtClean="0"/>
-              <a:t>2018-03-17</a:t>
+              <a:t>2018-03-18</a:t>
             </a:fld>
             <a:endParaRPr lang="ko-KR" altLang="en-US"/>
           </a:p>
@@ -1746,7 +1751,7 @@
           <a:p>
             <a:fld id="{FB30EDBD-1C2D-4C1E-B459-B60219FAB484}" type="datetimeFigureOut">
               <a:rPr lang="ko-KR" altLang="en-US" smtClean="0"/>
-              <a:t>2018-03-17</a:t>
+              <a:t>2018-03-18</a:t>
             </a:fld>
             <a:endParaRPr lang="ko-KR" altLang="en-US"/>
           </a:p>
@@ -1859,7 +1864,7 @@
           <a:p>
             <a:fld id="{FB30EDBD-1C2D-4C1E-B459-B60219FAB484}" type="datetimeFigureOut">
               <a:rPr lang="ko-KR" altLang="en-US" smtClean="0"/>
-              <a:t>2018-03-17</a:t>
+              <a:t>2018-03-18</a:t>
             </a:fld>
             <a:endParaRPr lang="ko-KR" altLang="en-US"/>
           </a:p>
@@ -1949,7 +1954,7 @@
           <a:p>
             <a:fld id="{FB30EDBD-1C2D-4C1E-B459-B60219FAB484}" type="datetimeFigureOut">
               <a:rPr lang="ko-KR" altLang="en-US" smtClean="0"/>
-              <a:t>2018-03-17</a:t>
+              <a:t>2018-03-18</a:t>
             </a:fld>
             <a:endParaRPr lang="ko-KR" altLang="en-US"/>
           </a:p>
@@ -2221,7 +2226,7 @@
           <a:p>
             <a:fld id="{FB30EDBD-1C2D-4C1E-B459-B60219FAB484}" type="datetimeFigureOut">
               <a:rPr lang="ko-KR" altLang="en-US" smtClean="0"/>
-              <a:t>2018-03-17</a:t>
+              <a:t>2018-03-18</a:t>
             </a:fld>
             <a:endParaRPr lang="ko-KR" altLang="en-US"/>
           </a:p>
@@ -2469,7 +2474,7 @@
           <a:p>
             <a:fld id="{FB30EDBD-1C2D-4C1E-B459-B60219FAB484}" type="datetimeFigureOut">
               <a:rPr lang="ko-KR" altLang="en-US" smtClean="0"/>
-              <a:t>2018-03-17</a:t>
+              <a:t>2018-03-18</a:t>
             </a:fld>
             <a:endParaRPr lang="ko-KR" altLang="en-US"/>
           </a:p>
@@ -2677,7 +2682,7 @@
           <a:p>
             <a:fld id="{FB30EDBD-1C2D-4C1E-B459-B60219FAB484}" type="datetimeFigureOut">
               <a:rPr lang="ko-KR" altLang="en-US" smtClean="0"/>
-              <a:t>2018-03-17</a:t>
+              <a:t>2018-03-18</a:t>
             </a:fld>
             <a:endParaRPr lang="ko-KR" altLang="en-US"/>
           </a:p>
@@ -7382,21 +7387,6 @@
               </a:rPr>
               <a:t>){</a:t>
             </a:r>
-            <a:r>
-              <a:rPr kumimoji="1" lang="ko-KR" altLang="ko-KR" sz="1600" b="0" i="0" u="none" strike="noStrike" cap="none" normalizeH="0" baseline="0" dirty="0" smtClean="0">
-                <a:ln>
-                  <a:noFill/>
-                </a:ln>
-                <a:solidFill>
-                  <a:srgbClr val="000000"/>
-                </a:solidFill>
-                <a:effectLst/>
-                <a:latin typeface="Source Code Pro" pitchFamily="49" charset="0"/>
-                <a:ea typeface="굴림" pitchFamily="50" charset="-127"/>
-                <a:cs typeface="굴림" pitchFamily="50" charset="-127"/>
-              </a:rPr>
-              <a:t/>
-            </a:r>
             <a:br>
               <a:rPr kumimoji="1" lang="ko-KR" altLang="ko-KR" sz="1600" b="0" i="0" u="none" strike="noStrike" cap="none" normalizeH="0" baseline="0" dirty="0" smtClean="0">
                 <a:ln>
@@ -7486,21 +7476,6 @@
               </a:rPr>
               <a:t>;</a:t>
             </a:r>
-            <a:r>
-              <a:rPr kumimoji="1" lang="ko-KR" altLang="ko-KR" sz="1600" b="0" i="0" u="none" strike="noStrike" cap="none" normalizeH="0" baseline="0" dirty="0" smtClean="0">
-                <a:ln>
-                  <a:noFill/>
-                </a:ln>
-                <a:solidFill>
-                  <a:srgbClr val="000000"/>
-                </a:solidFill>
-                <a:effectLst/>
-                <a:latin typeface="Source Code Pro" pitchFamily="49" charset="0"/>
-                <a:ea typeface="굴림" pitchFamily="50" charset="-127"/>
-                <a:cs typeface="굴림" pitchFamily="50" charset="-127"/>
-              </a:rPr>
-              <a:t/>
-            </a:r>
             <a:br>
               <a:rPr kumimoji="1" lang="ko-KR" altLang="ko-KR" sz="1600" b="0" i="0" u="none" strike="noStrike" cap="none" normalizeH="0" baseline="0" dirty="0" smtClean="0">
                 <a:ln>
@@ -7558,22 +7533,7 @@
                 <a:ea typeface="굴림" pitchFamily="50" charset="-127"/>
                 <a:cs typeface="굴림" pitchFamily="50" charset="-127"/>
               </a:rPr>
-              <a:t>.shakeTail</a:t>
-            </a:r>
-            <a:r>
-              <a:rPr kumimoji="1" lang="ko-KR" altLang="ko-KR" sz="1600" b="0" i="0" u="none" strike="noStrike" cap="none" normalizeH="0" baseline="0" dirty="0" smtClean="0">
-                <a:ln>
-                  <a:noFill/>
-                </a:ln>
-                <a:solidFill>
-                  <a:srgbClr val="000000"/>
-                </a:solidFill>
-                <a:effectLst/>
-                <a:latin typeface="Source Code Pro" pitchFamily="49" charset="0"/>
-                <a:ea typeface="굴림" pitchFamily="50" charset="-127"/>
-                <a:cs typeface="굴림" pitchFamily="50" charset="-127"/>
-              </a:rPr>
-              <a:t>();</a:t>
+              <a:t>.shakeTail();</a:t>
             </a:r>
             <a:br>
               <a:rPr kumimoji="1" lang="ko-KR" altLang="ko-KR" sz="1600" b="0" i="0" u="none" strike="noStrike" cap="none" normalizeH="0" baseline="0" dirty="0" smtClean="0">
@@ -7953,7 +7913,6 @@
               <a:rPr lang="en-US" altLang="ko-KR" dirty="0" smtClean="0"/>
               <a:t>eat()</a:t>
             </a:r>
-            <a:endParaRPr lang="en-US" altLang="ko-KR" dirty="0" smtClean="0"/>
           </a:p>
         </p:txBody>
       </p:sp>
@@ -8436,7 +8395,6 @@
               <a:rPr lang="en-US" altLang="ko-KR" dirty="0" smtClean="0"/>
               <a:t>()</a:t>
             </a:r>
-            <a:endParaRPr lang="en-US" altLang="ko-KR" dirty="0" smtClean="0"/>
           </a:p>
         </p:txBody>
       </p:sp>
@@ -8651,6 +8609,3627 @@
     <p:extLst>
       <p:ext uri="{BB962C8B-B14F-4D97-AF65-F5344CB8AC3E}">
         <p14:creationId xmlns:p14="http://schemas.microsoft.com/office/powerpoint/2010/main" val="4225086956"/>
+      </p:ext>
+    </p:extLst>
+  </p:cSld>
+  <p:clrMapOvr>
+    <a:masterClrMapping/>
+  </p:clrMapOvr>
+</p:sld>
+</file>
+
+<file path=ppt/slides/slide14.xml><?xml version="1.0" encoding="utf-8"?>
+<p:sld xmlns:a="http://schemas.openxmlformats.org/drawingml/2006/main" xmlns:r="http://schemas.openxmlformats.org/officeDocument/2006/relationships" xmlns:p="http://schemas.openxmlformats.org/presentationml/2006/main">
+  <p:cSld>
+    <p:spTree>
+      <p:nvGrpSpPr>
+        <p:cNvPr id="1" name=""/>
+        <p:cNvGrpSpPr/>
+        <p:nvPr/>
+      </p:nvGrpSpPr>
+      <p:grpSpPr>
+        <a:xfrm>
+          <a:off x="0" y="0"/>
+          <a:ext cx="0" cy="0"/>
+          <a:chOff x="0" y="0"/>
+          <a:chExt cx="0" cy="0"/>
+        </a:xfrm>
+      </p:grpSpPr>
+      <p:sp>
+        <p:nvSpPr>
+          <p:cNvPr id="4" name="제목 3"/>
+          <p:cNvSpPr>
+            <a:spLocks noGrp="1"/>
+          </p:cNvSpPr>
+          <p:nvPr>
+            <p:ph type="title"/>
+          </p:nvPr>
+        </p:nvSpPr>
+        <p:spPr/>
+        <p:txBody>
+          <a:bodyPr>
+            <a:normAutofit fontScale="90000"/>
+          </a:bodyPr>
+          <a:lstStyle/>
+          <a:p>
+            <a:r>
+              <a:rPr lang="ko-KR" altLang="en-US" dirty="0" smtClean="0"/>
+              <a:t>다중상속</a:t>
+            </a:r>
+            <a:r>
+              <a:rPr lang="en-US" altLang="ko-KR" dirty="0"/>
+              <a:t/>
+            </a:r>
+            <a:br>
+              <a:rPr lang="en-US" altLang="ko-KR" dirty="0"/>
+            </a:br>
+            <a:r>
+              <a:rPr lang="ko-KR" altLang="en-US" dirty="0" smtClean="0"/>
+              <a:t>다이아몬드 문제</a:t>
+            </a:r>
+            <a:endParaRPr lang="ko-KR" altLang="en-US" dirty="0"/>
+          </a:p>
+        </p:txBody>
+      </p:sp>
+      <p:sp>
+        <p:nvSpPr>
+          <p:cNvPr id="6" name="직사각형 5"/>
+          <p:cNvSpPr/>
+          <p:nvPr/>
+        </p:nvSpPr>
+        <p:spPr>
+          <a:xfrm>
+            <a:off x="1007604" y="2852936"/>
+            <a:ext cx="1224136" cy="720080"/>
+          </a:xfrm>
+          <a:prstGeom prst="rect">
+            <a:avLst/>
+          </a:prstGeom>
+        </p:spPr>
+        <p:style>
+          <a:lnRef idx="2">
+            <a:schemeClr val="accent1">
+              <a:shade val="50000"/>
+            </a:schemeClr>
+          </a:lnRef>
+          <a:fillRef idx="1">
+            <a:schemeClr val="accent1"/>
+          </a:fillRef>
+          <a:effectRef idx="0">
+            <a:schemeClr val="accent1"/>
+          </a:effectRef>
+          <a:fontRef idx="minor">
+            <a:schemeClr val="lt1"/>
+          </a:fontRef>
+        </p:style>
+        <p:txBody>
+          <a:bodyPr rtlCol="0" anchor="ctr"/>
+          <a:lstStyle/>
+          <a:p>
+            <a:pPr algn="ctr"/>
+            <a:r>
+              <a:rPr lang="ko-KR" altLang="en-US" dirty="0" smtClean="0"/>
+              <a:t>부모</a:t>
+            </a:r>
+            <a:endParaRPr lang="en-US" altLang="ko-KR" dirty="0" smtClean="0"/>
+          </a:p>
+          <a:p>
+            <a:pPr algn="ctr"/>
+            <a:r>
+              <a:rPr lang="ko-KR" altLang="en-US" dirty="0" smtClean="0"/>
+              <a:t>클래</a:t>
+            </a:r>
+            <a:r>
+              <a:rPr lang="ko-KR" altLang="en-US" dirty="0"/>
+              <a:t>스</a:t>
+            </a:r>
+          </a:p>
+        </p:txBody>
+      </p:sp>
+      <p:sp>
+        <p:nvSpPr>
+          <p:cNvPr id="7" name="직사각형 6"/>
+          <p:cNvSpPr/>
+          <p:nvPr/>
+        </p:nvSpPr>
+        <p:spPr>
+          <a:xfrm>
+            <a:off x="1619672" y="4581128"/>
+            <a:ext cx="1224136" cy="720080"/>
+          </a:xfrm>
+          <a:prstGeom prst="rect">
+            <a:avLst/>
+          </a:prstGeom>
+        </p:spPr>
+        <p:style>
+          <a:lnRef idx="2">
+            <a:schemeClr val="accent1">
+              <a:shade val="50000"/>
+            </a:schemeClr>
+          </a:lnRef>
+          <a:fillRef idx="1">
+            <a:schemeClr val="accent1"/>
+          </a:fillRef>
+          <a:effectRef idx="0">
+            <a:schemeClr val="accent1"/>
+          </a:effectRef>
+          <a:fontRef idx="minor">
+            <a:schemeClr val="lt1"/>
+          </a:fontRef>
+        </p:style>
+        <p:txBody>
+          <a:bodyPr rtlCol="0" anchor="ctr"/>
+          <a:lstStyle/>
+          <a:p>
+            <a:pPr algn="ctr"/>
+            <a:r>
+              <a:rPr lang="ko-KR" altLang="en-US" dirty="0" smtClean="0"/>
+              <a:t>자식</a:t>
+            </a:r>
+            <a:endParaRPr lang="en-US" altLang="ko-KR" dirty="0" smtClean="0"/>
+          </a:p>
+          <a:p>
+            <a:pPr algn="ctr"/>
+            <a:r>
+              <a:rPr lang="ko-KR" altLang="en-US" dirty="0" smtClean="0"/>
+              <a:t>클래</a:t>
+            </a:r>
+            <a:r>
+              <a:rPr lang="ko-KR" altLang="en-US" dirty="0"/>
+              <a:t>스</a:t>
+            </a:r>
+          </a:p>
+        </p:txBody>
+      </p:sp>
+      <p:sp>
+        <p:nvSpPr>
+          <p:cNvPr id="9" name="TextBox 8"/>
+          <p:cNvSpPr txBox="1"/>
+          <p:nvPr/>
+        </p:nvSpPr>
+        <p:spPr>
+          <a:xfrm>
+            <a:off x="1835696" y="2132856"/>
+            <a:ext cx="685637" cy="369332"/>
+          </a:xfrm>
+          <a:prstGeom prst="rect">
+            <a:avLst/>
+          </a:prstGeom>
+          <a:noFill/>
+        </p:spPr>
+        <p:txBody>
+          <a:bodyPr wrap="none" rtlCol="0">
+            <a:spAutoFit/>
+          </a:bodyPr>
+          <a:lstStyle/>
+          <a:p>
+            <a:r>
+              <a:rPr lang="en-US" altLang="ko-KR" dirty="0" smtClean="0"/>
+              <a:t>JAVA</a:t>
+            </a:r>
+            <a:endParaRPr lang="ko-KR" altLang="en-US" dirty="0"/>
+          </a:p>
+        </p:txBody>
+      </p:sp>
+      <p:sp>
+        <p:nvSpPr>
+          <p:cNvPr id="12" name="직사각형 11"/>
+          <p:cNvSpPr/>
+          <p:nvPr/>
+        </p:nvSpPr>
+        <p:spPr>
+          <a:xfrm>
+            <a:off x="4932040" y="2852936"/>
+            <a:ext cx="1224136" cy="720080"/>
+          </a:xfrm>
+          <a:prstGeom prst="rect">
+            <a:avLst/>
+          </a:prstGeom>
+        </p:spPr>
+        <p:style>
+          <a:lnRef idx="2">
+            <a:schemeClr val="accent1">
+              <a:shade val="50000"/>
+            </a:schemeClr>
+          </a:lnRef>
+          <a:fillRef idx="1">
+            <a:schemeClr val="accent1"/>
+          </a:fillRef>
+          <a:effectRef idx="0">
+            <a:schemeClr val="accent1"/>
+          </a:effectRef>
+          <a:fontRef idx="minor">
+            <a:schemeClr val="lt1"/>
+          </a:fontRef>
+        </p:style>
+        <p:txBody>
+          <a:bodyPr rtlCol="0" anchor="ctr"/>
+          <a:lstStyle/>
+          <a:p>
+            <a:pPr algn="ctr"/>
+            <a:r>
+              <a:rPr lang="ko-KR" altLang="en-US" dirty="0" smtClean="0"/>
+              <a:t>부모</a:t>
+            </a:r>
+            <a:endParaRPr lang="en-US" altLang="ko-KR" dirty="0" smtClean="0"/>
+          </a:p>
+          <a:p>
+            <a:pPr algn="ctr"/>
+            <a:r>
+              <a:rPr lang="ko-KR" altLang="en-US" dirty="0" smtClean="0"/>
+              <a:t>클래</a:t>
+            </a:r>
+            <a:r>
+              <a:rPr lang="ko-KR" altLang="en-US" dirty="0"/>
+              <a:t>스</a:t>
+            </a:r>
+          </a:p>
+        </p:txBody>
+      </p:sp>
+      <p:sp>
+        <p:nvSpPr>
+          <p:cNvPr id="13" name="직사각형 12"/>
+          <p:cNvSpPr/>
+          <p:nvPr/>
+        </p:nvSpPr>
+        <p:spPr>
+          <a:xfrm>
+            <a:off x="5940152" y="4581128"/>
+            <a:ext cx="1224136" cy="720080"/>
+          </a:xfrm>
+          <a:prstGeom prst="rect">
+            <a:avLst/>
+          </a:prstGeom>
+        </p:spPr>
+        <p:style>
+          <a:lnRef idx="2">
+            <a:schemeClr val="accent1">
+              <a:shade val="50000"/>
+            </a:schemeClr>
+          </a:lnRef>
+          <a:fillRef idx="1">
+            <a:schemeClr val="accent1"/>
+          </a:fillRef>
+          <a:effectRef idx="0">
+            <a:schemeClr val="accent1"/>
+          </a:effectRef>
+          <a:fontRef idx="minor">
+            <a:schemeClr val="lt1"/>
+          </a:fontRef>
+        </p:style>
+        <p:txBody>
+          <a:bodyPr rtlCol="0" anchor="ctr"/>
+          <a:lstStyle/>
+          <a:p>
+            <a:pPr algn="ctr"/>
+            <a:r>
+              <a:rPr lang="ko-KR" altLang="en-US" dirty="0" smtClean="0"/>
+              <a:t>자식</a:t>
+            </a:r>
+            <a:endParaRPr lang="en-US" altLang="ko-KR" dirty="0" smtClean="0"/>
+          </a:p>
+          <a:p>
+            <a:pPr algn="ctr"/>
+            <a:r>
+              <a:rPr lang="ko-KR" altLang="en-US" dirty="0" smtClean="0"/>
+              <a:t>클래</a:t>
+            </a:r>
+            <a:r>
+              <a:rPr lang="ko-KR" altLang="en-US" dirty="0"/>
+              <a:t>스</a:t>
+            </a:r>
+          </a:p>
+        </p:txBody>
+      </p:sp>
+      <p:sp>
+        <p:nvSpPr>
+          <p:cNvPr id="15" name="직사각형 14"/>
+          <p:cNvSpPr/>
+          <p:nvPr/>
+        </p:nvSpPr>
+        <p:spPr>
+          <a:xfrm>
+            <a:off x="6948264" y="2852936"/>
+            <a:ext cx="1224136" cy="720080"/>
+          </a:xfrm>
+          <a:prstGeom prst="rect">
+            <a:avLst/>
+          </a:prstGeom>
+        </p:spPr>
+        <p:style>
+          <a:lnRef idx="2">
+            <a:schemeClr val="accent1">
+              <a:shade val="50000"/>
+            </a:schemeClr>
+          </a:lnRef>
+          <a:fillRef idx="1">
+            <a:schemeClr val="accent1"/>
+          </a:fillRef>
+          <a:effectRef idx="0">
+            <a:schemeClr val="accent1"/>
+          </a:effectRef>
+          <a:fontRef idx="minor">
+            <a:schemeClr val="lt1"/>
+          </a:fontRef>
+        </p:style>
+        <p:txBody>
+          <a:bodyPr rtlCol="0" anchor="ctr"/>
+          <a:lstStyle/>
+          <a:p>
+            <a:pPr algn="ctr"/>
+            <a:r>
+              <a:rPr lang="ko-KR" altLang="en-US" dirty="0" smtClean="0"/>
+              <a:t>부모</a:t>
+            </a:r>
+            <a:endParaRPr lang="en-US" altLang="ko-KR" dirty="0" smtClean="0"/>
+          </a:p>
+          <a:p>
+            <a:pPr algn="ctr"/>
+            <a:r>
+              <a:rPr lang="ko-KR" altLang="en-US" dirty="0" smtClean="0"/>
+              <a:t>클래</a:t>
+            </a:r>
+            <a:r>
+              <a:rPr lang="ko-KR" altLang="en-US" dirty="0"/>
+              <a:t>스</a:t>
+            </a:r>
+          </a:p>
+        </p:txBody>
+      </p:sp>
+      <p:cxnSp>
+        <p:nvCxnSpPr>
+          <p:cNvPr id="17" name="꺾인 연결선 16"/>
+          <p:cNvCxnSpPr>
+            <a:stCxn id="13" idx="0"/>
+            <a:endCxn id="12" idx="2"/>
+          </p:cNvCxnSpPr>
+          <p:nvPr/>
+        </p:nvCxnSpPr>
+        <p:spPr>
+          <a:xfrm rot="16200000" flipV="1">
+            <a:off x="5544108" y="3573016"/>
+            <a:ext cx="1008112" cy="1008112"/>
+          </a:xfrm>
+          <a:prstGeom prst="bentConnector3">
+            <a:avLst/>
+          </a:prstGeom>
+          <a:ln>
+            <a:headEnd type="none" w="med" len="med"/>
+            <a:tailEnd type="triangle" w="med" len="med"/>
+          </a:ln>
+        </p:spPr>
+        <p:style>
+          <a:lnRef idx="1">
+            <a:schemeClr val="dk1"/>
+          </a:lnRef>
+          <a:fillRef idx="0">
+            <a:schemeClr val="dk1"/>
+          </a:fillRef>
+          <a:effectRef idx="0">
+            <a:schemeClr val="dk1"/>
+          </a:effectRef>
+          <a:fontRef idx="minor">
+            <a:schemeClr val="tx1"/>
+          </a:fontRef>
+        </p:style>
+      </p:cxnSp>
+      <p:sp>
+        <p:nvSpPr>
+          <p:cNvPr id="18" name="TextBox 17"/>
+          <p:cNvSpPr txBox="1"/>
+          <p:nvPr/>
+        </p:nvSpPr>
+        <p:spPr>
+          <a:xfrm>
+            <a:off x="6148189" y="2117735"/>
+            <a:ext cx="654346" cy="369332"/>
+          </a:xfrm>
+          <a:prstGeom prst="rect">
+            <a:avLst/>
+          </a:prstGeom>
+          <a:noFill/>
+        </p:spPr>
+        <p:txBody>
+          <a:bodyPr wrap="none" rtlCol="0">
+            <a:spAutoFit/>
+          </a:bodyPr>
+          <a:lstStyle/>
+          <a:p>
+            <a:pPr algn="ctr"/>
+            <a:r>
+              <a:rPr lang="en-US" altLang="ko-KR" dirty="0" smtClean="0"/>
+              <a:t>C++</a:t>
+            </a:r>
+            <a:endParaRPr lang="ko-KR" altLang="en-US" dirty="0"/>
+          </a:p>
+        </p:txBody>
+      </p:sp>
+      <p:cxnSp>
+        <p:nvCxnSpPr>
+          <p:cNvPr id="19" name="꺾인 연결선 18"/>
+          <p:cNvCxnSpPr>
+            <a:stCxn id="13" idx="0"/>
+            <a:endCxn id="15" idx="2"/>
+          </p:cNvCxnSpPr>
+          <p:nvPr/>
+        </p:nvCxnSpPr>
+        <p:spPr>
+          <a:xfrm rot="5400000" flipH="1" flipV="1">
+            <a:off x="6552220" y="3573016"/>
+            <a:ext cx="1008112" cy="1008112"/>
+          </a:xfrm>
+          <a:prstGeom prst="bentConnector3">
+            <a:avLst/>
+          </a:prstGeom>
+          <a:ln>
+            <a:headEnd type="none" w="med" len="med"/>
+            <a:tailEnd type="triangle" w="med" len="med"/>
+          </a:ln>
+        </p:spPr>
+        <p:style>
+          <a:lnRef idx="1">
+            <a:schemeClr val="dk1"/>
+          </a:lnRef>
+          <a:fillRef idx="0">
+            <a:schemeClr val="dk1"/>
+          </a:fillRef>
+          <a:effectRef idx="0">
+            <a:schemeClr val="dk1"/>
+          </a:effectRef>
+          <a:fontRef idx="minor">
+            <a:schemeClr val="tx1"/>
+          </a:fontRef>
+        </p:style>
+      </p:cxnSp>
+      <p:cxnSp>
+        <p:nvCxnSpPr>
+          <p:cNvPr id="22" name="꺾인 연결선 21"/>
+          <p:cNvCxnSpPr>
+            <a:stCxn id="7" idx="0"/>
+            <a:endCxn id="6" idx="2"/>
+          </p:cNvCxnSpPr>
+          <p:nvPr/>
+        </p:nvCxnSpPr>
+        <p:spPr>
+          <a:xfrm rot="16200000" flipV="1">
+            <a:off x="1421650" y="3771038"/>
+            <a:ext cx="1008112" cy="612068"/>
+          </a:xfrm>
+          <a:prstGeom prst="bentConnector3">
+            <a:avLst/>
+          </a:prstGeom>
+          <a:ln>
+            <a:headEnd type="none" w="med" len="med"/>
+            <a:tailEnd type="triangle" w="med" len="med"/>
+          </a:ln>
+        </p:spPr>
+        <p:style>
+          <a:lnRef idx="1">
+            <a:schemeClr val="dk1"/>
+          </a:lnRef>
+          <a:fillRef idx="0">
+            <a:schemeClr val="dk1"/>
+          </a:fillRef>
+          <a:effectRef idx="0">
+            <a:schemeClr val="dk1"/>
+          </a:effectRef>
+          <a:fontRef idx="minor">
+            <a:schemeClr val="tx1"/>
+          </a:fontRef>
+        </p:style>
+      </p:cxnSp>
+      <p:sp>
+        <p:nvSpPr>
+          <p:cNvPr id="26" name="직사각형 25"/>
+          <p:cNvSpPr/>
+          <p:nvPr/>
+        </p:nvSpPr>
+        <p:spPr>
+          <a:xfrm>
+            <a:off x="2508738" y="2852936"/>
+            <a:ext cx="1224136" cy="720080"/>
+          </a:xfrm>
+          <a:prstGeom prst="rect">
+            <a:avLst/>
+          </a:prstGeom>
+        </p:spPr>
+        <p:style>
+          <a:lnRef idx="2">
+            <a:schemeClr val="accent1">
+              <a:shade val="50000"/>
+            </a:schemeClr>
+          </a:lnRef>
+          <a:fillRef idx="1">
+            <a:schemeClr val="accent1"/>
+          </a:fillRef>
+          <a:effectRef idx="0">
+            <a:schemeClr val="accent1"/>
+          </a:effectRef>
+          <a:fontRef idx="minor">
+            <a:schemeClr val="lt1"/>
+          </a:fontRef>
+        </p:style>
+        <p:txBody>
+          <a:bodyPr rtlCol="0" anchor="ctr"/>
+          <a:lstStyle/>
+          <a:p>
+            <a:pPr algn="ctr"/>
+            <a:r>
+              <a:rPr lang="ko-KR" altLang="en-US" sz="1600" dirty="0" smtClean="0"/>
+              <a:t>인터페이</a:t>
+            </a:r>
+            <a:r>
+              <a:rPr lang="ko-KR" altLang="en-US" sz="1600" dirty="0"/>
+              <a:t>스</a:t>
+            </a:r>
+          </a:p>
+        </p:txBody>
+      </p:sp>
+      <p:sp>
+        <p:nvSpPr>
+          <p:cNvPr id="27" name="직사각형 26"/>
+          <p:cNvSpPr/>
+          <p:nvPr/>
+        </p:nvSpPr>
+        <p:spPr>
+          <a:xfrm>
+            <a:off x="2579354" y="2791563"/>
+            <a:ext cx="1224136" cy="720080"/>
+          </a:xfrm>
+          <a:prstGeom prst="rect">
+            <a:avLst/>
+          </a:prstGeom>
+        </p:spPr>
+        <p:style>
+          <a:lnRef idx="2">
+            <a:schemeClr val="accent1">
+              <a:shade val="50000"/>
+            </a:schemeClr>
+          </a:lnRef>
+          <a:fillRef idx="1">
+            <a:schemeClr val="accent1"/>
+          </a:fillRef>
+          <a:effectRef idx="0">
+            <a:schemeClr val="accent1"/>
+          </a:effectRef>
+          <a:fontRef idx="minor">
+            <a:schemeClr val="lt1"/>
+          </a:fontRef>
+        </p:style>
+        <p:txBody>
+          <a:bodyPr rtlCol="0" anchor="ctr"/>
+          <a:lstStyle/>
+          <a:p>
+            <a:pPr algn="ctr"/>
+            <a:r>
+              <a:rPr lang="ko-KR" altLang="en-US" sz="1600" dirty="0" smtClean="0"/>
+              <a:t>인터페이</a:t>
+            </a:r>
+            <a:r>
+              <a:rPr lang="ko-KR" altLang="en-US" sz="1600" dirty="0"/>
+              <a:t>스</a:t>
+            </a:r>
+          </a:p>
+        </p:txBody>
+      </p:sp>
+      <p:sp>
+        <p:nvSpPr>
+          <p:cNvPr id="28" name="직사각형 27"/>
+          <p:cNvSpPr/>
+          <p:nvPr/>
+        </p:nvSpPr>
+        <p:spPr>
+          <a:xfrm>
+            <a:off x="2699792" y="2708920"/>
+            <a:ext cx="1224136" cy="720080"/>
+          </a:xfrm>
+          <a:prstGeom prst="rect">
+            <a:avLst/>
+          </a:prstGeom>
+        </p:spPr>
+        <p:style>
+          <a:lnRef idx="2">
+            <a:schemeClr val="accent1">
+              <a:shade val="50000"/>
+            </a:schemeClr>
+          </a:lnRef>
+          <a:fillRef idx="1">
+            <a:schemeClr val="accent1"/>
+          </a:fillRef>
+          <a:effectRef idx="0">
+            <a:schemeClr val="accent1"/>
+          </a:effectRef>
+          <a:fontRef idx="minor">
+            <a:schemeClr val="lt1"/>
+          </a:fontRef>
+        </p:style>
+        <p:txBody>
+          <a:bodyPr rtlCol="0" anchor="ctr"/>
+          <a:lstStyle/>
+          <a:p>
+            <a:pPr algn="ctr"/>
+            <a:r>
+              <a:rPr lang="ko-KR" altLang="en-US" sz="1600" dirty="0" smtClean="0"/>
+              <a:t>인터페이</a:t>
+            </a:r>
+            <a:r>
+              <a:rPr lang="ko-KR" altLang="en-US" sz="1600" dirty="0"/>
+              <a:t>스</a:t>
+            </a:r>
+          </a:p>
+        </p:txBody>
+      </p:sp>
+      <p:cxnSp>
+        <p:nvCxnSpPr>
+          <p:cNvPr id="29" name="꺾인 연결선 28"/>
+          <p:cNvCxnSpPr>
+            <a:stCxn id="7" idx="0"/>
+            <a:endCxn id="26" idx="2"/>
+          </p:cNvCxnSpPr>
+          <p:nvPr/>
+        </p:nvCxnSpPr>
+        <p:spPr>
+          <a:xfrm rot="5400000" flipH="1" flipV="1">
+            <a:off x="2172217" y="3632539"/>
+            <a:ext cx="1008112" cy="889066"/>
+          </a:xfrm>
+          <a:prstGeom prst="bentConnector3">
+            <a:avLst/>
+          </a:prstGeom>
+          <a:ln>
+            <a:headEnd type="none" w="med" len="med"/>
+            <a:tailEnd type="triangle" w="med" len="med"/>
+          </a:ln>
+        </p:spPr>
+        <p:style>
+          <a:lnRef idx="1">
+            <a:schemeClr val="dk1"/>
+          </a:lnRef>
+          <a:fillRef idx="0">
+            <a:schemeClr val="dk1"/>
+          </a:fillRef>
+          <a:effectRef idx="0">
+            <a:schemeClr val="dk1"/>
+          </a:effectRef>
+          <a:fontRef idx="minor">
+            <a:schemeClr val="tx1"/>
+          </a:fontRef>
+        </p:style>
+      </p:cxnSp>
+      <p:sp>
+        <p:nvSpPr>
+          <p:cNvPr id="33" name="직사각형 32"/>
+          <p:cNvSpPr/>
+          <p:nvPr/>
+        </p:nvSpPr>
+        <p:spPr>
+          <a:xfrm>
+            <a:off x="7056276" y="2791563"/>
+            <a:ext cx="1224136" cy="720080"/>
+          </a:xfrm>
+          <a:prstGeom prst="rect">
+            <a:avLst/>
+          </a:prstGeom>
+        </p:spPr>
+        <p:style>
+          <a:lnRef idx="2">
+            <a:schemeClr val="accent1">
+              <a:shade val="50000"/>
+            </a:schemeClr>
+          </a:lnRef>
+          <a:fillRef idx="1">
+            <a:schemeClr val="accent1"/>
+          </a:fillRef>
+          <a:effectRef idx="0">
+            <a:schemeClr val="accent1"/>
+          </a:effectRef>
+          <a:fontRef idx="minor">
+            <a:schemeClr val="lt1"/>
+          </a:fontRef>
+        </p:style>
+        <p:txBody>
+          <a:bodyPr rtlCol="0" anchor="ctr"/>
+          <a:lstStyle/>
+          <a:p>
+            <a:pPr algn="ctr"/>
+            <a:r>
+              <a:rPr lang="ko-KR" altLang="en-US" dirty="0" smtClean="0"/>
+              <a:t>부모</a:t>
+            </a:r>
+            <a:endParaRPr lang="en-US" altLang="ko-KR" dirty="0" smtClean="0"/>
+          </a:p>
+          <a:p>
+            <a:pPr algn="ctr"/>
+            <a:r>
+              <a:rPr lang="ko-KR" altLang="en-US" dirty="0" smtClean="0"/>
+              <a:t>클래</a:t>
+            </a:r>
+            <a:r>
+              <a:rPr lang="ko-KR" altLang="en-US" dirty="0"/>
+              <a:t>스</a:t>
+            </a:r>
+          </a:p>
+        </p:txBody>
+      </p:sp>
+      <p:sp>
+        <p:nvSpPr>
+          <p:cNvPr id="34" name="직사각형 33"/>
+          <p:cNvSpPr/>
+          <p:nvPr/>
+        </p:nvSpPr>
+        <p:spPr>
+          <a:xfrm>
+            <a:off x="7164288" y="2703255"/>
+            <a:ext cx="1224136" cy="720080"/>
+          </a:xfrm>
+          <a:prstGeom prst="rect">
+            <a:avLst/>
+          </a:prstGeom>
+        </p:spPr>
+        <p:style>
+          <a:lnRef idx="2">
+            <a:schemeClr val="accent1">
+              <a:shade val="50000"/>
+            </a:schemeClr>
+          </a:lnRef>
+          <a:fillRef idx="1">
+            <a:schemeClr val="accent1"/>
+          </a:fillRef>
+          <a:effectRef idx="0">
+            <a:schemeClr val="accent1"/>
+          </a:effectRef>
+          <a:fontRef idx="minor">
+            <a:schemeClr val="lt1"/>
+          </a:fontRef>
+        </p:style>
+        <p:txBody>
+          <a:bodyPr rtlCol="0" anchor="ctr"/>
+          <a:lstStyle/>
+          <a:p>
+            <a:pPr algn="ctr"/>
+            <a:r>
+              <a:rPr lang="ko-KR" altLang="en-US" dirty="0" smtClean="0"/>
+              <a:t>부모</a:t>
+            </a:r>
+            <a:endParaRPr lang="en-US" altLang="ko-KR" dirty="0" smtClean="0"/>
+          </a:p>
+          <a:p>
+            <a:pPr algn="ctr"/>
+            <a:r>
+              <a:rPr lang="ko-KR" altLang="en-US" dirty="0" smtClean="0"/>
+              <a:t>클래</a:t>
+            </a:r>
+            <a:r>
+              <a:rPr lang="ko-KR" altLang="en-US" dirty="0"/>
+              <a:t>스</a:t>
+            </a:r>
+          </a:p>
+        </p:txBody>
+      </p:sp>
+    </p:spTree>
+    <p:extLst>
+      <p:ext uri="{BB962C8B-B14F-4D97-AF65-F5344CB8AC3E}">
+        <p14:creationId xmlns:p14="http://schemas.microsoft.com/office/powerpoint/2010/main" val="979727177"/>
+      </p:ext>
+    </p:extLst>
+  </p:cSld>
+  <p:clrMapOvr>
+    <a:masterClrMapping/>
+  </p:clrMapOvr>
+</p:sld>
+</file>
+
+<file path=ppt/slides/slide15.xml><?xml version="1.0" encoding="utf-8"?>
+<p:sld xmlns:a="http://schemas.openxmlformats.org/drawingml/2006/main" xmlns:r="http://schemas.openxmlformats.org/officeDocument/2006/relationships" xmlns:p="http://schemas.openxmlformats.org/presentationml/2006/main">
+  <p:cSld>
+    <p:spTree>
+      <p:nvGrpSpPr>
+        <p:cNvPr id="1" name=""/>
+        <p:cNvGrpSpPr/>
+        <p:nvPr/>
+      </p:nvGrpSpPr>
+      <p:grpSpPr>
+        <a:xfrm>
+          <a:off x="0" y="0"/>
+          <a:ext cx="0" cy="0"/>
+          <a:chOff x="0" y="0"/>
+          <a:chExt cx="0" cy="0"/>
+        </a:xfrm>
+      </p:grpSpPr>
+      <p:sp>
+        <p:nvSpPr>
+          <p:cNvPr id="4" name="제목 3"/>
+          <p:cNvSpPr>
+            <a:spLocks noGrp="1"/>
+          </p:cNvSpPr>
+          <p:nvPr>
+            <p:ph type="title"/>
+          </p:nvPr>
+        </p:nvSpPr>
+        <p:spPr/>
+        <p:txBody>
+          <a:bodyPr>
+            <a:normAutofit fontScale="90000"/>
+          </a:bodyPr>
+          <a:lstStyle/>
+          <a:p>
+            <a:r>
+              <a:rPr lang="ko-KR" altLang="en-US" dirty="0" smtClean="0"/>
+              <a:t>다중상속</a:t>
+            </a:r>
+            <a:r>
+              <a:rPr lang="en-US" altLang="ko-KR" dirty="0"/>
+              <a:t/>
+            </a:r>
+            <a:br>
+              <a:rPr lang="en-US" altLang="ko-KR" dirty="0"/>
+            </a:br>
+            <a:r>
+              <a:rPr lang="ko-KR" altLang="en-US" dirty="0" smtClean="0"/>
+              <a:t>다이아몬드 문제</a:t>
+            </a:r>
+            <a:endParaRPr lang="ko-KR" altLang="en-US" dirty="0"/>
+          </a:p>
+        </p:txBody>
+      </p:sp>
+      <p:sp>
+        <p:nvSpPr>
+          <p:cNvPr id="12" name="직사각형 11"/>
+          <p:cNvSpPr/>
+          <p:nvPr/>
+        </p:nvSpPr>
+        <p:spPr>
+          <a:xfrm>
+            <a:off x="2627784" y="3501008"/>
+            <a:ext cx="1224136" cy="720080"/>
+          </a:xfrm>
+          <a:prstGeom prst="rect">
+            <a:avLst/>
+          </a:prstGeom>
+        </p:spPr>
+        <p:style>
+          <a:lnRef idx="2">
+            <a:schemeClr val="accent1">
+              <a:shade val="50000"/>
+            </a:schemeClr>
+          </a:lnRef>
+          <a:fillRef idx="1">
+            <a:schemeClr val="accent1"/>
+          </a:fillRef>
+          <a:effectRef idx="0">
+            <a:schemeClr val="accent1"/>
+          </a:effectRef>
+          <a:fontRef idx="minor">
+            <a:schemeClr val="lt1"/>
+          </a:fontRef>
+        </p:style>
+        <p:txBody>
+          <a:bodyPr rtlCol="0" anchor="ctr"/>
+          <a:lstStyle/>
+          <a:p>
+            <a:pPr algn="ctr"/>
+            <a:r>
+              <a:rPr lang="ko-KR" altLang="en-US" dirty="0" smtClean="0"/>
+              <a:t>부모</a:t>
+            </a:r>
+            <a:endParaRPr lang="en-US" altLang="ko-KR" dirty="0" smtClean="0"/>
+          </a:p>
+          <a:p>
+            <a:pPr algn="ctr"/>
+            <a:r>
+              <a:rPr lang="ko-KR" altLang="en-US" dirty="0" smtClean="0"/>
+              <a:t>클래</a:t>
+            </a:r>
+            <a:r>
+              <a:rPr lang="ko-KR" altLang="en-US" dirty="0"/>
+              <a:t>스</a:t>
+            </a:r>
+          </a:p>
+        </p:txBody>
+      </p:sp>
+      <p:sp>
+        <p:nvSpPr>
+          <p:cNvPr id="13" name="직사각형 12"/>
+          <p:cNvSpPr/>
+          <p:nvPr/>
+        </p:nvSpPr>
+        <p:spPr>
+          <a:xfrm>
+            <a:off x="3635896" y="5336318"/>
+            <a:ext cx="1224136" cy="720080"/>
+          </a:xfrm>
+          <a:prstGeom prst="rect">
+            <a:avLst/>
+          </a:prstGeom>
+        </p:spPr>
+        <p:style>
+          <a:lnRef idx="2">
+            <a:schemeClr val="accent1">
+              <a:shade val="50000"/>
+            </a:schemeClr>
+          </a:lnRef>
+          <a:fillRef idx="1">
+            <a:schemeClr val="accent1"/>
+          </a:fillRef>
+          <a:effectRef idx="0">
+            <a:schemeClr val="accent1"/>
+          </a:effectRef>
+          <a:fontRef idx="minor">
+            <a:schemeClr val="lt1"/>
+          </a:fontRef>
+        </p:style>
+        <p:txBody>
+          <a:bodyPr rtlCol="0" anchor="ctr"/>
+          <a:lstStyle/>
+          <a:p>
+            <a:pPr algn="ctr"/>
+            <a:r>
+              <a:rPr lang="ko-KR" altLang="en-US" dirty="0" smtClean="0"/>
+              <a:t>자식</a:t>
+            </a:r>
+            <a:endParaRPr lang="en-US" altLang="ko-KR" dirty="0" smtClean="0"/>
+          </a:p>
+          <a:p>
+            <a:pPr algn="ctr"/>
+            <a:r>
+              <a:rPr lang="ko-KR" altLang="en-US" dirty="0" smtClean="0"/>
+              <a:t>클래</a:t>
+            </a:r>
+            <a:r>
+              <a:rPr lang="ko-KR" altLang="en-US" dirty="0"/>
+              <a:t>스</a:t>
+            </a:r>
+          </a:p>
+        </p:txBody>
+      </p:sp>
+      <p:sp>
+        <p:nvSpPr>
+          <p:cNvPr id="15" name="직사각형 14"/>
+          <p:cNvSpPr/>
+          <p:nvPr/>
+        </p:nvSpPr>
+        <p:spPr>
+          <a:xfrm>
+            <a:off x="4644008" y="3501008"/>
+            <a:ext cx="1224136" cy="720080"/>
+          </a:xfrm>
+          <a:prstGeom prst="rect">
+            <a:avLst/>
+          </a:prstGeom>
+        </p:spPr>
+        <p:style>
+          <a:lnRef idx="2">
+            <a:schemeClr val="accent1">
+              <a:shade val="50000"/>
+            </a:schemeClr>
+          </a:lnRef>
+          <a:fillRef idx="1">
+            <a:schemeClr val="accent1"/>
+          </a:fillRef>
+          <a:effectRef idx="0">
+            <a:schemeClr val="accent1"/>
+          </a:effectRef>
+          <a:fontRef idx="minor">
+            <a:schemeClr val="lt1"/>
+          </a:fontRef>
+        </p:style>
+        <p:txBody>
+          <a:bodyPr rtlCol="0" anchor="ctr"/>
+          <a:lstStyle/>
+          <a:p>
+            <a:pPr algn="ctr"/>
+            <a:r>
+              <a:rPr lang="ko-KR" altLang="en-US" dirty="0" smtClean="0"/>
+              <a:t>부모</a:t>
+            </a:r>
+            <a:endParaRPr lang="en-US" altLang="ko-KR" dirty="0" smtClean="0"/>
+          </a:p>
+          <a:p>
+            <a:pPr algn="ctr"/>
+            <a:r>
+              <a:rPr lang="ko-KR" altLang="en-US" dirty="0" smtClean="0"/>
+              <a:t>클래</a:t>
+            </a:r>
+            <a:r>
+              <a:rPr lang="ko-KR" altLang="en-US" dirty="0"/>
+              <a:t>스</a:t>
+            </a:r>
+          </a:p>
+        </p:txBody>
+      </p:sp>
+      <p:cxnSp>
+        <p:nvCxnSpPr>
+          <p:cNvPr id="17" name="꺾인 연결선 16"/>
+          <p:cNvCxnSpPr>
+            <a:stCxn id="13" idx="0"/>
+            <a:endCxn id="12" idx="2"/>
+          </p:cNvCxnSpPr>
+          <p:nvPr/>
+        </p:nvCxnSpPr>
+        <p:spPr>
+          <a:xfrm rot="16200000" flipV="1">
+            <a:off x="3186293" y="4274647"/>
+            <a:ext cx="1115230" cy="1008112"/>
+          </a:xfrm>
+          <a:prstGeom prst="bentConnector3">
+            <a:avLst/>
+          </a:prstGeom>
+          <a:ln>
+            <a:headEnd type="none" w="med" len="med"/>
+            <a:tailEnd type="triangle" w="med" len="med"/>
+          </a:ln>
+        </p:spPr>
+        <p:style>
+          <a:lnRef idx="1">
+            <a:schemeClr val="dk1"/>
+          </a:lnRef>
+          <a:fillRef idx="0">
+            <a:schemeClr val="dk1"/>
+          </a:fillRef>
+          <a:effectRef idx="0">
+            <a:schemeClr val="dk1"/>
+          </a:effectRef>
+          <a:fontRef idx="minor">
+            <a:schemeClr val="tx1"/>
+          </a:fontRef>
+        </p:style>
+      </p:cxnSp>
+      <p:sp>
+        <p:nvSpPr>
+          <p:cNvPr id="18" name="TextBox 17"/>
+          <p:cNvSpPr txBox="1"/>
+          <p:nvPr/>
+        </p:nvSpPr>
+        <p:spPr>
+          <a:xfrm>
+            <a:off x="440461" y="2492896"/>
+            <a:ext cx="1428596" cy="369332"/>
+          </a:xfrm>
+          <a:prstGeom prst="rect">
+            <a:avLst/>
+          </a:prstGeom>
+          <a:noFill/>
+        </p:spPr>
+        <p:txBody>
+          <a:bodyPr wrap="none" rtlCol="0">
+            <a:spAutoFit/>
+          </a:bodyPr>
+          <a:lstStyle/>
+          <a:p>
+            <a:pPr algn="ctr"/>
+            <a:r>
+              <a:rPr lang="en-US" altLang="ko-KR" dirty="0" smtClean="0"/>
+              <a:t>C++</a:t>
+            </a:r>
+            <a:r>
+              <a:rPr lang="ko-KR" altLang="en-US" dirty="0" smtClean="0"/>
+              <a:t>의 경우</a:t>
+            </a:r>
+            <a:endParaRPr lang="ko-KR" altLang="en-US" dirty="0"/>
+          </a:p>
+        </p:txBody>
+      </p:sp>
+      <p:cxnSp>
+        <p:nvCxnSpPr>
+          <p:cNvPr id="19" name="꺾인 연결선 18"/>
+          <p:cNvCxnSpPr>
+            <a:stCxn id="13" idx="0"/>
+            <a:endCxn id="15" idx="2"/>
+          </p:cNvCxnSpPr>
+          <p:nvPr/>
+        </p:nvCxnSpPr>
+        <p:spPr>
+          <a:xfrm rot="5400000" flipH="1" flipV="1">
+            <a:off x="4194405" y="4274647"/>
+            <a:ext cx="1115230" cy="1008112"/>
+          </a:xfrm>
+          <a:prstGeom prst="bentConnector3">
+            <a:avLst/>
+          </a:prstGeom>
+          <a:ln>
+            <a:headEnd type="none" w="med" len="med"/>
+            <a:tailEnd type="triangle" w="med" len="med"/>
+          </a:ln>
+        </p:spPr>
+        <p:style>
+          <a:lnRef idx="1">
+            <a:schemeClr val="dk1"/>
+          </a:lnRef>
+          <a:fillRef idx="0">
+            <a:schemeClr val="dk1"/>
+          </a:fillRef>
+          <a:effectRef idx="0">
+            <a:schemeClr val="dk1"/>
+          </a:effectRef>
+          <a:fontRef idx="minor">
+            <a:schemeClr val="tx1"/>
+          </a:fontRef>
+        </p:style>
+      </p:cxnSp>
+      <p:sp>
+        <p:nvSpPr>
+          <p:cNvPr id="23" name="직사각형 22"/>
+          <p:cNvSpPr/>
+          <p:nvPr/>
+        </p:nvSpPr>
+        <p:spPr>
+          <a:xfrm>
+            <a:off x="3635896" y="2020877"/>
+            <a:ext cx="1224136" cy="720080"/>
+          </a:xfrm>
+          <a:prstGeom prst="rect">
+            <a:avLst/>
+          </a:prstGeom>
+        </p:spPr>
+        <p:style>
+          <a:lnRef idx="2">
+            <a:schemeClr val="accent1">
+              <a:shade val="50000"/>
+            </a:schemeClr>
+          </a:lnRef>
+          <a:fillRef idx="1">
+            <a:schemeClr val="accent1"/>
+          </a:fillRef>
+          <a:effectRef idx="0">
+            <a:schemeClr val="accent1"/>
+          </a:effectRef>
+          <a:fontRef idx="minor">
+            <a:schemeClr val="lt1"/>
+          </a:fontRef>
+        </p:style>
+        <p:txBody>
+          <a:bodyPr rtlCol="0" anchor="ctr"/>
+          <a:lstStyle/>
+          <a:p>
+            <a:pPr algn="ctr"/>
+            <a:r>
+              <a:rPr lang="ko-KR" altLang="en-US" dirty="0" smtClean="0"/>
+              <a:t>부모</a:t>
+            </a:r>
+            <a:endParaRPr lang="en-US" altLang="ko-KR" dirty="0" smtClean="0"/>
+          </a:p>
+          <a:p>
+            <a:pPr algn="ctr"/>
+            <a:r>
+              <a:rPr lang="ko-KR" altLang="en-US" dirty="0" smtClean="0"/>
+              <a:t>클래</a:t>
+            </a:r>
+            <a:r>
+              <a:rPr lang="ko-KR" altLang="en-US" dirty="0"/>
+              <a:t>스</a:t>
+            </a:r>
+          </a:p>
+        </p:txBody>
+      </p:sp>
+      <p:cxnSp>
+        <p:nvCxnSpPr>
+          <p:cNvPr id="24" name="꺾인 연결선 23"/>
+          <p:cNvCxnSpPr>
+            <a:stCxn id="12" idx="0"/>
+            <a:endCxn id="23" idx="2"/>
+          </p:cNvCxnSpPr>
+          <p:nvPr/>
+        </p:nvCxnSpPr>
+        <p:spPr>
+          <a:xfrm rot="5400000" flipH="1" flipV="1">
+            <a:off x="3363883" y="2616927"/>
+            <a:ext cx="760051" cy="1008112"/>
+          </a:xfrm>
+          <a:prstGeom prst="bentConnector3">
+            <a:avLst/>
+          </a:prstGeom>
+          <a:ln>
+            <a:headEnd type="none" w="med" len="med"/>
+            <a:tailEnd type="triangle" w="med" len="med"/>
+          </a:ln>
+        </p:spPr>
+        <p:style>
+          <a:lnRef idx="1">
+            <a:schemeClr val="dk1"/>
+          </a:lnRef>
+          <a:fillRef idx="0">
+            <a:schemeClr val="dk1"/>
+          </a:fillRef>
+          <a:effectRef idx="0">
+            <a:schemeClr val="dk1"/>
+          </a:effectRef>
+          <a:fontRef idx="minor">
+            <a:schemeClr val="tx1"/>
+          </a:fontRef>
+        </p:style>
+      </p:cxnSp>
+      <p:cxnSp>
+        <p:nvCxnSpPr>
+          <p:cNvPr id="30" name="꺾인 연결선 29"/>
+          <p:cNvCxnSpPr>
+            <a:stCxn id="15" idx="0"/>
+            <a:endCxn id="23" idx="2"/>
+          </p:cNvCxnSpPr>
+          <p:nvPr/>
+        </p:nvCxnSpPr>
+        <p:spPr>
+          <a:xfrm rot="16200000" flipV="1">
+            <a:off x="4371995" y="2616927"/>
+            <a:ext cx="760051" cy="1008112"/>
+          </a:xfrm>
+          <a:prstGeom prst="bentConnector3">
+            <a:avLst/>
+          </a:prstGeom>
+          <a:ln>
+            <a:headEnd type="none" w="med" len="med"/>
+            <a:tailEnd type="triangle" w="med" len="med"/>
+          </a:ln>
+        </p:spPr>
+        <p:style>
+          <a:lnRef idx="1">
+            <a:schemeClr val="dk1"/>
+          </a:lnRef>
+          <a:fillRef idx="0">
+            <a:schemeClr val="dk1"/>
+          </a:fillRef>
+          <a:effectRef idx="0">
+            <a:schemeClr val="dk1"/>
+          </a:effectRef>
+          <a:fontRef idx="minor">
+            <a:schemeClr val="tx1"/>
+          </a:fontRef>
+        </p:style>
+      </p:cxnSp>
+      <p:graphicFrame>
+        <p:nvGraphicFramePr>
+          <p:cNvPr id="16" name="표 15"/>
+          <p:cNvGraphicFramePr>
+            <a:graphicFrameLocks noGrp="1"/>
+          </p:cNvGraphicFramePr>
+          <p:nvPr>
+            <p:extLst>
+              <p:ext uri="{D42A27DB-BD31-4B8C-83A1-F6EECF244321}">
+                <p14:modId xmlns:p14="http://schemas.microsoft.com/office/powerpoint/2010/main" val="870850419"/>
+              </p:ext>
+            </p:extLst>
+          </p:nvPr>
+        </p:nvGraphicFramePr>
+        <p:xfrm>
+          <a:off x="5280326" y="2048888"/>
+          <a:ext cx="2423592" cy="609600"/>
+        </p:xfrm>
+        <a:graphic>
+          <a:graphicData uri="http://schemas.openxmlformats.org/drawingml/2006/table">
+            <a:tbl>
+              <a:tblPr firstRow="1" bandRow="1">
+                <a:tableStyleId>{5C22544A-7EE6-4342-B048-85BDC9FD1C3A}</a:tableStyleId>
+              </a:tblPr>
+              <a:tblGrid>
+                <a:gridCol w="2423592"/>
+              </a:tblGrid>
+              <a:tr h="0">
+                <a:tc>
+                  <a:txBody>
+                    <a:bodyPr/>
+                    <a:lstStyle/>
+                    <a:p>
+                      <a:pPr algn="ctr" latinLnBrk="1"/>
+                      <a:r>
+                        <a:rPr lang="en-US" altLang="ko-KR" sz="1400" b="0" dirty="0" err="1" smtClean="0">
+                          <a:solidFill>
+                            <a:schemeClr val="tx1"/>
+                          </a:solidFill>
+                        </a:rPr>
+                        <a:t>GrandParents</a:t>
+                      </a:r>
+                      <a:endParaRPr lang="ko-KR" altLang="en-US" sz="1400" b="0" dirty="0">
+                        <a:solidFill>
+                          <a:schemeClr val="tx1"/>
+                        </a:solidFill>
+                      </a:endParaRPr>
+                    </a:p>
+                  </a:txBody>
+                  <a:tcPr>
+                    <a:lnL w="3175" cap="flat" cmpd="sng" algn="ctr">
+                      <a:solidFill>
+                        <a:schemeClr val="tx1"/>
+                      </a:solidFill>
+                      <a:prstDash val="solid"/>
+                      <a:round/>
+                      <a:headEnd type="none" w="med" len="med"/>
+                      <a:tailEnd type="none" w="med" len="med"/>
+                    </a:lnL>
+                    <a:lnR w="3175" cap="flat" cmpd="sng" algn="ctr">
+                      <a:solidFill>
+                        <a:schemeClr val="tx1"/>
+                      </a:solidFill>
+                      <a:prstDash val="solid"/>
+                      <a:round/>
+                      <a:headEnd type="none" w="med" len="med"/>
+                      <a:tailEnd type="none" w="med" len="med"/>
+                    </a:lnR>
+                    <a:lnT w="3175" cap="flat" cmpd="sng" algn="ctr">
+                      <a:solidFill>
+                        <a:schemeClr val="tx1"/>
+                      </a:solidFill>
+                      <a:prstDash val="solid"/>
+                      <a:round/>
+                      <a:headEnd type="none" w="med" len="med"/>
+                      <a:tailEnd type="none" w="med" len="med"/>
+                    </a:lnT>
+                    <a:lnB w="3175" cap="flat" cmpd="sng" algn="ctr">
+                      <a:solidFill>
+                        <a:schemeClr val="tx1"/>
+                      </a:solidFill>
+                      <a:prstDash val="solid"/>
+                      <a:round/>
+                      <a:headEnd type="none" w="med" len="med"/>
+                      <a:tailEnd type="none" w="med" len="med"/>
+                    </a:lnB>
+                    <a:noFill/>
+                  </a:tcPr>
+                </a:tc>
+              </a:tr>
+              <a:tr h="0">
+                <a:tc>
+                  <a:txBody>
+                    <a:bodyPr/>
+                    <a:lstStyle/>
+                    <a:p>
+                      <a:pPr algn="ctr" latinLnBrk="1"/>
+                      <a:r>
+                        <a:rPr lang="en-US" altLang="ko-KR" sz="1400" b="0" dirty="0" smtClean="0">
+                          <a:solidFill>
+                            <a:schemeClr val="tx1"/>
+                          </a:solidFill>
+                        </a:rPr>
+                        <a:t>abstract void </a:t>
+                      </a:r>
+                      <a:r>
+                        <a:rPr lang="en-US" altLang="ko-KR" sz="1400" b="0" dirty="0" err="1" smtClean="0">
+                          <a:solidFill>
+                            <a:schemeClr val="tx1"/>
+                          </a:solidFill>
+                        </a:rPr>
+                        <a:t>printHello</a:t>
+                      </a:r>
+                      <a:r>
+                        <a:rPr lang="en-US" altLang="ko-KR" sz="1400" b="0" dirty="0" smtClean="0">
+                          <a:solidFill>
+                            <a:schemeClr val="tx1"/>
+                          </a:solidFill>
+                        </a:rPr>
+                        <a:t>();</a:t>
+                      </a:r>
+                      <a:endParaRPr lang="ko-KR" altLang="en-US" sz="1400" b="0" dirty="0">
+                        <a:solidFill>
+                          <a:schemeClr val="tx1"/>
+                        </a:solidFill>
+                      </a:endParaRPr>
+                    </a:p>
+                  </a:txBody>
+                  <a:tcPr>
+                    <a:lnL w="3175" cap="flat" cmpd="sng" algn="ctr">
+                      <a:solidFill>
+                        <a:schemeClr val="tx1"/>
+                      </a:solidFill>
+                      <a:prstDash val="solid"/>
+                      <a:round/>
+                      <a:headEnd type="none" w="med" len="med"/>
+                      <a:tailEnd type="none" w="med" len="med"/>
+                    </a:lnL>
+                    <a:lnR w="3175" cap="flat" cmpd="sng" algn="ctr">
+                      <a:solidFill>
+                        <a:schemeClr val="tx1"/>
+                      </a:solidFill>
+                      <a:prstDash val="solid"/>
+                      <a:round/>
+                      <a:headEnd type="none" w="med" len="med"/>
+                      <a:tailEnd type="none" w="med" len="med"/>
+                    </a:lnR>
+                    <a:lnT w="3175" cap="flat" cmpd="sng" algn="ctr">
+                      <a:solidFill>
+                        <a:schemeClr val="tx1"/>
+                      </a:solidFill>
+                      <a:prstDash val="solid"/>
+                      <a:round/>
+                      <a:headEnd type="none" w="med" len="med"/>
+                      <a:tailEnd type="none" w="med" len="med"/>
+                    </a:lnT>
+                    <a:lnB w="3175" cap="flat" cmpd="sng" algn="ctr">
+                      <a:solidFill>
+                        <a:schemeClr val="tx1"/>
+                      </a:solidFill>
+                      <a:prstDash val="solid"/>
+                      <a:round/>
+                      <a:headEnd type="none" w="med" len="med"/>
+                      <a:tailEnd type="none" w="med" len="med"/>
+                    </a:lnB>
+                    <a:noFill/>
+                  </a:tcPr>
+                </a:tc>
+              </a:tr>
+            </a:tbl>
+          </a:graphicData>
+        </a:graphic>
+      </p:graphicFrame>
+      <p:graphicFrame>
+        <p:nvGraphicFramePr>
+          <p:cNvPr id="31" name="표 30"/>
+          <p:cNvGraphicFramePr>
+            <a:graphicFrameLocks noGrp="1"/>
+          </p:cNvGraphicFramePr>
+          <p:nvPr>
+            <p:extLst>
+              <p:ext uri="{D42A27DB-BD31-4B8C-83A1-F6EECF244321}">
+                <p14:modId xmlns:p14="http://schemas.microsoft.com/office/powerpoint/2010/main" val="2772429653"/>
+              </p:ext>
+            </p:extLst>
+          </p:nvPr>
+        </p:nvGraphicFramePr>
+        <p:xfrm>
+          <a:off x="6228184" y="3501008"/>
+          <a:ext cx="2423592" cy="822960"/>
+        </p:xfrm>
+        <a:graphic>
+          <a:graphicData uri="http://schemas.openxmlformats.org/drawingml/2006/table">
+            <a:tbl>
+              <a:tblPr firstRow="1" bandRow="1">
+                <a:tableStyleId>{5C22544A-7EE6-4342-B048-85BDC9FD1C3A}</a:tableStyleId>
+              </a:tblPr>
+              <a:tblGrid>
+                <a:gridCol w="2423592"/>
+              </a:tblGrid>
+              <a:tr h="0">
+                <a:tc>
+                  <a:txBody>
+                    <a:bodyPr/>
+                    <a:lstStyle/>
+                    <a:p>
+                      <a:pPr algn="ctr" latinLnBrk="1"/>
+                      <a:r>
+                        <a:rPr lang="en-US" altLang="ko-KR" sz="1400" b="0" dirty="0" err="1" smtClean="0">
+                          <a:solidFill>
+                            <a:schemeClr val="tx1"/>
+                          </a:solidFill>
+                        </a:rPr>
+                        <a:t>ParentsB</a:t>
+                      </a:r>
+                      <a:endParaRPr lang="ko-KR" altLang="en-US" sz="1400" b="0" dirty="0">
+                        <a:solidFill>
+                          <a:schemeClr val="tx1"/>
+                        </a:solidFill>
+                      </a:endParaRPr>
+                    </a:p>
+                  </a:txBody>
+                  <a:tcPr>
+                    <a:lnL w="3175" cap="flat" cmpd="sng" algn="ctr">
+                      <a:solidFill>
+                        <a:schemeClr val="tx1"/>
+                      </a:solidFill>
+                      <a:prstDash val="solid"/>
+                      <a:round/>
+                      <a:headEnd type="none" w="med" len="med"/>
+                      <a:tailEnd type="none" w="med" len="med"/>
+                    </a:lnL>
+                    <a:lnR w="3175" cap="flat" cmpd="sng" algn="ctr">
+                      <a:solidFill>
+                        <a:schemeClr val="tx1"/>
+                      </a:solidFill>
+                      <a:prstDash val="solid"/>
+                      <a:round/>
+                      <a:headEnd type="none" w="med" len="med"/>
+                      <a:tailEnd type="none" w="med" len="med"/>
+                    </a:lnR>
+                    <a:lnT w="3175" cap="flat" cmpd="sng" algn="ctr">
+                      <a:solidFill>
+                        <a:schemeClr val="tx1"/>
+                      </a:solidFill>
+                      <a:prstDash val="solid"/>
+                      <a:round/>
+                      <a:headEnd type="none" w="med" len="med"/>
+                      <a:tailEnd type="none" w="med" len="med"/>
+                    </a:lnT>
+                    <a:lnB w="3175" cap="flat" cmpd="sng" algn="ctr">
+                      <a:solidFill>
+                        <a:schemeClr val="tx1"/>
+                      </a:solidFill>
+                      <a:prstDash val="solid"/>
+                      <a:round/>
+                      <a:headEnd type="none" w="med" len="med"/>
+                      <a:tailEnd type="none" w="med" len="med"/>
+                    </a:lnB>
+                    <a:noFill/>
+                  </a:tcPr>
+                </a:tc>
+              </a:tr>
+              <a:tr h="0">
+                <a:tc>
+                  <a:txBody>
+                    <a:bodyPr/>
+                    <a:lstStyle/>
+                    <a:p>
+                      <a:pPr algn="ctr" latinLnBrk="1"/>
+                      <a:r>
+                        <a:rPr lang="en-US" altLang="ko-KR" sz="1400" b="0" dirty="0" smtClean="0">
+                          <a:solidFill>
+                            <a:schemeClr val="tx1"/>
+                          </a:solidFill>
+                        </a:rPr>
+                        <a:t>@Override</a:t>
+                      </a:r>
+                    </a:p>
+                    <a:p>
+                      <a:pPr algn="ctr" latinLnBrk="1"/>
+                      <a:r>
+                        <a:rPr lang="en-US" altLang="ko-KR" sz="1400" b="0" dirty="0" smtClean="0">
+                          <a:solidFill>
+                            <a:schemeClr val="tx1"/>
+                          </a:solidFill>
+                        </a:rPr>
+                        <a:t>void </a:t>
+                      </a:r>
+                      <a:r>
+                        <a:rPr lang="en-US" altLang="ko-KR" sz="1400" b="0" dirty="0" err="1" smtClean="0">
+                          <a:solidFill>
+                            <a:schemeClr val="tx1"/>
+                          </a:solidFill>
+                        </a:rPr>
+                        <a:t>printHello</a:t>
+                      </a:r>
+                      <a:r>
+                        <a:rPr lang="en-US" altLang="ko-KR" sz="1400" b="0" dirty="0" smtClean="0">
+                          <a:solidFill>
+                            <a:schemeClr val="tx1"/>
+                          </a:solidFill>
+                        </a:rPr>
+                        <a:t>();</a:t>
+                      </a:r>
+                      <a:endParaRPr lang="ko-KR" altLang="en-US" sz="1400" b="0" dirty="0">
+                        <a:solidFill>
+                          <a:schemeClr val="tx1"/>
+                        </a:solidFill>
+                      </a:endParaRPr>
+                    </a:p>
+                  </a:txBody>
+                  <a:tcPr>
+                    <a:lnL w="3175" cap="flat" cmpd="sng" algn="ctr">
+                      <a:solidFill>
+                        <a:schemeClr val="tx1"/>
+                      </a:solidFill>
+                      <a:prstDash val="solid"/>
+                      <a:round/>
+                      <a:headEnd type="none" w="med" len="med"/>
+                      <a:tailEnd type="none" w="med" len="med"/>
+                    </a:lnL>
+                    <a:lnR w="3175" cap="flat" cmpd="sng" algn="ctr">
+                      <a:solidFill>
+                        <a:schemeClr val="tx1"/>
+                      </a:solidFill>
+                      <a:prstDash val="solid"/>
+                      <a:round/>
+                      <a:headEnd type="none" w="med" len="med"/>
+                      <a:tailEnd type="none" w="med" len="med"/>
+                    </a:lnR>
+                    <a:lnT w="3175" cap="flat" cmpd="sng" algn="ctr">
+                      <a:solidFill>
+                        <a:schemeClr val="tx1"/>
+                      </a:solidFill>
+                      <a:prstDash val="solid"/>
+                      <a:round/>
+                      <a:headEnd type="none" w="med" len="med"/>
+                      <a:tailEnd type="none" w="med" len="med"/>
+                    </a:lnT>
+                    <a:lnB w="3175" cap="flat" cmpd="sng" algn="ctr">
+                      <a:solidFill>
+                        <a:schemeClr val="tx1"/>
+                      </a:solidFill>
+                      <a:prstDash val="solid"/>
+                      <a:round/>
+                      <a:headEnd type="none" w="med" len="med"/>
+                      <a:tailEnd type="none" w="med" len="med"/>
+                    </a:lnB>
+                    <a:noFill/>
+                  </a:tcPr>
+                </a:tc>
+              </a:tr>
+            </a:tbl>
+          </a:graphicData>
+        </a:graphic>
+      </p:graphicFrame>
+      <p:graphicFrame>
+        <p:nvGraphicFramePr>
+          <p:cNvPr id="32" name="표 31"/>
+          <p:cNvGraphicFramePr>
+            <a:graphicFrameLocks noGrp="1"/>
+          </p:cNvGraphicFramePr>
+          <p:nvPr>
+            <p:extLst>
+              <p:ext uri="{D42A27DB-BD31-4B8C-83A1-F6EECF244321}">
+                <p14:modId xmlns:p14="http://schemas.microsoft.com/office/powerpoint/2010/main" val="131910800"/>
+              </p:ext>
+            </p:extLst>
+          </p:nvPr>
+        </p:nvGraphicFramePr>
+        <p:xfrm>
+          <a:off x="107504" y="3501008"/>
+          <a:ext cx="2423592" cy="822960"/>
+        </p:xfrm>
+        <a:graphic>
+          <a:graphicData uri="http://schemas.openxmlformats.org/drawingml/2006/table">
+            <a:tbl>
+              <a:tblPr firstRow="1" bandRow="1">
+                <a:tableStyleId>{5C22544A-7EE6-4342-B048-85BDC9FD1C3A}</a:tableStyleId>
+              </a:tblPr>
+              <a:tblGrid>
+                <a:gridCol w="2423592"/>
+              </a:tblGrid>
+              <a:tr h="0">
+                <a:tc>
+                  <a:txBody>
+                    <a:bodyPr/>
+                    <a:lstStyle/>
+                    <a:p>
+                      <a:pPr algn="ctr" latinLnBrk="1"/>
+                      <a:r>
+                        <a:rPr lang="en-US" altLang="ko-KR" sz="1400" b="0" dirty="0" err="1" smtClean="0">
+                          <a:solidFill>
+                            <a:schemeClr val="tx1"/>
+                          </a:solidFill>
+                        </a:rPr>
+                        <a:t>ParentsA</a:t>
+                      </a:r>
+                      <a:endParaRPr lang="ko-KR" altLang="en-US" sz="1400" b="0" dirty="0">
+                        <a:solidFill>
+                          <a:schemeClr val="tx1"/>
+                        </a:solidFill>
+                      </a:endParaRPr>
+                    </a:p>
+                  </a:txBody>
+                  <a:tcPr>
+                    <a:lnL w="3175" cap="flat" cmpd="sng" algn="ctr">
+                      <a:solidFill>
+                        <a:schemeClr val="tx1"/>
+                      </a:solidFill>
+                      <a:prstDash val="solid"/>
+                      <a:round/>
+                      <a:headEnd type="none" w="med" len="med"/>
+                      <a:tailEnd type="none" w="med" len="med"/>
+                    </a:lnL>
+                    <a:lnR w="3175" cap="flat" cmpd="sng" algn="ctr">
+                      <a:solidFill>
+                        <a:schemeClr val="tx1"/>
+                      </a:solidFill>
+                      <a:prstDash val="solid"/>
+                      <a:round/>
+                      <a:headEnd type="none" w="med" len="med"/>
+                      <a:tailEnd type="none" w="med" len="med"/>
+                    </a:lnR>
+                    <a:lnT w="3175" cap="flat" cmpd="sng" algn="ctr">
+                      <a:solidFill>
+                        <a:schemeClr val="tx1"/>
+                      </a:solidFill>
+                      <a:prstDash val="solid"/>
+                      <a:round/>
+                      <a:headEnd type="none" w="med" len="med"/>
+                      <a:tailEnd type="none" w="med" len="med"/>
+                    </a:lnT>
+                    <a:lnB w="3175" cap="flat" cmpd="sng" algn="ctr">
+                      <a:solidFill>
+                        <a:schemeClr val="tx1"/>
+                      </a:solidFill>
+                      <a:prstDash val="solid"/>
+                      <a:round/>
+                      <a:headEnd type="none" w="med" len="med"/>
+                      <a:tailEnd type="none" w="med" len="med"/>
+                    </a:lnB>
+                    <a:noFill/>
+                  </a:tcPr>
+                </a:tc>
+              </a:tr>
+              <a:tr h="0">
+                <a:tc>
+                  <a:txBody>
+                    <a:bodyPr/>
+                    <a:lstStyle/>
+                    <a:p>
+                      <a:pPr algn="ctr" latinLnBrk="1"/>
+                      <a:r>
+                        <a:rPr lang="en-US" altLang="ko-KR" sz="1400" b="0" dirty="0" smtClean="0">
+                          <a:solidFill>
+                            <a:schemeClr val="tx1"/>
+                          </a:solidFill>
+                        </a:rPr>
+                        <a:t>@Override</a:t>
+                      </a:r>
+                    </a:p>
+                    <a:p>
+                      <a:pPr algn="ctr" latinLnBrk="1"/>
+                      <a:r>
+                        <a:rPr lang="en-US" altLang="ko-KR" sz="1400" b="0" dirty="0" smtClean="0">
+                          <a:solidFill>
+                            <a:schemeClr val="tx1"/>
+                          </a:solidFill>
+                        </a:rPr>
+                        <a:t>void </a:t>
+                      </a:r>
+                      <a:r>
+                        <a:rPr lang="en-US" altLang="ko-KR" sz="1400" b="0" dirty="0" err="1" smtClean="0">
+                          <a:solidFill>
+                            <a:schemeClr val="tx1"/>
+                          </a:solidFill>
+                        </a:rPr>
+                        <a:t>printHello</a:t>
+                      </a:r>
+                      <a:r>
+                        <a:rPr lang="en-US" altLang="ko-KR" sz="1400" b="0" dirty="0" smtClean="0">
+                          <a:solidFill>
+                            <a:schemeClr val="tx1"/>
+                          </a:solidFill>
+                        </a:rPr>
+                        <a:t>();</a:t>
+                      </a:r>
+                      <a:endParaRPr lang="ko-KR" altLang="en-US" sz="1400" b="0" dirty="0">
+                        <a:solidFill>
+                          <a:schemeClr val="tx1"/>
+                        </a:solidFill>
+                      </a:endParaRPr>
+                    </a:p>
+                  </a:txBody>
+                  <a:tcPr>
+                    <a:lnL w="3175" cap="flat" cmpd="sng" algn="ctr">
+                      <a:solidFill>
+                        <a:schemeClr val="tx1"/>
+                      </a:solidFill>
+                      <a:prstDash val="solid"/>
+                      <a:round/>
+                      <a:headEnd type="none" w="med" len="med"/>
+                      <a:tailEnd type="none" w="med" len="med"/>
+                    </a:lnL>
+                    <a:lnR w="3175" cap="flat" cmpd="sng" algn="ctr">
+                      <a:solidFill>
+                        <a:schemeClr val="tx1"/>
+                      </a:solidFill>
+                      <a:prstDash val="solid"/>
+                      <a:round/>
+                      <a:headEnd type="none" w="med" len="med"/>
+                      <a:tailEnd type="none" w="med" len="med"/>
+                    </a:lnR>
+                    <a:lnT w="3175" cap="flat" cmpd="sng" algn="ctr">
+                      <a:solidFill>
+                        <a:schemeClr val="tx1"/>
+                      </a:solidFill>
+                      <a:prstDash val="solid"/>
+                      <a:round/>
+                      <a:headEnd type="none" w="med" len="med"/>
+                      <a:tailEnd type="none" w="med" len="med"/>
+                    </a:lnT>
+                    <a:lnB w="3175" cap="flat" cmpd="sng" algn="ctr">
+                      <a:solidFill>
+                        <a:schemeClr val="tx1"/>
+                      </a:solidFill>
+                      <a:prstDash val="solid"/>
+                      <a:round/>
+                      <a:headEnd type="none" w="med" len="med"/>
+                      <a:tailEnd type="none" w="med" len="med"/>
+                    </a:lnB>
+                    <a:noFill/>
+                  </a:tcPr>
+                </a:tc>
+              </a:tr>
+            </a:tbl>
+          </a:graphicData>
+        </a:graphic>
+      </p:graphicFrame>
+      <p:sp>
+        <p:nvSpPr>
+          <p:cNvPr id="20" name="TextBox 19"/>
+          <p:cNvSpPr txBox="1"/>
+          <p:nvPr/>
+        </p:nvSpPr>
+        <p:spPr>
+          <a:xfrm>
+            <a:off x="21516" y="4489221"/>
+            <a:ext cx="2501006" cy="369332"/>
+          </a:xfrm>
+          <a:prstGeom prst="rect">
+            <a:avLst/>
+          </a:prstGeom>
+          <a:noFill/>
+        </p:spPr>
+        <p:txBody>
+          <a:bodyPr wrap="none" rtlCol="0">
+            <a:spAutoFit/>
+          </a:bodyPr>
+          <a:lstStyle/>
+          <a:p>
+            <a:r>
+              <a:rPr lang="ko-KR" altLang="en-US" dirty="0" err="1" smtClean="0"/>
+              <a:t>출력값</a:t>
+            </a:r>
+            <a:r>
+              <a:rPr lang="en-US" altLang="ko-KR" dirty="0" smtClean="0"/>
+              <a:t>: </a:t>
+            </a:r>
+            <a:r>
+              <a:rPr lang="ko-KR" altLang="en-US" dirty="0" smtClean="0"/>
+              <a:t>안녕하십니까</a:t>
+            </a:r>
+            <a:r>
+              <a:rPr lang="en-US" altLang="ko-KR" dirty="0" smtClean="0"/>
+              <a:t>?</a:t>
+            </a:r>
+            <a:endParaRPr lang="ko-KR" altLang="en-US" dirty="0"/>
+          </a:p>
+        </p:txBody>
+      </p:sp>
+      <p:sp>
+        <p:nvSpPr>
+          <p:cNvPr id="35" name="TextBox 34"/>
+          <p:cNvSpPr txBox="1"/>
+          <p:nvPr/>
+        </p:nvSpPr>
+        <p:spPr>
+          <a:xfrm>
+            <a:off x="6372200" y="4489221"/>
+            <a:ext cx="2215671" cy="369332"/>
+          </a:xfrm>
+          <a:prstGeom prst="rect">
+            <a:avLst/>
+          </a:prstGeom>
+          <a:noFill/>
+        </p:spPr>
+        <p:txBody>
+          <a:bodyPr wrap="none" rtlCol="0">
+            <a:spAutoFit/>
+          </a:bodyPr>
+          <a:lstStyle/>
+          <a:p>
+            <a:r>
+              <a:rPr lang="ko-KR" altLang="en-US" dirty="0" err="1" smtClean="0"/>
+              <a:t>출력값</a:t>
+            </a:r>
+            <a:r>
+              <a:rPr lang="en-US" altLang="ko-KR" dirty="0" smtClean="0"/>
+              <a:t>: </a:t>
+            </a:r>
+            <a:r>
+              <a:rPr lang="ko-KR" altLang="en-US" dirty="0" err="1" smtClean="0"/>
+              <a:t>안녕못하다</a:t>
+            </a:r>
+            <a:r>
+              <a:rPr lang="en-US" altLang="ko-KR" dirty="0" smtClean="0"/>
+              <a:t>.</a:t>
+            </a:r>
+            <a:endParaRPr lang="ko-KR" altLang="en-US" dirty="0"/>
+          </a:p>
+        </p:txBody>
+      </p:sp>
+      <p:sp>
+        <p:nvSpPr>
+          <p:cNvPr id="21" name="다이아몬드 20"/>
+          <p:cNvSpPr/>
+          <p:nvPr/>
+        </p:nvSpPr>
+        <p:spPr>
+          <a:xfrm>
+            <a:off x="3239852" y="2380917"/>
+            <a:ext cx="2016225" cy="3315441"/>
+          </a:xfrm>
+          <a:prstGeom prst="diamond">
+            <a:avLst/>
+          </a:prstGeom>
+          <a:solidFill>
+            <a:schemeClr val="accent1">
+              <a:alpha val="29000"/>
+            </a:schemeClr>
+          </a:solidFill>
+        </p:spPr>
+        <p:style>
+          <a:lnRef idx="2">
+            <a:schemeClr val="accent1">
+              <a:shade val="50000"/>
+            </a:schemeClr>
+          </a:lnRef>
+          <a:fillRef idx="1">
+            <a:schemeClr val="accent1"/>
+          </a:fillRef>
+          <a:effectRef idx="0">
+            <a:schemeClr val="accent1"/>
+          </a:effectRef>
+          <a:fontRef idx="minor">
+            <a:schemeClr val="lt1"/>
+          </a:fontRef>
+        </p:style>
+        <p:txBody>
+          <a:bodyPr rtlCol="0" anchor="ctr"/>
+          <a:lstStyle/>
+          <a:p>
+            <a:pPr algn="ctr"/>
+            <a:endParaRPr lang="ko-KR" altLang="en-US"/>
+          </a:p>
+        </p:txBody>
+      </p:sp>
+      <p:graphicFrame>
+        <p:nvGraphicFramePr>
+          <p:cNvPr id="36" name="표 35"/>
+          <p:cNvGraphicFramePr>
+            <a:graphicFrameLocks noGrp="1"/>
+          </p:cNvGraphicFramePr>
+          <p:nvPr>
+            <p:extLst>
+              <p:ext uri="{D42A27DB-BD31-4B8C-83A1-F6EECF244321}">
+                <p14:modId xmlns:p14="http://schemas.microsoft.com/office/powerpoint/2010/main" val="2685945980"/>
+              </p:ext>
+            </p:extLst>
+          </p:nvPr>
+        </p:nvGraphicFramePr>
+        <p:xfrm>
+          <a:off x="3036168" y="6108811"/>
+          <a:ext cx="2423592" cy="609600"/>
+        </p:xfrm>
+        <a:graphic>
+          <a:graphicData uri="http://schemas.openxmlformats.org/drawingml/2006/table">
+            <a:tbl>
+              <a:tblPr firstRow="1" bandRow="1">
+                <a:tableStyleId>{5C22544A-7EE6-4342-B048-85BDC9FD1C3A}</a:tableStyleId>
+              </a:tblPr>
+              <a:tblGrid>
+                <a:gridCol w="2423592"/>
+              </a:tblGrid>
+              <a:tr h="0">
+                <a:tc>
+                  <a:txBody>
+                    <a:bodyPr/>
+                    <a:lstStyle/>
+                    <a:p>
+                      <a:pPr algn="ctr" latinLnBrk="1"/>
+                      <a:r>
+                        <a:rPr lang="en-US" altLang="ko-KR" sz="1400" b="0" dirty="0" smtClean="0">
+                          <a:solidFill>
+                            <a:schemeClr val="tx1"/>
+                          </a:solidFill>
+                        </a:rPr>
+                        <a:t>Child</a:t>
+                      </a:r>
+                      <a:endParaRPr lang="ko-KR" altLang="en-US" sz="1400" b="0" dirty="0">
+                        <a:solidFill>
+                          <a:schemeClr val="tx1"/>
+                        </a:solidFill>
+                      </a:endParaRPr>
+                    </a:p>
+                  </a:txBody>
+                  <a:tcPr>
+                    <a:lnL w="3175" cap="flat" cmpd="sng" algn="ctr">
+                      <a:solidFill>
+                        <a:schemeClr val="tx1"/>
+                      </a:solidFill>
+                      <a:prstDash val="solid"/>
+                      <a:round/>
+                      <a:headEnd type="none" w="med" len="med"/>
+                      <a:tailEnd type="none" w="med" len="med"/>
+                    </a:lnL>
+                    <a:lnR w="3175" cap="flat" cmpd="sng" algn="ctr">
+                      <a:solidFill>
+                        <a:schemeClr val="tx1"/>
+                      </a:solidFill>
+                      <a:prstDash val="solid"/>
+                      <a:round/>
+                      <a:headEnd type="none" w="med" len="med"/>
+                      <a:tailEnd type="none" w="med" len="med"/>
+                    </a:lnR>
+                    <a:lnT w="3175" cap="flat" cmpd="sng" algn="ctr">
+                      <a:solidFill>
+                        <a:schemeClr val="tx1"/>
+                      </a:solidFill>
+                      <a:prstDash val="solid"/>
+                      <a:round/>
+                      <a:headEnd type="none" w="med" len="med"/>
+                      <a:tailEnd type="none" w="med" len="med"/>
+                    </a:lnT>
+                    <a:lnB w="3175" cap="flat" cmpd="sng" algn="ctr">
+                      <a:solidFill>
+                        <a:schemeClr val="tx1"/>
+                      </a:solidFill>
+                      <a:prstDash val="solid"/>
+                      <a:round/>
+                      <a:headEnd type="none" w="med" len="med"/>
+                      <a:tailEnd type="none" w="med" len="med"/>
+                    </a:lnB>
+                    <a:noFill/>
+                  </a:tcPr>
+                </a:tc>
+              </a:tr>
+              <a:tr h="0">
+                <a:tc>
+                  <a:txBody>
+                    <a:bodyPr/>
+                    <a:lstStyle/>
+                    <a:p>
+                      <a:pPr algn="ctr" latinLnBrk="1"/>
+                      <a:endParaRPr lang="ko-KR" altLang="en-US" sz="1400" b="0" dirty="0">
+                        <a:solidFill>
+                          <a:schemeClr val="tx1"/>
+                        </a:solidFill>
+                      </a:endParaRPr>
+                    </a:p>
+                  </a:txBody>
+                  <a:tcPr>
+                    <a:lnL w="3175" cap="flat" cmpd="sng" algn="ctr">
+                      <a:solidFill>
+                        <a:schemeClr val="tx1"/>
+                      </a:solidFill>
+                      <a:prstDash val="solid"/>
+                      <a:round/>
+                      <a:headEnd type="none" w="med" len="med"/>
+                      <a:tailEnd type="none" w="med" len="med"/>
+                    </a:lnL>
+                    <a:lnR w="3175" cap="flat" cmpd="sng" algn="ctr">
+                      <a:solidFill>
+                        <a:schemeClr val="tx1"/>
+                      </a:solidFill>
+                      <a:prstDash val="solid"/>
+                      <a:round/>
+                      <a:headEnd type="none" w="med" len="med"/>
+                      <a:tailEnd type="none" w="med" len="med"/>
+                    </a:lnR>
+                    <a:lnT w="3175" cap="flat" cmpd="sng" algn="ctr">
+                      <a:solidFill>
+                        <a:schemeClr val="tx1"/>
+                      </a:solidFill>
+                      <a:prstDash val="solid"/>
+                      <a:round/>
+                      <a:headEnd type="none" w="med" len="med"/>
+                      <a:tailEnd type="none" w="med" len="med"/>
+                    </a:lnT>
+                    <a:lnB w="3175" cap="flat" cmpd="sng" algn="ctr">
+                      <a:solidFill>
+                        <a:schemeClr val="tx1"/>
+                      </a:solidFill>
+                      <a:prstDash val="solid"/>
+                      <a:round/>
+                      <a:headEnd type="none" w="med" len="med"/>
+                      <a:tailEnd type="none" w="med" len="med"/>
+                    </a:lnB>
+                    <a:noFill/>
+                  </a:tcPr>
+                </a:tc>
+              </a:tr>
+            </a:tbl>
+          </a:graphicData>
+        </a:graphic>
+      </p:graphicFrame>
+      <p:sp>
+        <p:nvSpPr>
+          <p:cNvPr id="38" name="TextBox 37"/>
+          <p:cNvSpPr txBox="1"/>
+          <p:nvPr/>
+        </p:nvSpPr>
+        <p:spPr>
+          <a:xfrm>
+            <a:off x="5740617" y="5464433"/>
+            <a:ext cx="3026791" cy="923330"/>
+          </a:xfrm>
+          <a:prstGeom prst="rect">
+            <a:avLst/>
+          </a:prstGeom>
+          <a:noFill/>
+        </p:spPr>
+        <p:txBody>
+          <a:bodyPr wrap="none" rtlCol="0">
+            <a:spAutoFit/>
+          </a:bodyPr>
+          <a:lstStyle/>
+          <a:p>
+            <a:r>
+              <a:rPr lang="en-US" altLang="ko-KR" dirty="0" smtClean="0"/>
+              <a:t>Child </a:t>
+            </a:r>
+            <a:r>
+              <a:rPr lang="en-US" altLang="ko-KR" dirty="0" err="1" smtClean="0"/>
+              <a:t>child</a:t>
+            </a:r>
+            <a:r>
+              <a:rPr lang="en-US" altLang="ko-KR" dirty="0" smtClean="0"/>
+              <a:t> = new Child();</a:t>
+            </a:r>
+          </a:p>
+          <a:p>
+            <a:r>
+              <a:rPr lang="en-US" altLang="ko-KR" dirty="0" err="1" smtClean="0"/>
+              <a:t>child.printHello</a:t>
+            </a:r>
+            <a:r>
+              <a:rPr lang="en-US" altLang="ko-KR" dirty="0" smtClean="0"/>
+              <a:t>();</a:t>
+            </a:r>
+          </a:p>
+          <a:p>
+            <a:r>
+              <a:rPr lang="en-US" altLang="ko-KR" dirty="0" smtClean="0"/>
+              <a:t>// </a:t>
+            </a:r>
+            <a:r>
+              <a:rPr lang="ko-KR" altLang="en-US" dirty="0" smtClean="0"/>
+              <a:t>어느 </a:t>
+            </a:r>
+            <a:r>
+              <a:rPr lang="ko-KR" altLang="en-US" dirty="0" err="1" smtClean="0"/>
+              <a:t>메소드가</a:t>
+            </a:r>
+            <a:r>
+              <a:rPr lang="ko-KR" altLang="en-US" dirty="0" smtClean="0"/>
+              <a:t> 호출될까</a:t>
+            </a:r>
+            <a:r>
+              <a:rPr lang="en-US" altLang="ko-KR" dirty="0" smtClean="0"/>
+              <a:t>?</a:t>
+            </a:r>
+            <a:endParaRPr lang="ko-KR" altLang="en-US" dirty="0"/>
+          </a:p>
+        </p:txBody>
+      </p:sp>
+    </p:spTree>
+    <p:extLst>
+      <p:ext uri="{BB962C8B-B14F-4D97-AF65-F5344CB8AC3E}">
+        <p14:creationId xmlns:p14="http://schemas.microsoft.com/office/powerpoint/2010/main" val="323074920"/>
+      </p:ext>
+    </p:extLst>
+  </p:cSld>
+  <p:clrMapOvr>
+    <a:masterClrMapping/>
+  </p:clrMapOvr>
+</p:sld>
+</file>
+
+<file path=ppt/slides/slide16.xml><?xml version="1.0" encoding="utf-8"?>
+<p:sld xmlns:a="http://schemas.openxmlformats.org/drawingml/2006/main" xmlns:r="http://schemas.openxmlformats.org/officeDocument/2006/relationships" xmlns:p="http://schemas.openxmlformats.org/presentationml/2006/main">
+  <p:cSld>
+    <p:spTree>
+      <p:nvGrpSpPr>
+        <p:cNvPr id="1" name=""/>
+        <p:cNvGrpSpPr/>
+        <p:nvPr/>
+      </p:nvGrpSpPr>
+      <p:grpSpPr>
+        <a:xfrm>
+          <a:off x="0" y="0"/>
+          <a:ext cx="0" cy="0"/>
+          <a:chOff x="0" y="0"/>
+          <a:chExt cx="0" cy="0"/>
+        </a:xfrm>
+      </p:grpSpPr>
+      <p:sp>
+        <p:nvSpPr>
+          <p:cNvPr id="2" name="제목 1"/>
+          <p:cNvSpPr>
+            <a:spLocks noGrp="1"/>
+          </p:cNvSpPr>
+          <p:nvPr>
+            <p:ph type="title"/>
+          </p:nvPr>
+        </p:nvSpPr>
+        <p:spPr/>
+        <p:txBody>
+          <a:bodyPr/>
+          <a:lstStyle/>
+          <a:p>
+            <a:r>
+              <a:rPr lang="en-US" altLang="ko-KR" dirty="0" smtClean="0"/>
+              <a:t>final method</a:t>
+            </a:r>
+            <a:endParaRPr lang="ko-KR" altLang="en-US" dirty="0"/>
+          </a:p>
+        </p:txBody>
+      </p:sp>
+      <p:graphicFrame>
+        <p:nvGraphicFramePr>
+          <p:cNvPr id="4" name="표 3"/>
+          <p:cNvGraphicFramePr>
+            <a:graphicFrameLocks noGrp="1"/>
+          </p:cNvGraphicFramePr>
+          <p:nvPr>
+            <p:extLst>
+              <p:ext uri="{D42A27DB-BD31-4B8C-83A1-F6EECF244321}">
+                <p14:modId xmlns:p14="http://schemas.microsoft.com/office/powerpoint/2010/main" val="3746858475"/>
+              </p:ext>
+            </p:extLst>
+          </p:nvPr>
+        </p:nvGraphicFramePr>
+        <p:xfrm>
+          <a:off x="5079780" y="1772816"/>
+          <a:ext cx="3934744" cy="822960"/>
+        </p:xfrm>
+        <a:graphic>
+          <a:graphicData uri="http://schemas.openxmlformats.org/drawingml/2006/table">
+            <a:tbl>
+              <a:tblPr firstRow="1" bandRow="1">
+                <a:tableStyleId>{5C22544A-7EE6-4342-B048-85BDC9FD1C3A}</a:tableStyleId>
+              </a:tblPr>
+              <a:tblGrid>
+                <a:gridCol w="3934744"/>
+              </a:tblGrid>
+              <a:tr h="0">
+                <a:tc>
+                  <a:txBody>
+                    <a:bodyPr/>
+                    <a:lstStyle/>
+                    <a:p>
+                      <a:pPr algn="ctr" latinLnBrk="1"/>
+                      <a:r>
+                        <a:rPr lang="en-US" altLang="ko-KR" sz="1400" b="0" dirty="0" smtClean="0">
+                          <a:solidFill>
+                            <a:schemeClr val="tx1"/>
+                          </a:solidFill>
+                        </a:rPr>
+                        <a:t>Animal</a:t>
+                      </a:r>
+                      <a:endParaRPr lang="ko-KR" altLang="en-US" sz="1400" b="0" dirty="0">
+                        <a:solidFill>
+                          <a:schemeClr val="tx1"/>
+                        </a:solidFill>
+                      </a:endParaRPr>
+                    </a:p>
+                  </a:txBody>
+                  <a:tcPr>
+                    <a:lnL w="3175" cap="flat" cmpd="sng" algn="ctr">
+                      <a:solidFill>
+                        <a:schemeClr val="tx1"/>
+                      </a:solidFill>
+                      <a:prstDash val="solid"/>
+                      <a:round/>
+                      <a:headEnd type="none" w="med" len="med"/>
+                      <a:tailEnd type="none" w="med" len="med"/>
+                    </a:lnL>
+                    <a:lnR w="3175" cap="flat" cmpd="sng" algn="ctr">
+                      <a:solidFill>
+                        <a:schemeClr val="tx1"/>
+                      </a:solidFill>
+                      <a:prstDash val="solid"/>
+                      <a:round/>
+                      <a:headEnd type="none" w="med" len="med"/>
+                      <a:tailEnd type="none" w="med" len="med"/>
+                    </a:lnR>
+                    <a:lnT w="3175" cap="flat" cmpd="sng" algn="ctr">
+                      <a:solidFill>
+                        <a:schemeClr val="tx1"/>
+                      </a:solidFill>
+                      <a:prstDash val="solid"/>
+                      <a:round/>
+                      <a:headEnd type="none" w="med" len="med"/>
+                      <a:tailEnd type="none" w="med" len="med"/>
+                    </a:lnT>
+                    <a:lnB w="3175" cap="flat" cmpd="sng" algn="ctr">
+                      <a:solidFill>
+                        <a:schemeClr val="tx1"/>
+                      </a:solidFill>
+                      <a:prstDash val="solid"/>
+                      <a:round/>
+                      <a:headEnd type="none" w="med" len="med"/>
+                      <a:tailEnd type="none" w="med" len="med"/>
+                    </a:lnB>
+                    <a:noFill/>
+                  </a:tcPr>
+                </a:tc>
+              </a:tr>
+              <a:tr h="0">
+                <a:tc>
+                  <a:txBody>
+                    <a:bodyPr/>
+                    <a:lstStyle/>
+                    <a:p>
+                      <a:pPr algn="ctr" latinLnBrk="1"/>
+                      <a:r>
+                        <a:rPr lang="en-US" altLang="ko-KR" sz="1400" b="0" dirty="0" smtClean="0">
+                          <a:solidFill>
+                            <a:schemeClr val="tx1"/>
+                          </a:solidFill>
+                        </a:rPr>
+                        <a:t>public</a:t>
+                      </a:r>
+                      <a:r>
+                        <a:rPr lang="en-US" altLang="ko-KR" sz="1400" b="0" baseline="0" dirty="0" smtClean="0">
+                          <a:solidFill>
+                            <a:schemeClr val="tx1"/>
+                          </a:solidFill>
+                        </a:rPr>
+                        <a:t> </a:t>
+                      </a:r>
+                      <a:r>
+                        <a:rPr lang="en-US" altLang="ko-KR" sz="1400" b="0" baseline="0" dirty="0" smtClean="0">
+                          <a:solidFill>
+                            <a:srgbClr val="C00000"/>
+                          </a:solidFill>
+                        </a:rPr>
+                        <a:t>final</a:t>
+                      </a:r>
+                      <a:r>
+                        <a:rPr lang="en-US" altLang="ko-KR" sz="1400" b="0" baseline="0" dirty="0" smtClean="0">
+                          <a:solidFill>
+                            <a:schemeClr val="tx1"/>
+                          </a:solidFill>
+                        </a:rPr>
+                        <a:t> void </a:t>
+                      </a:r>
+                      <a:r>
+                        <a:rPr lang="en-US" altLang="ko-KR" sz="1400" b="0" baseline="0" dirty="0" err="1" smtClean="0">
+                          <a:solidFill>
+                            <a:schemeClr val="tx1"/>
+                          </a:solidFill>
+                        </a:rPr>
+                        <a:t>printCommonMessage</a:t>
+                      </a:r>
+                      <a:r>
+                        <a:rPr lang="en-US" altLang="ko-KR" sz="1400" b="0" baseline="0" dirty="0" smtClean="0">
+                          <a:solidFill>
+                            <a:schemeClr val="tx1"/>
+                          </a:solidFill>
+                        </a:rPr>
+                        <a:t>();</a:t>
+                      </a:r>
+                    </a:p>
+                    <a:p>
+                      <a:pPr algn="ctr" latinLnBrk="1"/>
+                      <a:r>
+                        <a:rPr lang="en-US" altLang="ko-KR" sz="1400" b="0" baseline="0" dirty="0" smtClean="0">
+                          <a:solidFill>
+                            <a:schemeClr val="tx1"/>
+                          </a:solidFill>
+                        </a:rPr>
+                        <a:t>abstract bark();</a:t>
+                      </a:r>
+                      <a:endParaRPr lang="ko-KR" altLang="en-US" sz="1400" b="0" dirty="0">
+                        <a:solidFill>
+                          <a:schemeClr val="tx1"/>
+                        </a:solidFill>
+                      </a:endParaRPr>
+                    </a:p>
+                  </a:txBody>
+                  <a:tcPr>
+                    <a:lnL w="3175" cap="flat" cmpd="sng" algn="ctr">
+                      <a:solidFill>
+                        <a:schemeClr val="tx1"/>
+                      </a:solidFill>
+                      <a:prstDash val="solid"/>
+                      <a:round/>
+                      <a:headEnd type="none" w="med" len="med"/>
+                      <a:tailEnd type="none" w="med" len="med"/>
+                    </a:lnL>
+                    <a:lnR w="3175" cap="flat" cmpd="sng" algn="ctr">
+                      <a:solidFill>
+                        <a:schemeClr val="tx1"/>
+                      </a:solidFill>
+                      <a:prstDash val="solid"/>
+                      <a:round/>
+                      <a:headEnd type="none" w="med" len="med"/>
+                      <a:tailEnd type="none" w="med" len="med"/>
+                    </a:lnR>
+                    <a:lnT w="3175" cap="flat" cmpd="sng" algn="ctr">
+                      <a:solidFill>
+                        <a:schemeClr val="tx1"/>
+                      </a:solidFill>
+                      <a:prstDash val="solid"/>
+                      <a:round/>
+                      <a:headEnd type="none" w="med" len="med"/>
+                      <a:tailEnd type="none" w="med" len="med"/>
+                    </a:lnT>
+                    <a:lnB w="3175" cap="flat" cmpd="sng" algn="ctr">
+                      <a:solidFill>
+                        <a:schemeClr val="tx1"/>
+                      </a:solidFill>
+                      <a:prstDash val="solid"/>
+                      <a:round/>
+                      <a:headEnd type="none" w="med" len="med"/>
+                      <a:tailEnd type="none" w="med" len="med"/>
+                    </a:lnB>
+                    <a:noFill/>
+                  </a:tcPr>
+                </a:tc>
+              </a:tr>
+            </a:tbl>
+          </a:graphicData>
+        </a:graphic>
+      </p:graphicFrame>
+      <p:graphicFrame>
+        <p:nvGraphicFramePr>
+          <p:cNvPr id="5" name="표 4"/>
+          <p:cNvGraphicFramePr>
+            <a:graphicFrameLocks noGrp="1"/>
+          </p:cNvGraphicFramePr>
+          <p:nvPr>
+            <p:extLst>
+              <p:ext uri="{D42A27DB-BD31-4B8C-83A1-F6EECF244321}">
+                <p14:modId xmlns:p14="http://schemas.microsoft.com/office/powerpoint/2010/main" val="2172797825"/>
+              </p:ext>
+            </p:extLst>
+          </p:nvPr>
+        </p:nvGraphicFramePr>
+        <p:xfrm>
+          <a:off x="6036840" y="4703840"/>
+          <a:ext cx="2423592" cy="609600"/>
+        </p:xfrm>
+        <a:graphic>
+          <a:graphicData uri="http://schemas.openxmlformats.org/drawingml/2006/table">
+            <a:tbl>
+              <a:tblPr firstRow="1" bandRow="1">
+                <a:tableStyleId>{5C22544A-7EE6-4342-B048-85BDC9FD1C3A}</a:tableStyleId>
+              </a:tblPr>
+              <a:tblGrid>
+                <a:gridCol w="2423592"/>
+              </a:tblGrid>
+              <a:tr h="0">
+                <a:tc>
+                  <a:txBody>
+                    <a:bodyPr/>
+                    <a:lstStyle/>
+                    <a:p>
+                      <a:pPr algn="ctr" latinLnBrk="1"/>
+                      <a:r>
+                        <a:rPr lang="en-US" altLang="ko-KR" sz="1400" b="0" dirty="0" smtClean="0">
+                          <a:solidFill>
+                            <a:schemeClr val="tx1"/>
+                          </a:solidFill>
+                        </a:rPr>
+                        <a:t>Dog</a:t>
+                      </a:r>
+                      <a:endParaRPr lang="ko-KR" altLang="en-US" sz="1400" b="0" dirty="0">
+                        <a:solidFill>
+                          <a:schemeClr val="tx1"/>
+                        </a:solidFill>
+                      </a:endParaRPr>
+                    </a:p>
+                  </a:txBody>
+                  <a:tcPr>
+                    <a:lnL w="3175" cap="flat" cmpd="sng" algn="ctr">
+                      <a:solidFill>
+                        <a:schemeClr val="tx1"/>
+                      </a:solidFill>
+                      <a:prstDash val="solid"/>
+                      <a:round/>
+                      <a:headEnd type="none" w="med" len="med"/>
+                      <a:tailEnd type="none" w="med" len="med"/>
+                    </a:lnL>
+                    <a:lnR w="3175" cap="flat" cmpd="sng" algn="ctr">
+                      <a:solidFill>
+                        <a:schemeClr val="tx1"/>
+                      </a:solidFill>
+                      <a:prstDash val="solid"/>
+                      <a:round/>
+                      <a:headEnd type="none" w="med" len="med"/>
+                      <a:tailEnd type="none" w="med" len="med"/>
+                    </a:lnR>
+                    <a:lnT w="3175" cap="flat" cmpd="sng" algn="ctr">
+                      <a:solidFill>
+                        <a:schemeClr val="tx1"/>
+                      </a:solidFill>
+                      <a:prstDash val="solid"/>
+                      <a:round/>
+                      <a:headEnd type="none" w="med" len="med"/>
+                      <a:tailEnd type="none" w="med" len="med"/>
+                    </a:lnT>
+                    <a:lnB w="3175" cap="flat" cmpd="sng" algn="ctr">
+                      <a:solidFill>
+                        <a:schemeClr val="tx1"/>
+                      </a:solidFill>
+                      <a:prstDash val="solid"/>
+                      <a:round/>
+                      <a:headEnd type="none" w="med" len="med"/>
+                      <a:tailEnd type="none" w="med" len="med"/>
+                    </a:lnB>
+                    <a:noFill/>
+                  </a:tcPr>
+                </a:tc>
+              </a:tr>
+              <a:tr h="0">
+                <a:tc>
+                  <a:txBody>
+                    <a:bodyPr/>
+                    <a:lstStyle/>
+                    <a:p>
+                      <a:pPr marL="0" marR="0" indent="0" algn="ctr" defTabSz="914400" rtl="0" eaLnBrk="1" fontAlgn="auto" latinLnBrk="1" hangingPunct="1">
+                        <a:lnSpc>
+                          <a:spcPct val="100000"/>
+                        </a:lnSpc>
+                        <a:spcBef>
+                          <a:spcPts val="0"/>
+                        </a:spcBef>
+                        <a:spcAft>
+                          <a:spcPts val="0"/>
+                        </a:spcAft>
+                        <a:buClrTx/>
+                        <a:buSzTx/>
+                        <a:buFontTx/>
+                        <a:buNone/>
+                        <a:tabLst/>
+                        <a:defRPr/>
+                      </a:pPr>
+                      <a:r>
+                        <a:rPr lang="en-US" altLang="ko-KR" sz="1400" b="0" dirty="0" smtClean="0">
+                          <a:solidFill>
+                            <a:schemeClr val="tx1"/>
+                          </a:solidFill>
+                        </a:rPr>
+                        <a:t>void bark();</a:t>
+                      </a:r>
+                    </a:p>
+                  </a:txBody>
+                  <a:tcPr>
+                    <a:lnL w="3175" cap="flat" cmpd="sng" algn="ctr">
+                      <a:solidFill>
+                        <a:schemeClr val="tx1"/>
+                      </a:solidFill>
+                      <a:prstDash val="solid"/>
+                      <a:round/>
+                      <a:headEnd type="none" w="med" len="med"/>
+                      <a:tailEnd type="none" w="med" len="med"/>
+                    </a:lnL>
+                    <a:lnR w="3175" cap="flat" cmpd="sng" algn="ctr">
+                      <a:solidFill>
+                        <a:schemeClr val="tx1"/>
+                      </a:solidFill>
+                      <a:prstDash val="solid"/>
+                      <a:round/>
+                      <a:headEnd type="none" w="med" len="med"/>
+                      <a:tailEnd type="none" w="med" len="med"/>
+                    </a:lnR>
+                    <a:lnT w="3175" cap="flat" cmpd="sng" algn="ctr">
+                      <a:solidFill>
+                        <a:schemeClr val="tx1"/>
+                      </a:solidFill>
+                      <a:prstDash val="solid"/>
+                      <a:round/>
+                      <a:headEnd type="none" w="med" len="med"/>
+                      <a:tailEnd type="none" w="med" len="med"/>
+                    </a:lnT>
+                    <a:lnB w="3175" cap="flat" cmpd="sng" algn="ctr">
+                      <a:solidFill>
+                        <a:schemeClr val="tx1"/>
+                      </a:solidFill>
+                      <a:prstDash val="solid"/>
+                      <a:round/>
+                      <a:headEnd type="none" w="med" len="med"/>
+                      <a:tailEnd type="none" w="med" len="med"/>
+                    </a:lnB>
+                    <a:noFill/>
+                  </a:tcPr>
+                </a:tc>
+              </a:tr>
+            </a:tbl>
+          </a:graphicData>
+        </a:graphic>
+      </p:graphicFrame>
+      <p:graphicFrame>
+        <p:nvGraphicFramePr>
+          <p:cNvPr id="12" name="표 11"/>
+          <p:cNvGraphicFramePr>
+            <a:graphicFrameLocks noGrp="1"/>
+          </p:cNvGraphicFramePr>
+          <p:nvPr>
+            <p:extLst>
+              <p:ext uri="{D42A27DB-BD31-4B8C-83A1-F6EECF244321}">
+                <p14:modId xmlns:p14="http://schemas.microsoft.com/office/powerpoint/2010/main" val="2664973380"/>
+              </p:ext>
+            </p:extLst>
+          </p:nvPr>
+        </p:nvGraphicFramePr>
+        <p:xfrm>
+          <a:off x="539552" y="1772816"/>
+          <a:ext cx="3193032" cy="822960"/>
+        </p:xfrm>
+        <a:graphic>
+          <a:graphicData uri="http://schemas.openxmlformats.org/drawingml/2006/table">
+            <a:tbl>
+              <a:tblPr firstRow="1" bandRow="1">
+                <a:tableStyleId>{5C22544A-7EE6-4342-B048-85BDC9FD1C3A}</a:tableStyleId>
+              </a:tblPr>
+              <a:tblGrid>
+                <a:gridCol w="3193032"/>
+              </a:tblGrid>
+              <a:tr h="0">
+                <a:tc>
+                  <a:txBody>
+                    <a:bodyPr/>
+                    <a:lstStyle/>
+                    <a:p>
+                      <a:pPr algn="ctr" latinLnBrk="1"/>
+                      <a:r>
+                        <a:rPr lang="en-US" altLang="ko-KR" sz="1400" b="0" dirty="0" smtClean="0">
+                          <a:solidFill>
+                            <a:schemeClr val="tx1"/>
+                          </a:solidFill>
+                        </a:rPr>
+                        <a:t>Animal</a:t>
+                      </a:r>
+                      <a:endParaRPr lang="ko-KR" altLang="en-US" sz="1400" b="0" dirty="0">
+                        <a:solidFill>
+                          <a:schemeClr val="tx1"/>
+                        </a:solidFill>
+                      </a:endParaRPr>
+                    </a:p>
+                  </a:txBody>
+                  <a:tcPr>
+                    <a:lnL w="3175" cap="flat" cmpd="sng" algn="ctr">
+                      <a:solidFill>
+                        <a:schemeClr val="tx1"/>
+                      </a:solidFill>
+                      <a:prstDash val="solid"/>
+                      <a:round/>
+                      <a:headEnd type="none" w="med" len="med"/>
+                      <a:tailEnd type="none" w="med" len="med"/>
+                    </a:lnL>
+                    <a:lnR w="3175" cap="flat" cmpd="sng" algn="ctr">
+                      <a:solidFill>
+                        <a:schemeClr val="tx1"/>
+                      </a:solidFill>
+                      <a:prstDash val="solid"/>
+                      <a:round/>
+                      <a:headEnd type="none" w="med" len="med"/>
+                      <a:tailEnd type="none" w="med" len="med"/>
+                    </a:lnR>
+                    <a:lnT w="3175" cap="flat" cmpd="sng" algn="ctr">
+                      <a:solidFill>
+                        <a:schemeClr val="tx1"/>
+                      </a:solidFill>
+                      <a:prstDash val="solid"/>
+                      <a:round/>
+                      <a:headEnd type="none" w="med" len="med"/>
+                      <a:tailEnd type="none" w="med" len="med"/>
+                    </a:lnT>
+                    <a:lnB w="3175" cap="flat" cmpd="sng" algn="ctr">
+                      <a:solidFill>
+                        <a:schemeClr val="tx1"/>
+                      </a:solidFill>
+                      <a:prstDash val="solid"/>
+                      <a:round/>
+                      <a:headEnd type="none" w="med" len="med"/>
+                      <a:tailEnd type="none" w="med" len="med"/>
+                    </a:lnB>
+                    <a:noFill/>
+                  </a:tcPr>
+                </a:tc>
+              </a:tr>
+              <a:tr h="0">
+                <a:tc>
+                  <a:txBody>
+                    <a:bodyPr/>
+                    <a:lstStyle/>
+                    <a:p>
+                      <a:pPr algn="ctr" latinLnBrk="1"/>
+                      <a:r>
+                        <a:rPr lang="en-US" altLang="ko-KR" sz="1400" b="0" dirty="0" smtClean="0">
+                          <a:solidFill>
+                            <a:schemeClr val="tx1"/>
+                          </a:solidFill>
+                        </a:rPr>
+                        <a:t>public</a:t>
+                      </a:r>
+                      <a:r>
+                        <a:rPr lang="en-US" altLang="ko-KR" sz="1400" b="0" baseline="0" dirty="0" smtClean="0">
+                          <a:solidFill>
+                            <a:schemeClr val="tx1"/>
+                          </a:solidFill>
+                        </a:rPr>
+                        <a:t> void </a:t>
+                      </a:r>
+                      <a:r>
+                        <a:rPr lang="en-US" altLang="ko-KR" sz="1400" b="0" baseline="0" dirty="0" err="1" smtClean="0">
+                          <a:solidFill>
+                            <a:schemeClr val="tx1"/>
+                          </a:solidFill>
+                        </a:rPr>
+                        <a:t>printCommonMessage</a:t>
+                      </a:r>
+                      <a:r>
+                        <a:rPr lang="en-US" altLang="ko-KR" sz="1400" b="0" baseline="0" dirty="0" smtClean="0">
+                          <a:solidFill>
+                            <a:schemeClr val="tx1"/>
+                          </a:solidFill>
+                        </a:rPr>
+                        <a:t>();</a:t>
+                      </a:r>
+                    </a:p>
+                    <a:p>
+                      <a:pPr algn="ctr" latinLnBrk="1"/>
+                      <a:r>
+                        <a:rPr lang="en-US" altLang="ko-KR" sz="1400" b="0" baseline="0" dirty="0" smtClean="0">
+                          <a:solidFill>
+                            <a:schemeClr val="tx1"/>
+                          </a:solidFill>
+                        </a:rPr>
+                        <a:t>abstract void bark();</a:t>
+                      </a:r>
+                      <a:endParaRPr lang="ko-KR" altLang="en-US" sz="1400" b="0" dirty="0">
+                        <a:solidFill>
+                          <a:schemeClr val="tx1"/>
+                        </a:solidFill>
+                      </a:endParaRPr>
+                    </a:p>
+                  </a:txBody>
+                  <a:tcPr>
+                    <a:lnL w="3175" cap="flat" cmpd="sng" algn="ctr">
+                      <a:solidFill>
+                        <a:schemeClr val="tx1"/>
+                      </a:solidFill>
+                      <a:prstDash val="solid"/>
+                      <a:round/>
+                      <a:headEnd type="none" w="med" len="med"/>
+                      <a:tailEnd type="none" w="med" len="med"/>
+                    </a:lnL>
+                    <a:lnR w="3175" cap="flat" cmpd="sng" algn="ctr">
+                      <a:solidFill>
+                        <a:schemeClr val="tx1"/>
+                      </a:solidFill>
+                      <a:prstDash val="solid"/>
+                      <a:round/>
+                      <a:headEnd type="none" w="med" len="med"/>
+                      <a:tailEnd type="none" w="med" len="med"/>
+                    </a:lnR>
+                    <a:lnT w="3175" cap="flat" cmpd="sng" algn="ctr">
+                      <a:solidFill>
+                        <a:schemeClr val="tx1"/>
+                      </a:solidFill>
+                      <a:prstDash val="solid"/>
+                      <a:round/>
+                      <a:headEnd type="none" w="med" len="med"/>
+                      <a:tailEnd type="none" w="med" len="med"/>
+                    </a:lnT>
+                    <a:lnB w="3175" cap="flat" cmpd="sng" algn="ctr">
+                      <a:solidFill>
+                        <a:schemeClr val="tx1"/>
+                      </a:solidFill>
+                      <a:prstDash val="solid"/>
+                      <a:round/>
+                      <a:headEnd type="none" w="med" len="med"/>
+                      <a:tailEnd type="none" w="med" len="med"/>
+                    </a:lnB>
+                    <a:noFill/>
+                  </a:tcPr>
+                </a:tc>
+              </a:tr>
+            </a:tbl>
+          </a:graphicData>
+        </a:graphic>
+      </p:graphicFrame>
+      <p:graphicFrame>
+        <p:nvGraphicFramePr>
+          <p:cNvPr id="13" name="표 12"/>
+          <p:cNvGraphicFramePr>
+            <a:graphicFrameLocks noGrp="1"/>
+          </p:cNvGraphicFramePr>
+          <p:nvPr>
+            <p:extLst>
+              <p:ext uri="{D42A27DB-BD31-4B8C-83A1-F6EECF244321}">
+                <p14:modId xmlns:p14="http://schemas.microsoft.com/office/powerpoint/2010/main" val="970462059"/>
+              </p:ext>
+            </p:extLst>
+          </p:nvPr>
+        </p:nvGraphicFramePr>
+        <p:xfrm>
+          <a:off x="564232" y="4703840"/>
+          <a:ext cx="3143672" cy="1036320"/>
+        </p:xfrm>
+        <a:graphic>
+          <a:graphicData uri="http://schemas.openxmlformats.org/drawingml/2006/table">
+            <a:tbl>
+              <a:tblPr firstRow="1" bandRow="1">
+                <a:tableStyleId>{5C22544A-7EE6-4342-B048-85BDC9FD1C3A}</a:tableStyleId>
+              </a:tblPr>
+              <a:tblGrid>
+                <a:gridCol w="3143672"/>
+              </a:tblGrid>
+              <a:tr h="0">
+                <a:tc>
+                  <a:txBody>
+                    <a:bodyPr/>
+                    <a:lstStyle/>
+                    <a:p>
+                      <a:pPr algn="ctr" latinLnBrk="1"/>
+                      <a:r>
+                        <a:rPr lang="en-US" altLang="ko-KR" sz="1400" b="0" dirty="0" smtClean="0">
+                          <a:solidFill>
+                            <a:schemeClr val="tx1"/>
+                          </a:solidFill>
+                        </a:rPr>
+                        <a:t>Dog</a:t>
+                      </a:r>
+                      <a:endParaRPr lang="ko-KR" altLang="en-US" sz="1400" b="0" dirty="0">
+                        <a:solidFill>
+                          <a:schemeClr val="tx1"/>
+                        </a:solidFill>
+                      </a:endParaRPr>
+                    </a:p>
+                  </a:txBody>
+                  <a:tcPr>
+                    <a:lnL w="3175" cap="flat" cmpd="sng" algn="ctr">
+                      <a:solidFill>
+                        <a:schemeClr val="tx1"/>
+                      </a:solidFill>
+                      <a:prstDash val="solid"/>
+                      <a:round/>
+                      <a:headEnd type="none" w="med" len="med"/>
+                      <a:tailEnd type="none" w="med" len="med"/>
+                    </a:lnL>
+                    <a:lnR w="3175" cap="flat" cmpd="sng" algn="ctr">
+                      <a:solidFill>
+                        <a:schemeClr val="tx1"/>
+                      </a:solidFill>
+                      <a:prstDash val="solid"/>
+                      <a:round/>
+                      <a:headEnd type="none" w="med" len="med"/>
+                      <a:tailEnd type="none" w="med" len="med"/>
+                    </a:lnR>
+                    <a:lnT w="3175" cap="flat" cmpd="sng" algn="ctr">
+                      <a:solidFill>
+                        <a:schemeClr val="tx1"/>
+                      </a:solidFill>
+                      <a:prstDash val="solid"/>
+                      <a:round/>
+                      <a:headEnd type="none" w="med" len="med"/>
+                      <a:tailEnd type="none" w="med" len="med"/>
+                    </a:lnT>
+                    <a:lnB w="3175" cap="flat" cmpd="sng" algn="ctr">
+                      <a:solidFill>
+                        <a:schemeClr val="tx1"/>
+                      </a:solidFill>
+                      <a:prstDash val="solid"/>
+                      <a:round/>
+                      <a:headEnd type="none" w="med" len="med"/>
+                      <a:tailEnd type="none" w="med" len="med"/>
+                    </a:lnB>
+                    <a:noFill/>
+                  </a:tcPr>
+                </a:tc>
+              </a:tr>
+              <a:tr h="0">
+                <a:tc>
+                  <a:txBody>
+                    <a:bodyPr/>
+                    <a:lstStyle/>
+                    <a:p>
+                      <a:pPr algn="ctr" latinLnBrk="1"/>
+                      <a:r>
+                        <a:rPr lang="en-US" altLang="ko-KR" sz="1400" b="0" dirty="0" smtClean="0">
+                          <a:solidFill>
+                            <a:schemeClr val="tx1"/>
+                          </a:solidFill>
+                        </a:rPr>
+                        <a:t>@Override</a:t>
+                      </a:r>
+                    </a:p>
+                    <a:p>
+                      <a:pPr algn="ctr" latinLnBrk="1"/>
+                      <a:r>
+                        <a:rPr lang="en-US" altLang="ko-KR" sz="1400" b="0" dirty="0" smtClean="0">
+                          <a:solidFill>
+                            <a:schemeClr val="tx1"/>
+                          </a:solidFill>
+                        </a:rPr>
+                        <a:t>public</a:t>
+                      </a:r>
+                      <a:r>
+                        <a:rPr lang="en-US" altLang="ko-KR" sz="1400" b="0" baseline="0" dirty="0" smtClean="0">
+                          <a:solidFill>
+                            <a:schemeClr val="tx1"/>
+                          </a:solidFill>
+                        </a:rPr>
+                        <a:t> void </a:t>
+                      </a:r>
+                      <a:r>
+                        <a:rPr lang="en-US" altLang="ko-KR" sz="1400" b="0" baseline="0" dirty="0" err="1" smtClean="0">
+                          <a:solidFill>
+                            <a:schemeClr val="tx1"/>
+                          </a:solidFill>
+                        </a:rPr>
+                        <a:t>printCommonMessage</a:t>
+                      </a:r>
+                      <a:r>
+                        <a:rPr lang="en-US" altLang="ko-KR" sz="1400" b="0" baseline="0" dirty="0" smtClean="0">
+                          <a:solidFill>
+                            <a:schemeClr val="tx1"/>
+                          </a:solidFill>
+                        </a:rPr>
+                        <a:t>()</a:t>
+                      </a:r>
+                      <a:endParaRPr lang="en-US" altLang="ko-KR" sz="1400" b="0" dirty="0" smtClean="0">
+                        <a:solidFill>
+                          <a:schemeClr val="tx1"/>
+                        </a:solidFill>
+                      </a:endParaRPr>
+                    </a:p>
+                    <a:p>
+                      <a:pPr algn="ctr" latinLnBrk="1"/>
+                      <a:r>
+                        <a:rPr lang="en-US" altLang="ko-KR" sz="1400" b="0" dirty="0" smtClean="0">
+                          <a:solidFill>
+                            <a:schemeClr val="tx1"/>
+                          </a:solidFill>
+                        </a:rPr>
+                        <a:t>void bark();</a:t>
+                      </a:r>
+                    </a:p>
+                  </a:txBody>
+                  <a:tcPr>
+                    <a:lnL w="3175" cap="flat" cmpd="sng" algn="ctr">
+                      <a:solidFill>
+                        <a:schemeClr val="tx1"/>
+                      </a:solidFill>
+                      <a:prstDash val="solid"/>
+                      <a:round/>
+                      <a:headEnd type="none" w="med" len="med"/>
+                      <a:tailEnd type="none" w="med" len="med"/>
+                    </a:lnL>
+                    <a:lnR w="3175" cap="flat" cmpd="sng" algn="ctr">
+                      <a:solidFill>
+                        <a:schemeClr val="tx1"/>
+                      </a:solidFill>
+                      <a:prstDash val="solid"/>
+                      <a:round/>
+                      <a:headEnd type="none" w="med" len="med"/>
+                      <a:tailEnd type="none" w="med" len="med"/>
+                    </a:lnR>
+                    <a:lnT w="3175" cap="flat" cmpd="sng" algn="ctr">
+                      <a:solidFill>
+                        <a:schemeClr val="tx1"/>
+                      </a:solidFill>
+                      <a:prstDash val="solid"/>
+                      <a:round/>
+                      <a:headEnd type="none" w="med" len="med"/>
+                      <a:tailEnd type="none" w="med" len="med"/>
+                    </a:lnT>
+                    <a:lnB w="3175" cap="flat" cmpd="sng" algn="ctr">
+                      <a:solidFill>
+                        <a:schemeClr val="tx1"/>
+                      </a:solidFill>
+                      <a:prstDash val="solid"/>
+                      <a:round/>
+                      <a:headEnd type="none" w="med" len="med"/>
+                      <a:tailEnd type="none" w="med" len="med"/>
+                    </a:lnB>
+                    <a:noFill/>
+                  </a:tcPr>
+                </a:tc>
+              </a:tr>
+            </a:tbl>
+          </a:graphicData>
+        </a:graphic>
+      </p:graphicFrame>
+      <p:sp>
+        <p:nvSpPr>
+          <p:cNvPr id="15" name="TextBox 14"/>
+          <p:cNvSpPr txBox="1"/>
+          <p:nvPr/>
+        </p:nvSpPr>
+        <p:spPr>
+          <a:xfrm>
+            <a:off x="1120279" y="1283755"/>
+            <a:ext cx="2297424" cy="369332"/>
+          </a:xfrm>
+          <a:prstGeom prst="rect">
+            <a:avLst/>
+          </a:prstGeom>
+          <a:noFill/>
+        </p:spPr>
+        <p:txBody>
+          <a:bodyPr wrap="none" rtlCol="0">
+            <a:spAutoFit/>
+          </a:bodyPr>
+          <a:lstStyle/>
+          <a:p>
+            <a:r>
+              <a:rPr lang="en-US" altLang="ko-KR" smtClean="0"/>
+              <a:t>final method </a:t>
+            </a:r>
+            <a:r>
+              <a:rPr lang="ko-KR" altLang="en-US" dirty="0" smtClean="0"/>
+              <a:t>비적용</a:t>
+            </a:r>
+            <a:endParaRPr lang="ko-KR" altLang="en-US" dirty="0"/>
+          </a:p>
+        </p:txBody>
+      </p:sp>
+      <p:sp>
+        <p:nvSpPr>
+          <p:cNvPr id="16" name="TextBox 15"/>
+          <p:cNvSpPr txBox="1"/>
+          <p:nvPr/>
+        </p:nvSpPr>
+        <p:spPr>
+          <a:xfrm>
+            <a:off x="6275008" y="1283755"/>
+            <a:ext cx="2066591" cy="369332"/>
+          </a:xfrm>
+          <a:prstGeom prst="rect">
+            <a:avLst/>
+          </a:prstGeom>
+          <a:noFill/>
+        </p:spPr>
+        <p:txBody>
+          <a:bodyPr wrap="none" rtlCol="0">
+            <a:spAutoFit/>
+          </a:bodyPr>
+          <a:lstStyle/>
+          <a:p>
+            <a:r>
+              <a:rPr lang="en-US" altLang="ko-KR" smtClean="0"/>
+              <a:t>final method </a:t>
+            </a:r>
+            <a:r>
+              <a:rPr lang="ko-KR" altLang="en-US" dirty="0" smtClean="0"/>
+              <a:t>적용</a:t>
+            </a:r>
+            <a:endParaRPr lang="ko-KR" altLang="en-US" dirty="0"/>
+          </a:p>
+        </p:txBody>
+      </p:sp>
+      <p:cxnSp>
+        <p:nvCxnSpPr>
+          <p:cNvPr id="18" name="직선 화살표 연결선 17"/>
+          <p:cNvCxnSpPr>
+            <a:stCxn id="13" idx="0"/>
+            <a:endCxn id="12" idx="2"/>
+          </p:cNvCxnSpPr>
+          <p:nvPr/>
+        </p:nvCxnSpPr>
+        <p:spPr>
+          <a:xfrm flipV="1">
+            <a:off x="2136068" y="2595776"/>
+            <a:ext cx="0" cy="2108064"/>
+          </a:xfrm>
+          <a:prstGeom prst="straightConnector1">
+            <a:avLst/>
+          </a:prstGeom>
+          <a:ln>
+            <a:headEnd type="none" w="med" len="med"/>
+            <a:tailEnd type="triangle" w="med" len="med"/>
+          </a:ln>
+        </p:spPr>
+        <p:style>
+          <a:lnRef idx="1">
+            <a:schemeClr val="dk1"/>
+          </a:lnRef>
+          <a:fillRef idx="0">
+            <a:schemeClr val="dk1"/>
+          </a:fillRef>
+          <a:effectRef idx="0">
+            <a:schemeClr val="dk1"/>
+          </a:effectRef>
+          <a:fontRef idx="minor">
+            <a:schemeClr val="tx1"/>
+          </a:fontRef>
+        </p:style>
+      </p:cxnSp>
+      <p:cxnSp>
+        <p:nvCxnSpPr>
+          <p:cNvPr id="23" name="직선 화살표 연결선 22"/>
+          <p:cNvCxnSpPr/>
+          <p:nvPr/>
+        </p:nvCxnSpPr>
+        <p:spPr>
+          <a:xfrm flipV="1">
+            <a:off x="7308304" y="2595776"/>
+            <a:ext cx="0" cy="2108064"/>
+          </a:xfrm>
+          <a:prstGeom prst="straightConnector1">
+            <a:avLst/>
+          </a:prstGeom>
+          <a:ln>
+            <a:headEnd type="none" w="med" len="med"/>
+            <a:tailEnd type="triangle" w="med" len="med"/>
+          </a:ln>
+        </p:spPr>
+        <p:style>
+          <a:lnRef idx="1">
+            <a:schemeClr val="dk1"/>
+          </a:lnRef>
+          <a:fillRef idx="0">
+            <a:schemeClr val="dk1"/>
+          </a:fillRef>
+          <a:effectRef idx="0">
+            <a:schemeClr val="dk1"/>
+          </a:effectRef>
+          <a:fontRef idx="minor">
+            <a:schemeClr val="tx1"/>
+          </a:fontRef>
+        </p:style>
+      </p:cxnSp>
+      <p:sp>
+        <p:nvSpPr>
+          <p:cNvPr id="25" name="사각형 설명선 24"/>
+          <p:cNvSpPr/>
+          <p:nvPr/>
+        </p:nvSpPr>
+        <p:spPr>
+          <a:xfrm>
+            <a:off x="2847532" y="2852936"/>
+            <a:ext cx="2232248" cy="1368152"/>
+          </a:xfrm>
+          <a:prstGeom prst="wedgeRectCallout">
+            <a:avLst>
+              <a:gd name="adj1" fmla="val -29983"/>
+              <a:gd name="adj2" fmla="val -89770"/>
+            </a:avLst>
+          </a:prstGeom>
+        </p:spPr>
+        <p:style>
+          <a:lnRef idx="2">
+            <a:schemeClr val="accent2">
+              <a:shade val="50000"/>
+            </a:schemeClr>
+          </a:lnRef>
+          <a:fillRef idx="1">
+            <a:schemeClr val="accent2"/>
+          </a:fillRef>
+          <a:effectRef idx="0">
+            <a:schemeClr val="accent2"/>
+          </a:effectRef>
+          <a:fontRef idx="minor">
+            <a:schemeClr val="lt1"/>
+          </a:fontRef>
+        </p:style>
+        <p:txBody>
+          <a:bodyPr rtlCol="0" anchor="ctr"/>
+          <a:lstStyle/>
+          <a:p>
+            <a:pPr algn="ctr"/>
+            <a:r>
+              <a:rPr lang="en-US" altLang="ko-KR" sz="1400" dirty="0">
+                <a:solidFill>
+                  <a:schemeClr val="bg1"/>
+                </a:solidFill>
+              </a:rPr>
+              <a:t>// </a:t>
+            </a:r>
+            <a:r>
+              <a:rPr lang="ko-KR" altLang="en-US" sz="1400" dirty="0">
+                <a:solidFill>
+                  <a:schemeClr val="bg1"/>
+                </a:solidFill>
+              </a:rPr>
+              <a:t>절대로 </a:t>
+            </a:r>
+            <a:r>
+              <a:rPr lang="en-US" altLang="ko-KR" sz="1400" dirty="0" err="1">
+                <a:solidFill>
+                  <a:schemeClr val="bg1"/>
+                </a:solidFill>
+              </a:rPr>
+              <a:t>printCommonMessage</a:t>
+            </a:r>
+            <a:r>
+              <a:rPr lang="en-US" altLang="ko-KR" sz="1400" dirty="0">
+                <a:solidFill>
+                  <a:schemeClr val="bg1"/>
+                </a:solidFill>
+              </a:rPr>
+              <a:t>()</a:t>
+            </a:r>
+            <a:r>
+              <a:rPr lang="ko-KR" altLang="en-US" sz="1400" dirty="0">
+                <a:solidFill>
+                  <a:schemeClr val="bg1"/>
+                </a:solidFill>
+              </a:rPr>
+              <a:t>는 </a:t>
+            </a:r>
+            <a:r>
+              <a:rPr lang="ko-KR" altLang="en-US" sz="1400" dirty="0" err="1">
+                <a:solidFill>
+                  <a:schemeClr val="bg1"/>
+                </a:solidFill>
+              </a:rPr>
+              <a:t>오버라이드</a:t>
+            </a:r>
+            <a:r>
+              <a:rPr lang="ko-KR" altLang="en-US" sz="1400" dirty="0">
+                <a:solidFill>
+                  <a:schemeClr val="bg1"/>
+                </a:solidFill>
+              </a:rPr>
+              <a:t> </a:t>
+            </a:r>
+            <a:r>
+              <a:rPr lang="ko-KR" altLang="en-US" sz="1400" dirty="0" err="1">
+                <a:solidFill>
+                  <a:schemeClr val="bg1"/>
+                </a:solidFill>
+              </a:rPr>
+              <a:t>하지마시요</a:t>
+            </a:r>
+            <a:r>
+              <a:rPr lang="en-US" altLang="ko-KR" sz="1400" dirty="0">
+                <a:solidFill>
+                  <a:schemeClr val="bg1"/>
+                </a:solidFill>
+              </a:rPr>
+              <a:t>.</a:t>
+            </a:r>
+          </a:p>
+        </p:txBody>
+      </p:sp>
+      <p:sp>
+        <p:nvSpPr>
+          <p:cNvPr id="26" name="타원 25"/>
+          <p:cNvSpPr/>
+          <p:nvPr/>
+        </p:nvSpPr>
+        <p:spPr>
+          <a:xfrm>
+            <a:off x="352404" y="2087592"/>
+            <a:ext cx="3672408" cy="284672"/>
+          </a:xfrm>
+          <a:prstGeom prst="ellipse">
+            <a:avLst/>
+          </a:prstGeom>
+          <a:noFill/>
+          <a:ln>
+            <a:solidFill>
+              <a:srgbClr val="FF0000"/>
+            </a:solidFill>
+          </a:ln>
+        </p:spPr>
+        <p:style>
+          <a:lnRef idx="2">
+            <a:schemeClr val="accent1">
+              <a:shade val="50000"/>
+            </a:schemeClr>
+          </a:lnRef>
+          <a:fillRef idx="1">
+            <a:schemeClr val="accent1"/>
+          </a:fillRef>
+          <a:effectRef idx="0">
+            <a:schemeClr val="accent1"/>
+          </a:effectRef>
+          <a:fontRef idx="minor">
+            <a:schemeClr val="lt1"/>
+          </a:fontRef>
+        </p:style>
+        <p:txBody>
+          <a:bodyPr rtlCol="0" anchor="ctr"/>
+          <a:lstStyle/>
+          <a:p>
+            <a:pPr algn="ctr"/>
+            <a:endParaRPr lang="ko-KR" altLang="en-US"/>
+          </a:p>
+        </p:txBody>
+      </p:sp>
+      <p:sp>
+        <p:nvSpPr>
+          <p:cNvPr id="30" name="사각형 설명선 29"/>
+          <p:cNvSpPr/>
+          <p:nvPr/>
+        </p:nvSpPr>
+        <p:spPr>
+          <a:xfrm>
+            <a:off x="3851920" y="5373216"/>
+            <a:ext cx="2232248" cy="1368152"/>
+          </a:xfrm>
+          <a:prstGeom prst="wedgeRectCallout">
+            <a:avLst>
+              <a:gd name="adj1" fmla="val 77449"/>
+              <a:gd name="adj2" fmla="val -71485"/>
+            </a:avLst>
+          </a:prstGeom>
+        </p:spPr>
+        <p:style>
+          <a:lnRef idx="2">
+            <a:schemeClr val="accent5">
+              <a:shade val="50000"/>
+            </a:schemeClr>
+          </a:lnRef>
+          <a:fillRef idx="1">
+            <a:schemeClr val="accent5"/>
+          </a:fillRef>
+          <a:effectRef idx="0">
+            <a:schemeClr val="accent5"/>
+          </a:effectRef>
+          <a:fontRef idx="minor">
+            <a:schemeClr val="lt1"/>
+          </a:fontRef>
+        </p:style>
+        <p:txBody>
+          <a:bodyPr rtlCol="0" anchor="ctr"/>
+          <a:lstStyle/>
+          <a:p>
+            <a:pPr algn="ctr"/>
+            <a:r>
+              <a:rPr lang="en-US" altLang="ko-KR" sz="1400" dirty="0">
+                <a:solidFill>
+                  <a:schemeClr val="bg1"/>
+                </a:solidFill>
+              </a:rPr>
+              <a:t>// </a:t>
+            </a:r>
+            <a:r>
+              <a:rPr lang="ko-KR" altLang="en-US" sz="1400" dirty="0" smtClean="0">
+                <a:solidFill>
+                  <a:schemeClr val="bg1"/>
+                </a:solidFill>
+              </a:rPr>
+              <a:t>아 </a:t>
+            </a:r>
+            <a:r>
+              <a:rPr lang="en-US" altLang="ko-KR" sz="1400" dirty="0" err="1" smtClean="0">
+                <a:solidFill>
+                  <a:schemeClr val="bg1"/>
+                </a:solidFill>
+              </a:rPr>
+              <a:t>printCommonMessage</a:t>
+            </a:r>
+            <a:r>
+              <a:rPr lang="en-US" altLang="ko-KR" sz="1400" dirty="0" smtClean="0">
+                <a:solidFill>
+                  <a:schemeClr val="bg1"/>
+                </a:solidFill>
+              </a:rPr>
+              <a:t>()</a:t>
+            </a:r>
+            <a:r>
+              <a:rPr lang="ko-KR" altLang="en-US" sz="1400" dirty="0" smtClean="0">
+                <a:solidFill>
+                  <a:schemeClr val="bg1"/>
+                </a:solidFill>
+              </a:rPr>
+              <a:t>는 </a:t>
+            </a:r>
+            <a:r>
+              <a:rPr lang="en-US" altLang="ko-KR" sz="1400" dirty="0" smtClean="0">
+                <a:solidFill>
+                  <a:schemeClr val="bg1"/>
+                </a:solidFill>
+              </a:rPr>
+              <a:t>final </a:t>
+            </a:r>
+            <a:r>
+              <a:rPr lang="ko-KR" altLang="en-US" sz="1400" dirty="0" smtClean="0">
+                <a:solidFill>
+                  <a:schemeClr val="bg1"/>
+                </a:solidFill>
+              </a:rPr>
+              <a:t>처리되어서 </a:t>
+            </a:r>
+            <a:r>
+              <a:rPr lang="ko-KR" altLang="en-US" sz="1400" dirty="0" err="1" smtClean="0">
+                <a:solidFill>
+                  <a:schemeClr val="bg1"/>
+                </a:solidFill>
+              </a:rPr>
+              <a:t>오버라이드르</a:t>
+            </a:r>
+            <a:r>
+              <a:rPr lang="ko-KR" altLang="en-US" sz="1400" dirty="0" smtClean="0">
+                <a:solidFill>
+                  <a:schemeClr val="bg1"/>
+                </a:solidFill>
+              </a:rPr>
+              <a:t> 할 수가 없잖아</a:t>
+            </a:r>
+            <a:r>
+              <a:rPr lang="en-US" altLang="ko-KR" sz="1400" dirty="0" smtClean="0">
+                <a:solidFill>
+                  <a:schemeClr val="bg1"/>
+                </a:solidFill>
+              </a:rPr>
+              <a:t>!!</a:t>
+            </a:r>
+            <a:endParaRPr lang="en-US" altLang="ko-KR" sz="1400" dirty="0">
+              <a:solidFill>
+                <a:schemeClr val="bg1"/>
+              </a:solidFill>
+            </a:endParaRPr>
+          </a:p>
+        </p:txBody>
+      </p:sp>
+    </p:spTree>
+    <p:extLst>
+      <p:ext uri="{BB962C8B-B14F-4D97-AF65-F5344CB8AC3E}">
+        <p14:creationId xmlns:p14="http://schemas.microsoft.com/office/powerpoint/2010/main" val="3997312074"/>
+      </p:ext>
+    </p:extLst>
+  </p:cSld>
+  <p:clrMapOvr>
+    <a:masterClrMapping/>
+  </p:clrMapOvr>
+</p:sld>
+</file>
+
+<file path=ppt/slides/slide17.xml><?xml version="1.0" encoding="utf-8"?>
+<p:sld xmlns:a="http://schemas.openxmlformats.org/drawingml/2006/main" xmlns:r="http://schemas.openxmlformats.org/officeDocument/2006/relationships" xmlns:p="http://schemas.openxmlformats.org/presentationml/2006/main">
+  <p:cSld>
+    <p:spTree>
+      <p:nvGrpSpPr>
+        <p:cNvPr id="1" name=""/>
+        <p:cNvGrpSpPr/>
+        <p:nvPr/>
+      </p:nvGrpSpPr>
+      <p:grpSpPr>
+        <a:xfrm>
+          <a:off x="0" y="0"/>
+          <a:ext cx="0" cy="0"/>
+          <a:chOff x="0" y="0"/>
+          <a:chExt cx="0" cy="0"/>
+        </a:xfrm>
+      </p:grpSpPr>
+      <p:sp>
+        <p:nvSpPr>
+          <p:cNvPr id="2" name="제목 1"/>
+          <p:cNvSpPr>
+            <a:spLocks noGrp="1"/>
+          </p:cNvSpPr>
+          <p:nvPr>
+            <p:ph type="title"/>
+          </p:nvPr>
+        </p:nvSpPr>
+        <p:spPr/>
+        <p:txBody>
+          <a:bodyPr>
+            <a:normAutofit fontScale="90000"/>
+          </a:bodyPr>
+          <a:lstStyle/>
+          <a:p>
+            <a:r>
+              <a:rPr lang="en-US" altLang="ko-KR" dirty="0" smtClean="0"/>
+              <a:t>Inventory</a:t>
+            </a:r>
+            <a:br>
+              <a:rPr lang="en-US" altLang="ko-KR" dirty="0" smtClean="0"/>
+            </a:br>
+            <a:r>
+              <a:rPr lang="ko-KR" altLang="en-US" dirty="0" smtClean="0"/>
+              <a:t>객체지향의 실제 구현사례</a:t>
+            </a:r>
+            <a:endParaRPr lang="ko-KR" altLang="en-US" dirty="0"/>
+          </a:p>
+        </p:txBody>
+      </p:sp>
+      <p:pic>
+        <p:nvPicPr>
+          <p:cNvPr id="1032" name="Picture 8" descr="http://cfile218.uf.daum.net/image/113FE03951492F0608804D"/>
+          <p:cNvPicPr>
+            <a:picLocks noChangeAspect="1" noChangeArrowheads="1"/>
+          </p:cNvPicPr>
+          <p:nvPr/>
+        </p:nvPicPr>
+        <p:blipFill>
+          <a:blip r:embed="rId2">
+            <a:extLst>
+              <a:ext uri="{28A0092B-C50C-407E-A947-70E740481C1C}">
+                <a14:useLocalDpi xmlns:a14="http://schemas.microsoft.com/office/drawing/2010/main" val="0"/>
+              </a:ext>
+            </a:extLst>
+          </a:blip>
+          <a:srcRect/>
+          <a:stretch>
+            <a:fillRect/>
+          </a:stretch>
+        </p:blipFill>
+        <p:spPr bwMode="auto">
+          <a:xfrm>
+            <a:off x="625475" y="1484784"/>
+            <a:ext cx="7884876" cy="5256584"/>
+          </a:xfrm>
+          <a:prstGeom prst="rect">
+            <a:avLst/>
+          </a:prstGeom>
+          <a:noFill/>
+          <a:extLst>
+            <a:ext uri="{909E8E84-426E-40DD-AFC4-6F175D3DCCD1}">
+              <a14:hiddenFill xmlns:a14="http://schemas.microsoft.com/office/drawing/2010/main">
+                <a:solidFill>
+                  <a:srgbClr val="FFFFFF"/>
+                </a:solidFill>
+              </a14:hiddenFill>
+            </a:ext>
+          </a:extLst>
+        </p:spPr>
+      </p:pic>
+    </p:spTree>
+    <p:extLst>
+      <p:ext uri="{BB962C8B-B14F-4D97-AF65-F5344CB8AC3E}">
+        <p14:creationId xmlns:p14="http://schemas.microsoft.com/office/powerpoint/2010/main" val="121958423"/>
+      </p:ext>
+    </p:extLst>
+  </p:cSld>
+  <p:clrMapOvr>
+    <a:masterClrMapping/>
+  </p:clrMapOvr>
+</p:sld>
+</file>
+
+<file path=ppt/slides/slide18.xml><?xml version="1.0" encoding="utf-8"?>
+<p:sld xmlns:a="http://schemas.openxmlformats.org/drawingml/2006/main" xmlns:r="http://schemas.openxmlformats.org/officeDocument/2006/relationships" xmlns:p="http://schemas.openxmlformats.org/presentationml/2006/main">
+  <p:cSld>
+    <p:spTree>
+      <p:nvGrpSpPr>
+        <p:cNvPr id="1" name=""/>
+        <p:cNvGrpSpPr/>
+        <p:nvPr/>
+      </p:nvGrpSpPr>
+      <p:grpSpPr>
+        <a:xfrm>
+          <a:off x="0" y="0"/>
+          <a:ext cx="0" cy="0"/>
+          <a:chOff x="0" y="0"/>
+          <a:chExt cx="0" cy="0"/>
+        </a:xfrm>
+      </p:grpSpPr>
+      <p:sp>
+        <p:nvSpPr>
+          <p:cNvPr id="2" name="제목 1"/>
+          <p:cNvSpPr>
+            <a:spLocks noGrp="1"/>
+          </p:cNvSpPr>
+          <p:nvPr>
+            <p:ph type="title"/>
+          </p:nvPr>
+        </p:nvSpPr>
+        <p:spPr/>
+        <p:txBody>
+          <a:bodyPr/>
+          <a:lstStyle/>
+          <a:p>
+            <a:endParaRPr lang="ko-KR" altLang="en-US"/>
+          </a:p>
+        </p:txBody>
+      </p:sp>
+      <p:sp>
+        <p:nvSpPr>
+          <p:cNvPr id="3" name="내용 개체 틀 2"/>
+          <p:cNvSpPr>
+            <a:spLocks noGrp="1"/>
+          </p:cNvSpPr>
+          <p:nvPr>
+            <p:ph idx="1"/>
+          </p:nvPr>
+        </p:nvSpPr>
+        <p:spPr/>
+        <p:txBody>
+          <a:bodyPr/>
+          <a:lstStyle/>
+          <a:p>
+            <a:endParaRPr lang="ko-KR" altLang="en-US"/>
+          </a:p>
+        </p:txBody>
+      </p:sp>
+      <p:pic>
+        <p:nvPicPr>
+          <p:cNvPr id="1026" name="Picture 2" descr="디아블로2 인벤토리에 대한 이미지 검색결과"/>
+          <p:cNvPicPr>
+            <a:picLocks noChangeAspect="1" noChangeArrowheads="1"/>
+          </p:cNvPicPr>
+          <p:nvPr/>
+        </p:nvPicPr>
+        <p:blipFill>
+          <a:blip r:embed="rId2">
+            <a:extLst>
+              <a:ext uri="{28A0092B-C50C-407E-A947-70E740481C1C}">
+                <a14:useLocalDpi xmlns:a14="http://schemas.microsoft.com/office/drawing/2010/main" val="0"/>
+              </a:ext>
+            </a:extLst>
+          </a:blip>
+          <a:srcRect/>
+          <a:stretch>
+            <a:fillRect/>
+          </a:stretch>
+        </p:blipFill>
+        <p:spPr bwMode="auto">
+          <a:xfrm>
+            <a:off x="444674" y="1124743"/>
+            <a:ext cx="8352928" cy="4698523"/>
+          </a:xfrm>
+          <a:prstGeom prst="rect">
+            <a:avLst/>
+          </a:prstGeom>
+          <a:noFill/>
+          <a:extLst>
+            <a:ext uri="{909E8E84-426E-40DD-AFC4-6F175D3DCCD1}">
+              <a14:hiddenFill xmlns:a14="http://schemas.microsoft.com/office/drawing/2010/main">
+                <a:solidFill>
+                  <a:srgbClr val="FFFFFF"/>
+                </a:solidFill>
+              </a14:hiddenFill>
+            </a:ext>
+          </a:extLst>
+        </p:spPr>
+      </p:pic>
+    </p:spTree>
+    <p:extLst>
+      <p:ext uri="{BB962C8B-B14F-4D97-AF65-F5344CB8AC3E}">
+        <p14:creationId xmlns:p14="http://schemas.microsoft.com/office/powerpoint/2010/main" val="4055412662"/>
       </p:ext>
     </p:extLst>
   </p:cSld>
